--- a/fillan.pptx
+++ b/fillan.pptx
@@ -115,1546 +115,6 @@
 </p:presentation>
 </file>
 
-<file path=ppt/ink/ink1.xml><?xml version="1.0" encoding="utf-8"?>
-<inkml:ink xmlns:inkml="http://www.w3.org/2003/InkML">
-  <inkml:definitions>
-    <inkml:context xml:id="ctx0">
-      <inkml:inkSource xml:id="inkSrc0">
-        <inkml:traceFormat>
-          <inkml:channel name="X" type="integer" min="-2.14748E9" max="2.14748E9" units="cm"/>
-          <inkml:channel name="Y" type="integer" min="-2.14748E9" max="2.14748E9" units="cm"/>
-          <inkml:channel name="F" type="integer" max="32767" units="dev"/>
-        </inkml:traceFormat>
-        <inkml:channelProperties>
-          <inkml:channelProperty channel="X" name="resolution" value="1000" units="1/cm"/>
-          <inkml:channelProperty channel="Y" name="resolution" value="1000" units="1/cm"/>
-          <inkml:channelProperty channel="F" name="resolution" value="0" units="1/dev"/>
-        </inkml:channelProperties>
-      </inkml:inkSource>
-      <inkml:timestamp xml:id="ts0" timeString="2021-12-09T18:25:14.805"/>
-    </inkml:context>
-    <inkml:brush xml:id="br0">
-      <inkml:brushProperty name="width" value="0.1" units="cm"/>
-      <inkml:brushProperty name="height" value="0.1" units="cm"/>
-      <inkml:brushProperty name="color" value="#FFFFFF"/>
-    </inkml:brush>
-  </inkml:definitions>
-  <inkml:trace contextRef="#ctx0" brushRef="#br0">1 0 24575,'0'84'0,"0"1"0</inkml:trace>
-</inkml:ink>
-</file>
-
-<file path=ppt/ink/ink10.xml><?xml version="1.0" encoding="utf-8"?>
-<inkml:ink xmlns:inkml="http://www.w3.org/2003/InkML">
-  <inkml:definitions>
-    <inkml:context xml:id="ctx0">
-      <inkml:inkSource xml:id="inkSrc0">
-        <inkml:traceFormat>
-          <inkml:channel name="X" type="integer" min="-2.14748E9" max="2.14748E9" units="cm"/>
-          <inkml:channel name="Y" type="integer" min="-2.14748E9" max="2.14748E9" units="cm"/>
-          <inkml:channel name="F" type="integer" max="32767" units="dev"/>
-        </inkml:traceFormat>
-        <inkml:channelProperties>
-          <inkml:channelProperty channel="X" name="resolution" value="1000" units="1/cm"/>
-          <inkml:channelProperty channel="Y" name="resolution" value="1000" units="1/cm"/>
-          <inkml:channelProperty channel="F" name="resolution" value="0" units="1/dev"/>
-        </inkml:channelProperties>
-      </inkml:inkSource>
-      <inkml:timestamp xml:id="ts0" timeString="2021-12-09T18:27:49.147"/>
-    </inkml:context>
-    <inkml:brush xml:id="br0">
-      <inkml:brushProperty name="width" value="0.025" units="cm"/>
-      <inkml:brushProperty name="height" value="0.025" units="cm"/>
-      <inkml:brushProperty name="color" value="#FFFFFF"/>
-    </inkml:brush>
-  </inkml:definitions>
-  <inkml:trace contextRef="#ctx0" brushRef="#br0">10 304 24575,'3'0'0,"8"0"0,1 0 0,0 0 0,3 0 0,-4 0 0,6 0 0,2 0 0,-2 0 0,0 0 0,-6 0 0,-1 0 0,-5 0 0,-3 0 0,-8 0 0,2 0 0,-8 0 0,4 0 0,-6 0 0,-3 0 0,1 0 0,2 0 0,3 0 0,3 0 0,1 0 0,2 0 0,0 0 0,2 0 0,0 0 0,2 0 0,-2 0 0,2 0 0,-2 0 0,0 0 0,-1 0 0,1 0 0,-1 0 0,4 0 0,3-1 0,3-2 0,0 1 0,5-5 0,-2 1 0,4-3 0,-1 0 0,-3 1 0,-1 2 0,-1 2 0,-1 0 0,-1 2 0,-1 0 0,-2 1 0,0 1 0,0 0 0,-1-1 0,2 0 0,-1-1 0,3 1 0,-2-1 0,3-1 0,2-2 0,2-2 0,4-1 0,-1 0 0,-2 2 0,-2 2 0,-3 1 0,-2 1 0,2-1 0,-2 0 0,3-2 0,-1 1 0,0 0 0,1 0 0,0 1 0,-2 0 0,1 0 0,-1 0 0,1-1 0,1-2 0,0 1 0,4-2 0,1-2 0,-1 0 0,2 0 0,-2 1 0,-1 2 0,-1 1 0,-2 2 0,-6 2 0,0 1 0,-8 4 0,0 2 0,1-1 0,-6 5 0,3-3 0,-5 7 0,-1-2 0,0 0 0,2-2 0,1-1 0,3-2 0,1-1 0,3 1 0,2-2 0,2-1 0,1-1 0,0-1 0,-2 1 0,1 2 0,-2-2 0,0 2 0,1-1 0,-1-1 0,2-1 0,2-1 0,1-1 0,7 0 0,6-4 0,-5 2 0,10-7 0,-2 0 0,4-2 0,2-1 0,-9 2 0,-2 2 0,-4 3 0,-3 1 0,-2 1 0,-1 2 0,0-2 0,-1 0 0,0 1 0,0-3 0,1-2 0,2-2 0,1-1 0,1-3 0,0 1 0,0-1 0,0 1 0,-2 4 0,-2 0 0,-2 4 0,-1 1 0,-1 2 0,-1 1 0,-6 0 0,-2 3 0,-4 5 0,-1 1 0,1 4 0,2-2 0,1 1 0,4-3 0,0 0 0,2-2 0,0 0 0,1-1 0,-1 1 0,-1 1 0,1-1 0,-1 2 0,2-3 0,0 1 0,0-1 0,0 1 0,-1 0 0,0-1 0,0 1 0,0-2 0,2 0 0,1-3 0,0-2 0,4-2 0,5-4 0,5-6 0,-3 4 0,8-7 0,-5 3 0,7-4 0,-1-3 0,-3 3 0,-4 1 0,-3 1 0,-1 1 0,-2 1 0,-1-1 0,-2 4 0,-1 0 0,1 2 0,0 2 0,0-1 0,0 3 0,-1-2 0,1 4 0,-2-1 0,-3 5 0,-8 5 0,4-1 0,-12 10 0,7-5 0,-9 9 0,2-3 0,3-2 0,3-4 0,5-4 0,1-1 0,2-1 0,0 1 0,0-3 0,3 0 0,0-4 0,0 2 0,0-1 0,-2 1 0,1 1 0,-2 0 0,2-1 0,0 1 0,-1 0 0,2 2 0,-4 3 0,1 2 0,-2 2 0,1-3 0,3-1 0,0-4 0,2 0 0,3-3 0,5-1 0,2-1 0,-1 1 0,8-4 0,-8 1 0,8-2 0,-7 1 0,0 0 0,-2 3 0,-2-1 0,0 2 0,-3 0 0,0 0 0,-1 0 0,1 0 0,-1-1 0,2 0 0,-1-1 0,3 1 0,-2-2 0,-1 1 0,0 1 0,-2-1 0,0 1 0,-3 0 0,-5 1 0,-5 1 0,-5 1 0,7 0 0,-1 1 0,5-2 0,0 0 0,0-1 0,3 0 0,1 0 0,0 0 0,0 0 0,1 0 0,0-1 0,1-2 0,1 0 0,0-3 0,0 4 0,1-2 0,2 0 0,5-2 0,2-1 0,4 1 0,-4 1 0,3 1 0,-6 2 0,2 1 0,-3-1 0,1 1 0,-1 0 0,-1 1 0,0-1 0,-3 0 0,0-1 0,-1 2 0,-2-1 0,-2 0 0,-8 6 0,5-3 0,-11 9 0,2-3 0,-7 6 0,0-1 0,4-1 0,6-4 0,3-1 0,5-3 0,4-1 0,1-3 0,4-1 0,-3 1 0,4-2 0,0 1 0,4-2 0,1-2 0,2 0 0,-4 0 0,-2 2 0,-6 2 0,-4 1 0,-8 0 0,-6 2 0,-2 2 0,-4 5 0,2-1 0,2 2 0,4-3 0,0 0 0,4 0 0,0-1 0,3-2 0,-1 0 0,2-1 0,-1-1 0,3 1 0,-1-2 0,2 1 0,-2-1 0,1-1 0,-2 0 0,1 0 0,-2 2 0,2-2 0,-2 3 0,4-3 0,-1 3 0,1-3 0,1 1 0,-1 0 0,1-1 0,1 1 0,-2-1 0,4 2 0,-3-2 0</inkml:trace>
-</inkml:ink>
-</file>
-
-<file path=ppt/ink/ink11.xml><?xml version="1.0" encoding="utf-8"?>
-<inkml:ink xmlns:inkml="http://www.w3.org/2003/InkML">
-  <inkml:definitions>
-    <inkml:context xml:id="ctx0">
-      <inkml:inkSource xml:id="inkSrc0">
-        <inkml:traceFormat>
-          <inkml:channel name="X" type="integer" min="-2.14748E9" max="2.14748E9" units="cm"/>
-          <inkml:channel name="Y" type="integer" min="-2.14748E9" max="2.14748E9" units="cm"/>
-          <inkml:channel name="F" type="integer" max="32767" units="dev"/>
-        </inkml:traceFormat>
-        <inkml:channelProperties>
-          <inkml:channelProperty channel="X" name="resolution" value="1000" units="1/cm"/>
-          <inkml:channelProperty channel="Y" name="resolution" value="1000" units="1/cm"/>
-          <inkml:channelProperty channel="F" name="resolution" value="0" units="1/dev"/>
-        </inkml:channelProperties>
-      </inkml:inkSource>
-      <inkml:timestamp xml:id="ts0" timeString="2021-12-09T18:28:07.282"/>
-    </inkml:context>
-    <inkml:brush xml:id="br0">
-      <inkml:brushProperty name="width" value="0.025" units="cm"/>
-      <inkml:brushProperty name="height" value="0.025" units="cm"/>
-      <inkml:brushProperty name="color" value="#FFFFFF"/>
-    </inkml:brush>
-  </inkml:definitions>
-  <inkml:trace contextRef="#ctx0" brushRef="#br0">0 1855 24575,'0'-3'0,"1"-6"0,6-6 0,3-5 0,-1 4 0,5-4 0,-6 8 0,4-8 0,-2 5 0,-1-2 0,-3 6 0,-1 1 0,0-1 0,-1 0 0,3-5 0,-3-5 0,4-7 0,-1-3 0,2-4 0,-3 5 0,2 1 0,-1 4 0,0 1 0,1 0 0,0 1 0,0 1 0,-2 1 0,-1 1 0,-1-1 0,2-3 0,-2-6 0,1-2 0,-1-3 0,-1 5 0,-2 0 0,1 8 0,-1 3 0,1 2 0,-1 3 0,0 0 0,0 1 0,0 4 0,0 4 0,1 3 0,-1 1 0,1 1 0,0 3 0,1 6 0,1 9 0,-2 12 0,0 11 0,-2 6 0,0 5 0,-1 0 0,-3-3 0,-2-3 0,-3-6 0,0-6 0,2-5 0,2-7 0,0 2 0,1-4 0,0 6 0,0-4 0,-1 4 0,1-5 0,-1-2 0,1 0 0,0-2 0,-1 0 0,1-2 0,1-4 0,0-4 0,2-3 0,-2-2 0,3-2 0,-1-1 0,0 0 0,1-2 0,0-3 0,0 2 0,0-11 0,0-7 0,1-14 0,5-10 0,3-1 0,2 1 0,3 7 0,-5 8 0,-2 7 0,-2 7 0,-4 6 0,0 0 0,0 4 0,-1-3 0,0 3 0,0-1 0,0 1 0,0-1 0,0-1 0,0-3 0,0 3 0,0-1 0,0 4 0,0 3 0,0 3 0,0 7 0,0 4 0,-3 9 0,-2 5 0,-2 2 0,-2 3 0,3-6 0,0-3 0,4-5 0,-1-2 0,2 1 0,0-3 0,-1-1 0,2-3 0,-1 0 0,0 0 0,0 2 0,-2-1 0,1 2 0,-1-2 0,0 1 0,1 1 0,-1-2 0,1-1 0,-2-2 0,1-2 0,1 0 0,-1-2 0,0 3 0,1-1 0,-2 2 0,0-2 0,-3 4 0,0 1 0,0 0 0,0 1 0,2-1 0,-1-1 0,2 2 0,-1-1 0,-1 3 0,2 1 0,-2-1 0,1 1 0,0-5 0,2-1 0,2-4 0,2-1 0,3-2 0,1-3 0,-1 2 0,4-7 0,-1 1 0,5-7 0,2-2 0,0-1 0,-3 1 0,-2 6 0,-3 2 0,-3 5 0,-1 2 0,-2 3 0,0 3 0,-1 4 0,0-3 0,-3 7 0,-1-2 0,-2 4 0,-1 2 0,1-3 0,1-3 0,1-4 0,3-4 0,-1-2 0,2-2 0,0-4 0,1-6 0,0-4 0,0-6 0,0-1 0,0-2 0,0 0 0,0 0 0,0 1 0,0 1 0,0 2 0,1 3 0,0 0 0,2 0 0,-3 1 0,3-4 0,-2 1 0,1 0 0,-2 1 0,0-3 0,0-4 0,0-6 0,0-4 0,0 2 0,0 3 0,0 1 0,-2-1 0,-1-2 0,-1-3 0,0 5 0,2 3 0,0 8 0,2 5 0,0 3 0,0 1 0,0 2 0,0-1 0,0-1 0,0 5 0,0 0 0,0 4 0,0 1 0,1 2 0,12 16 0,-7-10 0,14 24 0,-11-8 0,5 18 0,-2 4 0,-2 4 0,-3-6 0,0-3 0,-5-6 0,0-5 0,-2-1 0,0-3 0,0 1 0,0-2 0,0-1 0,0-4 0,0-2 0,0-2 0,0 1 0,0-2 0,0-4 0,0-1 0,0-3 0,-1-4 0,0-1 0,-1-5 0,0-7 0,0 3 0,-3-16 0,2-2 0,-3-16 0,2-4 0,1 1 0,-1 1 0,2 6 0,-1 2 0,0 9 0,2 2 0,-2 9 0,3-1 0,-3 3 0,2 0 0,-2-1 0,1 1 0,-2-2 0,0-1 0,-1-5 0,2 0 0,-1-1 0,3 4 0,0 7 0,1 5 0,0 5 0,0 10 0,2 5 0,-1 15 0,2 13 0,-2 4 0,1 8 0,-2-11 0,0-4 0,0-6 0,0-8 0,0-2 0,0-5 0,0-3 0,0-2 0,0-3 0,0-1 0,0 1 0,0-2 0,0 4 0,0-2 0,0-1 0,0-2 0,0-3 0,0 0 0,0 0 0,0 9 0,0 3 0,0-1 0,0 6 0,2-8 0,0 6 0,0-6 0,1-5 0,-3-6 0,1-3 0,-1-4 0,0-4 0,0 2 0,0-7 0,0 0 0,0-9 0,0-7 0,0-3 0,0 0 0,0 3 0,0 4 0,0 8 0,0 3 0,0 4 0,0-1 0,0 1 0,0 0 0,0 3 0,0 1 0,0 0 0,0-5 0,0-3 0,-1-3 0,1 1 0,-3 0 0,0 1 0,0-3 0,-3-7 0,-1-3 0,-1-6 0,1 3 0,3 2 0,0 0 0,3-2 0,-3-4 0,2-3 0,-2 0 0,2 6 0,-1 2 0,2 9 0,-2 3 0,3 5 0,-3 5 0,2 0 0,0 3 0,-1-1 0,2 2 0,-1 1 0,2 2 0,0 2 0,4 5 0,0 3 0,2 5 0,0 4 0,1 2 0,0 2 0,0 2 0,0-1 0,0 2 0,0 0 0,0 2 0,-2-1 0,1 1 0,-4-4 0,0 0 0,1-2 0,-2-1 0,0 3 0,0-5 0,-1 2 0,0-6 0,0-1 0,1-2 0,-1 1 0,1-2 0,0 2 0,1 0 0,2-1 0,-3 1 0,2-3 0,-3-2 0,0-2 0,-2-4 0,1-2 0,-6-8 0,0-5 0,-1 3 0,-4-14 0,2 5 0,-5-13 0,2 1 0,1 2 0,3 4 0,2 1 0,0 4 0,3 2 0,-1 3 0,3 0 0,-2 1 0,1-4 0,0 2 0,1-5 0,0 5 0,1 0 0,-1 5 0,1 0 0,-2 1 0,1-2 0,0-1 0,0 1 0,1 2 0,0 3 0,0 4 0,1 3 0,1 3 0,3 4 0,2 7 0,1 4 0,1 6 0,0 2 0,-1 6 0,1 5 0,-2-2 0,-3 2 0,0-7 0,-3-4 0,0-5 0,-1-3 0,0-3 0,0-3 0,0-2 0,0-1 0,0-1 0,0 1 0,0 0 0,0-1 0,0 1 0,0-3 0,0-3 0,-2-7 0,-2-3 0,1 0 0,-3-7 0,2 2 0,-3-11 0,-1-1 0,2-2 0,1 3 0,2 4 0,0 2 0,3 5 0,-1 2 0,0 2 0,0 1 0,0-3 0,0-1 0,0-3 0,0-1 0,-2-3 0,0-1 0,-1-2 0,0-6 0,-1-2 0,1-4 0,-1 1 0,1 1 0,0 3 0,-1 3 0,3 4 0,-2 2 0,2 3 0,0 2 0,-1 3 0,1 1 0,-1 2 0,1 0 0,-1 1 0,3 1 0,-2 2 0,2 2 0,0 3 0,3 6 0,1 2 0,0-1 0,3 4 0,-2 2 0,4 10 0,2 8 0,1 10 0,0 5 0,-1 1 0,-3 4 0,-2-7 0,-3 1 0,0-9 0,-3-8 0,0-6 0,0-6 0,0 1 0,0 0 0,0 3 0,1-2 0,-1-2 0,4-2 0,-4-5 0,2-2 0,-4-5 0,1-3 0,-5-5 0,1-3 0,-1 1 0,-1-6 0,2 3 0,-3-9 0,0 1 0,2-2 0,0 3 0,2 3 0,-2-2 0,2 1 0,0-2 0,1 0 0,0-1 0,1 1 0,-1-2 0,2-1 0,0 0 0,1 1 0,0 4 0,0 1 0,0 2 0,0 0 0,0 1 0,0-1 0,0-1 0,0 2 0,0-1 0,0 3 0,0-1 0,0 3 0,0-1 0,0 1 0,0-2 0,-2 0 0,2-1 0,-2 0 0,1-1 0,0-1 0,0 0 0,0-1 0,0 1 0,0-1 0,1 0 0,-2 3 0,2-1 0,-2 2 0,1 0 0,-2 0 0,2-1 0,-1-1 0,2 1 0,0-2 0,-1 2 0,1-2 0,-2 3 0,2-2 0,-1 3 0,0-1 0,0 2 0,1 1 0,0 2 0,0 1 0,0 1 0,0 3 0,0 7 0,0 3 0,0-1 0,0 4 0,0-5 0,0 4 0,0 1 0,0 1 0,0 2 0,0 1 0,0 0 0,0-2 0,0 0 0,0-3 0,0 2 0,0-4 0,0 2 0,0 0 0,0 1 0,1 2 0,1 0 0,2 4 0,1 2 0,-1 0 0,3 0 0,-1 0 0,2-1 0,0 1 0,1 0 0,0 0 0,1-2 0,-1 1 0,-1 0 0,0-1 0,-1 2 0,1-2 0,-1 1 0,0 0 0,-2-2 0,-1 4 0,1-5 0,-1 5 0,1-5 0,-2 2 0,0-3 0,-3-4 0,1-3 0,-2-4 0,0-3 0,-3-2 0,2 0 0,-4-2 0,1-2 0,-4-5 0,-1-5 0,-1-3 0,-2-5 0,1-1 0,1 1 0,3 2 0,2 1 0,2 1 0,1 2 0,2 2 0,-1 2 0,1 3 0,0 2 0,1 1 0,0 1 0,0 0 0,0 1 0,0 0 0,0 2 0,0-1 0,0 1 0,0-2 0,0-1 0,0-3 0,0-2 0,0-1 0,0-4 0,-2-3 0,-1-3 0,-3-1 0,1 1 0,-1 4 0,2 3 0,1 4 0,-1 2 0,2 3 0,0 0 0,1 3 0,0 0 0,1 3 0,0 3 0,3 5 0,0 7 0,0-6 0,2 16 0,0-2 0,2 17 0,2 2 0,-4 1 0,3-5 0,-1-5 0,1-2 0,0-6 0,2 3 0,-1-1 0,0-2 0,-2-1 0,0-8 0,-2-2 0,-1-1 0,0-2 0,0 1 0,-1-1 0,2-2 0,-1 1 0,2-3 0,-2 1 0,1-1 0,-1-1 0,0 1 0,-2-1 0,0-1 0,-1-1 0,0-1 0,-1-2 0,-1-1 0,0 0 0,-3 0 0,-1 0 0,-1-1 0,-3-2 0,2 0 0,-3-3 0,2 0 0,-1-2 0,0 0 0,0-4 0,3 1 0,-3-6 0,4 1 0,-1-2 0,0-1 0,2 5 0,0-1 0,1 2 0,0-1 0,0 0 0,2-3 0,-2 2 0,2-1 0,0 4 0,1 2 0,0 1 0,0 2 0,0 2 0,0 1 0,0 0 0,0 2 0,0 0 0,1 1 0,-1 0 0,2 1 0,-1 0 0,1 2 0,1 4 0,3 11 0,1 14 0,3 26 0,1 21 0,-5-29 0,-1-2 0</inkml:trace>
-</inkml:ink>
-</file>
-
-<file path=ppt/ink/ink12.xml><?xml version="1.0" encoding="utf-8"?>
-<inkml:ink xmlns:inkml="http://www.w3.org/2003/InkML">
-  <inkml:definitions>
-    <inkml:context xml:id="ctx0">
-      <inkml:inkSource xml:id="inkSrc0">
-        <inkml:traceFormat>
-          <inkml:channel name="X" type="integer" min="-2.14748E9" max="2.14748E9" units="cm"/>
-          <inkml:channel name="Y" type="integer" min="-2.14748E9" max="2.14748E9" units="cm"/>
-          <inkml:channel name="F" type="integer" max="32767" units="dev"/>
-        </inkml:traceFormat>
-        <inkml:channelProperties>
-          <inkml:channelProperty channel="X" name="resolution" value="1000" units="1/cm"/>
-          <inkml:channelProperty channel="Y" name="resolution" value="1000" units="1/cm"/>
-          <inkml:channelProperty channel="F" name="resolution" value="0" units="1/dev"/>
-        </inkml:channelProperties>
-      </inkml:inkSource>
-      <inkml:timestamp xml:id="ts0" timeString="2021-12-09T18:28:16.917"/>
-    </inkml:context>
-    <inkml:brush xml:id="br0">
-      <inkml:brushProperty name="width" value="0.025" units="cm"/>
-      <inkml:brushProperty name="height" value="0.025" units="cm"/>
-      <inkml:brushProperty name="color" value="#FFFFFF"/>
-    </inkml:brush>
-  </inkml:definitions>
-  <inkml:trace contextRef="#ctx0" brushRef="#br0">0 129 24575,'9'0'0,"4"0"0,7 0 0,4 0 0,-10 0 0,8 0 0,-9 0 0,8 0 0,-2 0 0,0 0 0,-1 0 0,-1 0 0,-2 0 0,-3 0 0,0-2 0,-2 2 0,1-3 0,-1 1 0,1-1 0,-1-1 0,1 1 0,0-1 0,3 0 0,-2-1 0,6 0 0,-3-2 0,3 2 0,-2-1 0,-2 0 0,0 1 0,-3-2 0,3 1 0,-3 1 0,2 0 0,-3 1 0,-1 0 0,0 1 0,-2-1 0,2 1 0,-1 0 0,-1-1 0,1 2 0,-2-1 0,-3 1 0,-2-1 0,-1 0 0,0 2 0,0-1 0</inkml:trace>
-</inkml:ink>
-</file>
-
-<file path=ppt/ink/ink13.xml><?xml version="1.0" encoding="utf-8"?>
-<inkml:ink xmlns:inkml="http://www.w3.org/2003/InkML">
-  <inkml:definitions>
-    <inkml:context xml:id="ctx0">
-      <inkml:inkSource xml:id="inkSrc0">
-        <inkml:traceFormat>
-          <inkml:channel name="X" type="integer" min="-2.14748E9" max="2.14748E9" units="cm"/>
-          <inkml:channel name="Y" type="integer" min="-2.14748E9" max="2.14748E9" units="cm"/>
-          <inkml:channel name="F" type="integer" max="32767" units="dev"/>
-        </inkml:traceFormat>
-        <inkml:channelProperties>
-          <inkml:channelProperty channel="X" name="resolution" value="1000" units="1/cm"/>
-          <inkml:channelProperty channel="Y" name="resolution" value="1000" units="1/cm"/>
-          <inkml:channelProperty channel="F" name="resolution" value="0" units="1/dev"/>
-        </inkml:channelProperties>
-      </inkml:inkSource>
-      <inkml:timestamp xml:id="ts0" timeString="2021-12-09T18:28:39.750"/>
-    </inkml:context>
-    <inkml:brush xml:id="br0">
-      <inkml:brushProperty name="width" value="0.1" units="cm"/>
-      <inkml:brushProperty name="height" value="0.1" units="cm"/>
-      <inkml:brushProperty name="color" value="#FFFFFF"/>
-    </inkml:brush>
-  </inkml:definitions>
-  <inkml:trace contextRef="#ctx0" brushRef="#br0">330 710 24575,'15'0'0,"-1"0"0,-1 0 0,1 0 0,-7 0 0,6 0 0,-1-3 0,8 0 0,2-4 0,1 0 0,-2 1 0,-2 0 0,-1 2 0,-3 0 0,2 1 0,0-1 0,-1 0 0,2 0 0,0 1 0,-3-1 0,1-2 0,-2 1 0,-1-2 0,1 1 0,-1 0 0,-1 3 0,-1-1 0,0 2 0,0-1 0,-1 1 0,1 0 0,1-1 0,-1 1 0,2-2 0,-3 2 0,3-3 0,0 2 0,2-3 0,2 1 0,-3-2 0,3 1 0,0-1 0,-2 0 0,1-2 0,-1 1 0,-2-1 0,-1 2 0,-2 0 0,-1-1 0,-1 1 0,-1-3 0,1 3 0,0-1 0,-1-1 0,-2 2 0,-3-1 0,-1 1 0,-1-2 0,0 1 0,0-3 0,0-2 0,-1 0 0,0 0 0,-4 0 0,1 3 0,-2-2 0,0 3 0,0 0 0,-1-1 0,2 2 0,-2-1 0,3 3 0,-2 1 0,1 0 0,-1 0 0,-1 0 0,0-2 0,-1 0 0,0 2 0,-1-1 0,-1 1 0,1-1 0,-3 2 0,-1-3 0,-4 3 0,-2-1 0,-6 2 0,0 0 0,-4 3 0,3-2 0,-4 2 0,5 0 0,0 0 0,2 0 0,4 0 0,-2 2 0,4-2 0,-2 3 0,1-1 0,0 0 0,1 2 0,-3-4 0,3 3 0,-2 0 0,1 1 0,2 2 0,-1-2 0,3 3 0,1-2 0,1 2 0,1 0 0,-2 4 0,1 0 0,-3 4 0,2-2 0,3-2 0,1 1 0,2-2 0,0 5 0,-1 0 0,1 2 0,3 0 0,1-2 0,2 3 0,1-1 0,0 2 0,1 0 0,2 0 0,2 3 0,3-1 0,1 5 0,2 1 0,-1 6 0,1-1 0,-2 2 0,-2-5 0,-1-1 0,-4 0 0,0-3 0,-2 1 0,0-4 0,0-1 0,0-3 0,0 0 0,0-3 0,1 3 0,0-1 0,2 2 0,-2 0 0,2 1 0,-3-3 0,2 2 0,-2-4 0,2 3 0,-2-2 0,4 2 0,-3-3 0,2 2 0,0 0 0,2-1 0,1 4 0,2 0 0,0 2 0,0 3 0,0 0 0,0 4 0,1-2 0,-1 3 0,0 1 0,1-1 0,1 2 0,1-2 0,2 5 0,3-1 0,0 3 0,4-3 0,-1-2 0,3-3 0,-1-2 0,-1-4 0,-1-3 0,-3-4 0,-1-4 0,-2-2 0,-1-5 0,-1-1 0,2-2 0,1-1 0,3 0 0,3-1 0,3 0 0,-2 0 0,-1 0 0,-6 0 0,-3 1 0,-3 0 0,-3 0 0,-2-1 0,-14 0 0,-4 0 0,-21-4 0,-5-5 0,-14-8 0,0-5 0,-7-9 0,10 1 0,-1-5 0,11 6 0,4 0 0,7 5 0,1 1 0,9 1 0,-2-1 0,6 3 0,2 1 0,0 0 0,1 2 0,0-4 0,1-1 0,3-2 0,-2-2 0,4-4 0,-3-3 0,4-5 0,1 3 0,2-5 0,1 4 0,1-3 0,1-2 0,0-4 0,-1 1 0,0 8 0,0 7 0,0 14 0,2 9 0,11 24 0,2 10 0,11 18 0,-1 3 0,5 4 0,-3 3 0,3-2 0,-7-5 0,-2-8 0,-5-8 0,-4-7 0,-1-5 0,-3-2 0,0-3 0,-3-2 0,0-4 0,-2-4 0,0-3 0,-11-20 0,-5-13 0,2 2 0,-10-26 0,6 11 0,-8-30 0,3 3 0,2-14 0,11 18 0,2-9 0,7 20 0,0 3 0,0 11 0,0 6 0,0 3 0,0 2 0,1-4 0,0 2 0,0 0 0,0 5 0,-1-2 0,0 2 0,0 0 0,0 4 0,0 5 0,0 7 0,-1 6 0,-1 3 0,-1 15 0,0 10 0,-4 23 0,1 13 0,1 13 0,1 10 0,3 4 0,-2-3 0,4-8 0,5-5 0,3-10 0,4-3 0,3-5 0,-3-5 0,1-2 0,-4-3 0,0-6 0,-4-9 0,2-5 0,-4-3 0,4-2 0,1 3 0,4-1 0,2 1 0,-2-2 0,0 0 0,-1 0 0,0 1 0,-2-1 0,0-3 0,-4-3 0,-3-5 0,-2-4 0,-15-16 0,8 8 0,-22-25 0,0-2 0,-19-26 0,-5-19 0,3 0 0,4-7 0,10 17 0,3 2 0,8 9 0,5 6 0,5-1 0,6 5 0,2-1 0,4 5 0,0 1 0,2 3 0,2-4 0,2 3 0,6-8 0,1 4 0,2-3 0,-1 3 0,0 3 0,0 5 0,-1 5 0,-2 9 0,-2 6 0,-3 5 0,-2 5 0,-2 3 0,0 17 0,0 6 0,0 28 0,0 14 0,0-23 0,0 26 0,0-28 0,0 24 0,0-9 0,0-6 0,0-12 0,0-3 0,2-3 0,2-4 0,0-2 0,2-7 0,-2-4 0,-1-5 0,-2-3 0,-1-4 0,-5-7 0,-2-5 0,-5-8 0,-1-8 0,-5-3 0,1-7 0,-3-1 0,3-3 0,3 0 0,4 2 0,3 4 0,5 3 0,0 8 0,2 1 0,2 5 0,2 0 0,3 0 0,3-1 0,2 1 0,1-3 0,1-3 0,0-1 0,1-1 0,-2 0 0,0 5 0,-3 2 0,1 5 0,-2 3 0,3 1 0,2-2 0,3 1 0,2-1 0,1 4 0,-2 0 0,-1 2 0,1 0 0,-1 0 0,4 1 0,1-2 0,1 2 0,-3 1 0,1 1 0,-6 2 0,1-1 0,-1 1 0,-1 0 0,-2 0 0,-2 0 0,-2 1 0,-3 1 0,-4 0 0,-16 7 0,0-2 0,-4 3 0,-1 3 0,6 1 0,-5 6 0,-1 2 0,5-1 0,4 0 0,-1 2 0,4 1 0,-2 2 0,2 0 0,0-1 0,0-1 0,0-2 0,1-2 0,-1-3 0,0-1 0,0-2 0,0-1 0,-1 0 0,2 0 0,-4-1 0,4-2 0,-3-4 0,1-1 0,-1-3 0,-1 0 0,1-1 0,1-3 0,1-2 0,2-5 0,2-1 0,2-1 0,2 4 0,0 1 0,0 0 0,3-1 0,2-2 0,5 0 0,0 1 0,1-1 0,0 0 0,2 0 0,0 0 0,1-1 0,-1 1 0,-1 2 0,-1-2 0,-3 5 0,-1-2 0,-2 6 0,-2-1 0,-2 11 0,0 2 0,-1 9 0,0 3 0,0-9 0,1 10 0,2-6 0,1 9 0,-1 3 0,1-1 0,-1 3 0,0-1 0,1 0 0,-3-5 0,3 1 0,-4-6 0,2-1 0,-2-4 0,0-3 0,0-3 0,0-1 0,0-1 0,0-2 0,0-1 0,0 1 0,0 0 0,0 1 0,0-3 0,0-14 0,0 3 0,0-13 0,0 6 0,0 5 0,0-7 0,0 5 0,0-8 0,1 1 0,0 0 0,1 0 0,1 2 0,0 1 0,0 2 0,-1 1 0,-1 0 0,2 2 0,-1 1 0,1-1 0,1 1 0,-1-1 0,1 1 0,-1 1 0,1-1 0,0 1 0,2-1 0,0 0 0,0-1 0,1 1 0,-1 0 0,1 1 0,0 1 0,0 1 0,-1 0 0,2 0 0,0 1 0,0 0 0,1 0 0,0 1 0,0 0 0,2 0 0,-2 2 0,0 0 0,0 1 0,2-2 0,-1 2 0,1-1 0,2 1 0,-1-2 0,1 1 0,-3 1 0,0-1 0,-3 2 0,1 1 0,-1 0 0,-1 0 0,1 0 0,-1 0 0,0 0 0,0 0 0,-1 0 0,0 0 0,1 0 0,-2 0 0,2 0 0,-2 0 0,2 0 0,-1 0 0,2 0 0,-1 1 0,1-1 0,-1 3 0,0-1 0,0 0 0,-1 1 0,2-1 0,-1 1 0,1 1 0,-1 0 0,1 0 0,0 0 0,-1 2 0,1-1 0,-1 1 0,1 0 0,-1-3 0,0 4 0,-1-4 0,-1 4 0,2-2 0,-1 1 0,0-1 0,-2 1 0,1 0 0,-2 0 0,1 1 0,0 0 0,-2-1 0,1 1 0,-1 1 0,2 1 0,-3 0 0,2 1 0,-2-3 0,0 1 0,0-2 0,0 1 0,0 1 0,-1-1 0,-1 4 0,-3-3 0,1 1 0,-2 1 0,0-1 0,-1 1 0,1-1 0,-1 1 0,-2 0 0,2 1 0,-3 0 0,1-1 0,0 1 0,-1 0 0,2-1 0,-2-2 0,3-1 0,-1 0 0,-1 0 0,2 1 0,-3 0 0,2 2 0,-2-3 0,4 1 0,-1-2 0,2-1 0,-1 0 0,0-2 0,2 0 0,1-2 0,14 1 0,3-2 0,14 0 0,0 0 0,-11 0 0,12 0 0,-13 0 0,10 0 0,-5 0 0,-2 0 0,0 0 0,0-2 0,0 1 0,-1-3 0,-1 1 0,-1-3 0,-3 2 0,2-3 0,-1 1 0,1 1 0,-1-2 0,3 1 0,0-2 0,2-1 0,-1 0 0,0-1 0,-2 0 0,0-1 0,-2-2 0,1-1 0,-2-1 0,-1 1 0,0 1 0,-3-1 0,2 1 0,0-2 0,-1 0 0,2-1 0,-3-1 0,2-2 0,-2 0 0,0 2 0,-1 0 0,-2 4 0,-3 3 0,-1 2 0,-2 2 0,0 2 0,0-2 0,0 1 0,0-1 0,0 2 0,-1 2 0,-3 2 0,-4 0 0,-5 1 0,-1 6 0,-2 2 0,-2 9 0,-2 0 0,-5 3 0,1 1 0,-3-2 0,3 1 0,2-6 0,1-1 0,3-2 0,0-3 0,0 2 0,2-3 0,-2 1 0,5-2 0,-2 0 0,5 0 0,-1 0 0,0 0 0,1 0 0,1-2 0,1 0 0,3-2 0,1-1 0,15-2 0,2-1 0,13-1 0,-5 0 0,-8 1 0,-2 0 0,-6-1 0,2 2 0,1-3 0,-1 1 0,3-3 0,0 1 0,2-5 0,1-1 0,4-3 0,-2-4 0,1 2 0,-3-1 0,-4 5 0,-3 4 0,-3 3 0,-3 2 0,0-1 0,0-1 0,-4 1 0,0-3 0,-5 4 0,-1-1 0,0 3 0,-5 0 0,-2 6 0,-7 7 0,-4 8 0,-3 8 0,-2 1 0,1-2 0,4-4 0,1-6 0,8-6 0,3-1 0,6-6 0,4-2 0,3-5 0,2-3 0,1-7 0,0 3 0,0-10 0,0 4 0,1-9 0,1-2 0,1 1 0,3-1 0,-1 2 0,3 0 0,-4 2 0,3 1 0,-3 4 0,0 0 0,0 1 0,-2 0 0,1 2 0,-1 0 0,1 2 0,-3 3 0,2 1 0,-2 1 0,0-1 0,1 2 0,0-2 0,0 3 0,0 4 0,6 13 0,1 7 0,1 0 0,0 7 0,-4-7 0,3 7 0,-4 1 0,-1-4 0,-3-1 0,0-2 0,0-4 0,0-2 0,0-3 0,0-2 0,0 1 0,0-3 0,0 3 0,0-4 0,0-4 0,8-8 0,2-5 0,1 2 0,11-7 0,-4 2 0,10-6 0,4-4 0,-7 4 0,0-1 0,-8 7 0,-6 5 0,-3 3 0,-1 2 0,-3 0 0,1 1 0,-3 0 0,2 0 0,0-2 0,2 0 0,-1-1 0,0-1 0,1 2 0,-4 1 0,1 1 0,-3 0 0,0-2 0,-1-3 0,-4-3 0,-4-2 0,-2 4 0,-1 0 0,2 4 0,-2-1 0,0 3 0,-1-1 0,-2 0 0,-2 0 0,-2-1 0,-1 0 0,-3-2 0,0 0 0,-2-1 0,1 0 0,2 1 0,3 2 0,2 1 0,6 2 0,1 0 0,5 1 0,1 1 0,3-2 0,11 7 0,5-1 0,-1 2 0,7 1 0,-7-2 0,8 3 0,-1 0 0,-2-1 0,-2 2 0,-1 0 0,-3 2 0,-2-1 0,0 1 0,-3-2 0,-1-1 0,-4-1 0,-1-3 0,-3-1 0,-4-5 0,-3-2 0,1 0 0,-8-5 0,-1 2 0,-11-7 0,-9-2 0,-3-3 0,-10-1 0,5 2 0,-4 2 0,11 5 0,4 3 0,7 2 0,5 4 0,1-1 0,5 2 0,-2-1 0,2 2 0,1 0 0,1 0 0,-1 0 0,2 0 0,-3 0 0,0 0 0,-4 0 0,1 0 0,-1 4 0,2 0 0,-3 3 0,1 2 0,0 1 0,2 0 0,-2 1 0,4-1 0,-3 3 0,0 3 0,-3 4 0,0 0 0,-3 1 0,5-4 0,0-3 0,4-3 0,1 0 0,-1 0 0,1-1 0,0 1 0,2-1 0,2-1 0,1-1 0,1-1 0,2-1 0,1-2 0,-1 1 0,-1 1 0,-1 0 0,-3 1 0,0 0 0,-2-3 0,-2 0 0,0-3 0,-3 0 0,3-1 0,1 0 0,6-2 0,2-1 0,4-2 0,2 1 0,0-1 0,0 1 0,0-2 0,0 1 0,0-2 0,2 0 0,1-1 0,3-2 0,1 0 0,0-2 0,2 1 0,-1-1 0,3 1 0,0-3 0,-1 3 0,2-4 0,-2 4 0,1-3 0,0 1 0,1 0 0,0-1 0,1 2 0,-1 0 0,0 2 0,-2 2 0,-1-1 0,2 2 0,-1-1 0,3-1 0,-1-1 0,2 0 0,-3 3 0,1-4 0,-1 4 0,-3-2 0,2 3 0,-3 0 0,1 0 0,-1 2 0,2-2 0,-1 0 0,1 0 0,1 0 0,-3 0 0,3 2 0,-3-2 0,2 2 0,-2 0 0,1 0 0,1 1 0,1 0 0,-1 0 0,2 1 0,-1-1 0,1 2 0,1-2 0,-1 3 0,3-2 0,-3 2 0,1 0 0,-1 0 0,-2 0 0,1 0 0,-2 0 0,1 0 0,0 0 0,0 0 0,2 0 0,-3 0 0,3 0 0,-2 0 0,1 0 0,1 0 0,0 0 0,1 0 0,-1 0 0,0 0 0,0 0 0,-1 0 0,1 0 0,-1 0 0,0 0 0,1 0 0,-2 0 0,1 2 0,0-2 0,1 3 0,1-1 0,-1 1 0,-1 1 0,0-2 0,0 1 0,2 1 0,-1 0 0,5 3 0,-2-1 0,4 0 0,-3 1 0,4-2 0,-4 1 0,2-1 0,-3 0 0,0-1 0,0 0 0,-2 1 0,0-1 0,-1 1 0,-1 0 0,0 0 0,3 2 0,-2-1 0,1 0 0,-1 0 0,-1 0 0,1 2 0,-1-1 0,1-1 0,3 2 0,1-1 0,6 3 0,1-2 0,4 2 0,1-2 0,5 0 0,-3-1 0,0-1 0,-2-2 0,-6 0 0,-2-2 0,-6 1 0,-4-1 0,-4 0 0,-3-1 0,-9-1 0,2 0 0,-4 0 0,5-1 0,0-2 0,0-1 0,-2-2 0,1 2 0,0-2 0,0 2 0,1 1 0,1 0 0,-2 0 0,0-2 0,0 2 0,-1-2 0,0 2 0,2-1 0,-2 1 0,3 0 0,-1 1 0,2 1 0,-1 1 0,0 0 0,0 0 0,1 0 0,-2 0 0,-1 0 0,2 0 0,0 0 0</inkml:trace>
-</inkml:ink>
-</file>
-
-<file path=ppt/ink/ink14.xml><?xml version="1.0" encoding="utf-8"?>
-<inkml:ink xmlns:inkml="http://www.w3.org/2003/InkML">
-  <inkml:definitions>
-    <inkml:context xml:id="ctx0">
-      <inkml:inkSource xml:id="inkSrc0">
-        <inkml:traceFormat>
-          <inkml:channel name="X" type="integer" min="-2.14748E9" max="2.14748E9" units="cm"/>
-          <inkml:channel name="Y" type="integer" min="-2.14748E9" max="2.14748E9" units="cm"/>
-          <inkml:channel name="F" type="integer" max="32767" units="dev"/>
-        </inkml:traceFormat>
-        <inkml:channelProperties>
-          <inkml:channelProperty channel="X" name="resolution" value="1000" units="1/cm"/>
-          <inkml:channelProperty channel="Y" name="resolution" value="1000" units="1/cm"/>
-          <inkml:channelProperty channel="F" name="resolution" value="0" units="1/dev"/>
-        </inkml:channelProperties>
-      </inkml:inkSource>
-      <inkml:timestamp xml:id="ts0" timeString="2021-12-09T18:28:48.271"/>
-    </inkml:context>
-    <inkml:brush xml:id="br0">
-      <inkml:brushProperty name="width" value="0.1" units="cm"/>
-      <inkml:brushProperty name="height" value="0.1" units="cm"/>
-      <inkml:brushProperty name="color" value="#FFFFFF"/>
-    </inkml:brush>
-  </inkml:definitions>
-  <inkml:trace contextRef="#ctx0" brushRef="#br0">0 146 24575,'14'0'0,"-2"-2"0,0 0 0,-2-2 0,-4 1 0,4-2 0,-4 2 0,3-3 0,1 2 0,-3-1 0,1 0 0,0 2 0,-1-3 0,2 2 0,-3-1 0,1 1 0,-1 1 0,1-2 0,0 3 0,-1-2 0,0 0 0,-1 1 0,0 0 0,-2 0 0,1 1 0,-1 0 0,-1 0 0,2 1 0,-1-2 0,1 2 0,2-1 0,-2 1 0,1 0 0,0-1 0,0 2 0,0-1 0,0 0 0,1 0 0,1 1 0,0-2 0,3 1 0,-3 0 0,2 0 0,-3 1 0,1 0 0,0 0 0,-1 0 0,1-2 0,-1 2 0,1-1 0,0-1 0,-1 2 0,1-2 0,-1 1 0,1 0 0,-1-1 0,1 0 0,0 1 0,-1-1 0,3 0 0,-1 1 0,3-1 0,-1 0 0,1 1 0,-1-2 0,1 2 0,-1-2 0,1 3 0,-3-1 0,1 1 0,-1 0 0,1 0 0,-1 0 0,1 0 0,-1 0 0,2 0 0,-1 0 0,2 0 0,-1 0 0,3 0 0,-2 0 0,3 0 0,-1 0 0,0 0 0,-1 0 0,0 0 0,-1 0 0,-1 0 0,-1 0 0,1 1 0,-1 0 0,0 0 0,-1 1 0,-1-2 0,-1 3 0,1-2 0,0 1 0,-1 0 0,1 0 0,-1 0 0,1 0 0,-1 0 0,1 0 0,0 0 0,-1 1 0,2 1 0,-1-3 0,2 3 0,-1-2 0,-1 1 0,1 0 0,-1 0 0,0-2 0,-1 2 0,1-1 0,-1 0 0,1 0 0,-1 0 0,0 0 0,-1 1 0,0-1 0,1 1 0,-2 0 0,2 0 0,-1 0 0,2 0 0,-1-1 0,1 2 0,-1-1 0,2 1 0,0-1 0,2 1 0,-1 0 0,1-1 0,1 1 0,-3-1 0,1 0 0,-1 0 0,-1 0 0,1 1 0,-1-1 0,-1-1 0,1 2 0,0-1 0,-1 0 0,1-1 0,-1 1 0,1-1 0,-2 1 0,1 1 0,0-1 0,-1 1 0,1-1 0,-2 1 0,1-1 0,-1 0 0,-1 0 0,1-1 0,-2 1 0,1-2 0,-1 1 0,0 0 0,0 0 0,0 0 0,0 0 0,0 1 0,-1-2 0,2 2 0,-1-2 0,-1 2 0,2-1 0,-1 1 0,1 1 0,1 0 0,-1 0 0,0 0 0,-1-1 0,1 0 0,-3 1 0,2-2 0,-1 2 0,1-1 0,-1 1 0,2-1 0,-3 1 0,2-2 0,-2 1 0,0 0 0,0 3 0,0 11 0,0-7 0,0 4 0,0-11 0</inkml:trace>
-</inkml:ink>
-</file>
-
-<file path=ppt/ink/ink15.xml><?xml version="1.0" encoding="utf-8"?>
-<inkml:ink xmlns:inkml="http://www.w3.org/2003/InkML">
-  <inkml:definitions>
-    <inkml:context xml:id="ctx0">
-      <inkml:inkSource xml:id="inkSrc0">
-        <inkml:traceFormat>
-          <inkml:channel name="X" type="integer" min="-2.14748E9" max="2.14748E9" units="cm"/>
-          <inkml:channel name="Y" type="integer" min="-2.14748E9" max="2.14748E9" units="cm"/>
-          <inkml:channel name="F" type="integer" max="32767" units="dev"/>
-        </inkml:traceFormat>
-        <inkml:channelProperties>
-          <inkml:channelProperty channel="X" name="resolution" value="1000" units="1/cm"/>
-          <inkml:channelProperty channel="Y" name="resolution" value="1000" units="1/cm"/>
-          <inkml:channelProperty channel="F" name="resolution" value="0" units="1/dev"/>
-        </inkml:channelProperties>
-      </inkml:inkSource>
-      <inkml:timestamp xml:id="ts0" timeString="2021-12-09T18:28:52.576"/>
-    </inkml:context>
-    <inkml:brush xml:id="br0">
-      <inkml:brushProperty name="width" value="0.1" units="cm"/>
-      <inkml:brushProperty name="height" value="0.1" units="cm"/>
-      <inkml:brushProperty name="color" value="#FFFFFF"/>
-    </inkml:brush>
-  </inkml:definitions>
-  <inkml:trace contextRef="#ctx0" brushRef="#br0">0 156 24575,'9'-8'0,"3"1"0,-2-1 0,-2 4 0,3-1 0,-4 2 0,4-3 0,-2 1 0,-1-1 0,-1 2 0,-1 1 0,1 0 0,0 1 0,-1-1 0,-1-1 0,1 1 0,-2 0 0,1-1 0,0 2 0,-1 1 0,2-2 0,-1 1 0,1-1 0,1 2 0,0-2 0,1 2 0,-1-2 0,1 1 0,-1 0 0,-1 0 0,1 0 0,0 0 0,-1-1 0,1 2 0,0-1 0,-1 0 0,1 1 0,-1-2 0,1 2 0,-1-1 0,1 1 0,0 0 0,-1-1 0,1 2 0,-1-3 0,1 3 0,-1-2 0,1 1 0,-2 0 0,2-1 0,-2 2 0,1-2 0,1 1 0,-2 0 0,1 0 0,-1-1 0,2 2 0,0-1 0,1 0 0,-1 0 0,1 0 0,0 1 0,-1 0 0,1-2 0,-1 2 0,2-1 0,-3 0 0,4 1 0,-3-1 0,1 1 0,-1-2 0,0 2 0,0 0 0,-1 0 0,1 0 0,-1 0 0,-1 0 0,1 0 0,-1 0 0,1 0 0,-1 0 0,0 0 0,1 0 0,-2 0 0,2 0 0,-1 0 0,0 0 0,1 0 0,-1 0 0,0 0 0,1 0 0,-2 2 0,3-2 0,-2 3 0,1-3 0,1 3 0,-2-2 0,1 1 0,0 0 0,0 0 0,1 1 0,-1-1 0,1 0 0,0 1 0,-1 0 0,-1-1 0,1 1 0,-1 0 0,0-1 0,1 2 0,0-1 0,1 2 0,-1 0 0,1 2 0,-1-2 0,1 1 0,0-2 0,-1 1 0,1 0 0,-1-1 0,0-1 0,0 0 0,-2-1 0,0 1 0,-1-1 0,0 0 0,0-1 0,0 1 0,0-2 0,-1 2 0,1-1 0,1 2 0,0-1 0,0 1 0,2 0 0,-1 0 0,1 1 0,1-1 0,-1 0 0,1 2 0,0-1 0,-1 1 0,1 0 0,1-1 0,-1 2 0,1-3 0,-1 2 0,0 0 0,-1-1 0,3 2 0,-2-1 0,3 1 0,-3 0 0,1-1 0,-1 0 0,-2 0 0,0-1 0,-2-1 0,-2 2 0,-1 0 0,2 6 0,-2-5 0,2 3 0,-2-9 0</inkml:trace>
-</inkml:ink>
-</file>
-
-<file path=ppt/ink/ink16.xml><?xml version="1.0" encoding="utf-8"?>
-<inkml:ink xmlns:inkml="http://www.w3.org/2003/InkML">
-  <inkml:definitions>
-    <inkml:context xml:id="ctx0">
-      <inkml:inkSource xml:id="inkSrc0">
-        <inkml:traceFormat>
-          <inkml:channel name="X" type="integer" min="-2.14748E9" max="2.14748E9" units="cm"/>
-          <inkml:channel name="Y" type="integer" min="-2.14748E9" max="2.14748E9" units="cm"/>
-          <inkml:channel name="F" type="integer" max="32767" units="dev"/>
-        </inkml:traceFormat>
-        <inkml:channelProperties>
-          <inkml:channelProperty channel="X" name="resolution" value="1000" units="1/cm"/>
-          <inkml:channelProperty channel="Y" name="resolution" value="1000" units="1/cm"/>
-          <inkml:channelProperty channel="F" name="resolution" value="0" units="1/dev"/>
-        </inkml:channelProperties>
-      </inkml:inkSource>
-      <inkml:timestamp xml:id="ts0" timeString="2021-12-09T18:28:56.108"/>
-    </inkml:context>
-    <inkml:brush xml:id="br0">
-      <inkml:brushProperty name="width" value="0.1" units="cm"/>
-      <inkml:brushProperty name="height" value="0.1" units="cm"/>
-      <inkml:brushProperty name="color" value="#FFFFFF"/>
-    </inkml:brush>
-  </inkml:definitions>
-  <inkml:trace contextRef="#ctx0" brushRef="#br0">1 596 24575,'13'0'0,"-1"0"0,-2-3 0,-3 1 0,1-1 0,-2 1 0,3-1 0,1 0 0,-1 1 0,0 0 0,-1 0 0,-1-2 0,0 3 0,-1-2 0,1 1 0,-1-2 0,0 1 0,0 0 0,-2 0 0,0-1 0,-1 2 0,0-2 0,1 2 0,-1-2 0,1 1 0,-2-1 0,1 1 0,0-1 0,0-1 0,0 1 0,1-1 0,-1 1 0,0-1 0,1 2 0,0-2 0,0 0 0,2 1 0,-2-2 0,2 1 0,-1 0 0,0-1 0,1 1 0,-2 0 0,2-1 0,-1 1 0,0-1 0,-1 2 0,1 0 0,-2-1 0,1 1 0,0-1 0,0 2 0,0-2 0,0 1 0,0 0 0,-1-1 0,0 1 0,0 0 0,1-1 0,-1 1 0,0 0 0,1-1 0,-2 0 0,2 0 0,-2-1 0,1 0 0,0-1 0,-1 1 0,1-1 0,-1 1 0,0-2 0,-1 1 0,-1-4 0,2 2 0,-2-1 0,1-1 0,-1 1 0,0 2 0,0-1 0,0 1 0,0 2 0,0-1 0,0 1 0,0 0 0,0 1 0,0 0 0,0 1 0,0 1 0,0-1 0,0 1 0,0 0 0,0-1 0,0 0 0,0-1 0,0-1 0,0 1 0,0-1 0,0 1 0,0-2 0,0 0 0,0 1 0,0 0 0,0 0 0,0 2 0,0-1 0,-1 1 0,1 0 0,-3 1 0,2 0 0,-1 1 0,-2-1 0,1-2 0,-2-2 0,0 0 0,1-1 0,-1 2 0,3 1 0,0 1 0,0 1 0,1-1 0,-1 1 0,1-1 0,-1-2 0,-1 1 0,0 0 0,1 2 0,1 2 0</inkml:trace>
-</inkml:ink>
-</file>
-
-<file path=ppt/ink/ink17.xml><?xml version="1.0" encoding="utf-8"?>
-<inkml:ink xmlns:inkml="http://www.w3.org/2003/InkML">
-  <inkml:definitions>
-    <inkml:context xml:id="ctx0">
-      <inkml:inkSource xml:id="inkSrc0">
-        <inkml:traceFormat>
-          <inkml:channel name="X" type="integer" min="-2.14748E9" max="2.14748E9" units="cm"/>
-          <inkml:channel name="Y" type="integer" min="-2.14748E9" max="2.14748E9" units="cm"/>
-          <inkml:channel name="F" type="integer" max="32767" units="dev"/>
-        </inkml:traceFormat>
-        <inkml:channelProperties>
-          <inkml:channelProperty channel="X" name="resolution" value="1000" units="1/cm"/>
-          <inkml:channelProperty channel="Y" name="resolution" value="1000" units="1/cm"/>
-          <inkml:channelProperty channel="F" name="resolution" value="0" units="1/dev"/>
-        </inkml:channelProperties>
-      </inkml:inkSource>
-      <inkml:timestamp xml:id="ts0" timeString="2021-12-09T18:29:08.114"/>
-    </inkml:context>
-    <inkml:brush xml:id="br0">
-      <inkml:brushProperty name="width" value="0.1" units="cm"/>
-      <inkml:brushProperty name="height" value="0.1" units="cm"/>
-      <inkml:brushProperty name="color" value="#FFFFFF"/>
-    </inkml:brush>
-  </inkml:definitions>
-  <inkml:trace contextRef="#ctx0" brushRef="#br0">0 0 24575,'0'11'0,"0"1"0,0 1 0,3 1 0,0 1 0,2-1 0,-1-2 0,0-2 0,1 2 0,-1-2 0,3 1 0,-2 0 0,2 0 0,0 0 0,0-1 0,0-1 0,0 1 0,0-3 0,-1 2 0,1-3 0,0 2 0,-1-1 0,1 1 0,-1 1 0,0-2 0,-2 1 0,2-1 0,-2 0 0,0-1 0,0 1 0,0-1 0,0 1 0,1 0 0,-1 1 0,1-1 0,-1 2 0,1-2 0,0 1 0,1 1 0,-1-2 0,0 2 0,-1-3 0,2 1 0,-2 1 0,2-1 0,-2 2 0,3-3 0,-2 1 0,0-1 0,1 1 0,-2 0 0,1-1 0,-1 1 0,1-1 0,-2 1 0,2 0 0,-2-1 0,0-1 0,0 2 0,1-2 0,-1 0 0,0 1 0,1-1 0,0 2 0,1-2 0,-1 1 0,2 0 0,-2 0 0,2 1 0,-2-1 0,2-1 0,-1 2 0,0-2 0,1 0 0,-2 1 0,2-2 0,-2 0 0,1 0 0,-1-1 0,0 0 0,0 0 0,2 0 0,-1 1 0,0-1 0,2 1 0,-4 0 0,4-1 0,-2 1 0,0 0 0,1-1 0,0 2 0,-1-1 0,1 1 0,-1-1 0,0 0 0,-1 0 0,2 0 0,-3-1 0,3 0 0,-1 1 0,0-1 0,2 0 0,-3 0 0,2-1 0,-2 0 0,2 0 0,-2 0 0,0 0 0,1 1 0,-1-2 0,2 2 0,-2-1 0,2 0 0,-1 0 0,1 0 0,-1 0 0,0-1 0,0 1 0,1-2 0,-2 2 0,2-1 0,0 1 0,-1-1 0,1 2 0,-1-3 0,1 2 0,0-1 0,0 0 0,-1 0 0,2 0 0,-1 0 0,0 0 0,0-1 0,-1 0 0,1 1 0,0 0 0,0 0 0,-1-1 0,2 0 0,-1 0 0,1 0 0,-1 0 0,-1 0 0,-1 0 0,0 0 0,0 0 0,-1 0 0,1 0 0,0 0 0,0 0 0,-1 0 0,0 0 0,0 0 0,0 0 0,0 0 0,1 0 0,0 0 0,2 0 0,-1 0 0,0 0 0,0 0 0,0 0 0,1 0 0,-2 0 0,1 0 0,0 0 0,1 0 0,-1 0 0,0 0 0,1-1 0,-2 0 0,0 0 0,1 1 0,-2 0 0,2-1 0,-1 0 0,1 0 0,-1 1 0,0-1 0,0 0 0,0 0 0,0-1 0,-1 2 0,0-1 0,0-1 0,0 2 0,0-3 0,0 3 0,0-1 0,0-1 0,1 2 0,0-2 0,0 1 0,0-1 0,0-1 0,0 1 0,0 0 0,1 0 0,0-1 0,0 0 0,1-1 0,0 1 0,-1 0 0,0 0 0,-1 1 0,-2 0 0,3 0 0,-3-1 0,4 0 0,-2 1 0,1 0 0,-1-1 0,0 0 0,0 1 0,0 0 0,-2-1 0,2 2 0,-2-1 0,2 1 0,-2-2 0,3 3 0,-3-3 0,1 2 0,0-1 0,0-1 0,2 1 0,-1-1 0,1 0 0,-1 1 0,-1 0 0,2 0 0,-1-1 0,1-1 0,1 0 0,0 0 0,1-2 0,-1 2 0,-1 0 0,1 0 0,0-1 0,3 0 0,3-3 0,1 4 0,-4 0 0,-4 4 0</inkml:trace>
-</inkml:ink>
-</file>
-
-<file path=ppt/ink/ink18.xml><?xml version="1.0" encoding="utf-8"?>
-<inkml:ink xmlns:inkml="http://www.w3.org/2003/InkML">
-  <inkml:definitions>
-    <inkml:context xml:id="ctx0">
-      <inkml:inkSource xml:id="inkSrc0">
-        <inkml:traceFormat>
-          <inkml:channel name="X" type="integer" min="-2.14748E9" max="2.14748E9" units="cm"/>
-          <inkml:channel name="Y" type="integer" min="-2.14748E9" max="2.14748E9" units="cm"/>
-          <inkml:channel name="F" type="integer" max="32767" units="dev"/>
-        </inkml:traceFormat>
-        <inkml:channelProperties>
-          <inkml:channelProperty channel="X" name="resolution" value="1000" units="1/cm"/>
-          <inkml:channelProperty channel="Y" name="resolution" value="1000" units="1/cm"/>
-          <inkml:channelProperty channel="F" name="resolution" value="0" units="1/dev"/>
-        </inkml:channelProperties>
-      </inkml:inkSource>
-      <inkml:timestamp xml:id="ts0" timeString="2021-12-09T18:29:11.974"/>
-    </inkml:context>
-    <inkml:brush xml:id="br0">
-      <inkml:brushProperty name="width" value="0.1" units="cm"/>
-      <inkml:brushProperty name="height" value="0.1" units="cm"/>
-      <inkml:brushProperty name="color" value="#FFFFFF"/>
-    </inkml:brush>
-  </inkml:definitions>
-  <inkml:trace contextRef="#ctx0" brushRef="#br0">0 0 24575,'10'7'0,"-1"0"0,-3-3 0,-2-1 0,2 1 0,-2-1 0,3 3 0,-1 0 0,0-1 0,-2 1 0,0-2 0,0 2 0,1-3 0,-1 2 0,0-2 0,0 2 0,0-1 0,2 0 0,0 2 0,0-2 0,0 2 0,0-2 0,-1 1 0,1 0 0,0-1 0,0 2 0,0-2 0,-1 0 0,1 0 0,-2-1 0,1 0 0,0 1 0,0-1 0,1 2 0,0-2 0,-1 1 0,1-1 0,-2 0 0,2-1 0,-2 1 0,1-1 0,0-1 0,-1 2 0,2-1 0,-1 1 0,1-1 0,1 2 0,-1-2 0,-1 1 0,1 0 0,-1-2 0,1 1 0,-2-1 0,2 1 0,-3-1 0,3 0 0,-2 1 0,2-2 0,-1 1 0,2 1 0,-2-2 0,1 2 0,-1-1 0,2-1 0,0 2 0,-1-2 0,1 0 0,-1 0 0,1 0 0,0 0 0,-1 0 0,1 0 0,-1 0 0,3 0 0,-2 0 0,1 0 0,0 0 0,-1 0 0,1 0 0,-1 0 0,0 0 0,-1 0 0,1 0 0,0 0 0,-1 0 0,0 0 0,-1 0 0,-2 0 0,0 0 0,0 0 0,0 0 0,0 0 0,0 0 0,0 0 0,0 0 0,0 0 0,0 0 0,1 0 0,0 0 0,1 0 0,-1-1 0,0 0 0,0 0 0,-1-1 0,1 1 0,0-1 0,1-1 0,1 1 0,-1 0 0,1 0 0,0 0 0,1 0 0,0-1 0,-1 1 0,1 0 0,0 0 0,-1 1 0,0-1 0,0 1 0,-2-1 0,1 1 0,-1 0 0,0 1 0,-1 0 0,0 0 0,0 0 0,1-1 0,0 0 0,-1 0 0,2 0 0,-1 0 0,1-1 0,0 1 0,0-2 0,1 1 0,0-2 0,0 0 0,-2 0 0,2 0 0,-3 1 0,2-1 0,0 0 0,0 0 0,2-2 0,-1 0 0,1-1 0,0-1 0,0-4 0,-3 5 0,-1 0 0</inkml:trace>
-</inkml:ink>
-</file>
-
-<file path=ppt/ink/ink19.xml><?xml version="1.0" encoding="utf-8"?>
-<inkml:ink xmlns:inkml="http://www.w3.org/2003/InkML">
-  <inkml:definitions>
-    <inkml:context xml:id="ctx0">
-      <inkml:inkSource xml:id="inkSrc0">
-        <inkml:traceFormat>
-          <inkml:channel name="X" type="integer" min="-2.14748E9" max="2.14748E9" units="cm"/>
-          <inkml:channel name="Y" type="integer" min="-2.14748E9" max="2.14748E9" units="cm"/>
-          <inkml:channel name="F" type="integer" max="32767" units="dev"/>
-        </inkml:traceFormat>
-        <inkml:channelProperties>
-          <inkml:channelProperty channel="X" name="resolution" value="1000" units="1/cm"/>
-          <inkml:channelProperty channel="Y" name="resolution" value="1000" units="1/cm"/>
-          <inkml:channelProperty channel="F" name="resolution" value="0" units="1/dev"/>
-        </inkml:channelProperties>
-      </inkml:inkSource>
-      <inkml:timestamp xml:id="ts0" timeString="2021-12-09T18:29:25.264"/>
-    </inkml:context>
-    <inkml:brush xml:id="br0">
-      <inkml:brushProperty name="width" value="0.1" units="cm"/>
-      <inkml:brushProperty name="height" value="0.1" units="cm"/>
-      <inkml:brushProperty name="color" value="#FFFFFF"/>
-    </inkml:brush>
-  </inkml:definitions>
-  <inkml:trace contextRef="#ctx0" brushRef="#br0">27 93 24575,'0'14'0,"0"1"0,0-4 0,0-4 0,0 3 0,0-4 0,0 4 0,0-1 0,0-1 0,0-1 0,0 0 0,0 1 0,2 1 0,0 1 0,1 1 0,1 0 0,-2-1 0,2 3 0,-3 0 0,3 0 0,-2 1 0,1-1 0,0 0 0,1 1 0,0-1 0,1 2 0,-1-1 0,3 1 0,-1 1 0,0 0 0,0 3 0,-2-2 0,1 2 0,-1-2 0,-1-2 0,1-2 0,-1-1 0,1-1 0,-2 1 0,1-1 0,-3-2 0,2-1 0,-1-2 0,0 1 0,0 0 0,0-1 0,0 1 0,1-1 0,0 1 0,1 0 0,-1-1 0,1 2 0,-2-1 0,2 3 0,-3-3 0,2 2 0,-2-3 0,0-2 0,0 0 0,-7-15 0,1 0 0,-7-9 0,5 6 0,-2-2 0,4 4 0,-3-7 0,2 4 0,0-4 0,1 5 0,1-3 0,1 4 0,0 0 0,2 1 0,-2 3 0,4-1 0,-3 3 0,3-1 0,-2 1 0,2 1 0,-1-2 0,0 2 0,-1-1 0,1-1 0,-1-1 0,1 0 0,-2 0 0,1-1 0,-1 0 0,-1-1 0,1-1 0,1 1 0,-1 1 0,1 0 0,1 1 0,-2 0 0,1-1 0,-1 1 0,1 0 0,0-1 0,1 1 0,-2 1 0,2-2 0,0 3 0,0 1 0,0-1 0,0 3 0,1-5 0,0 2 0,0-2 0,0 4 0,0-3 0,0 4 0,0-4 0,0 3 0,0-1 0,0 1 0,0-1 0,0-2 0,0 1 0,0-1 0,0 1 0,0 1 0,0-1 0,1 1 0,-1 0 0,2-1 0,0 1 0,0-1 0,1 2 0,-1 0 0,0-1 0,1 1 0,0-2 0,-1 0 0,2 1 0,-3 2 0,2 1 0,-2 0 0,1 1 0,1 0 0,0-2 0,0 1 0,2 1 0,-1-1 0,-1 3 0,0-3 0,1 3 0,-1-3 0,1 3 0,-1-1 0,1 0 0,0 0 0,1 1 0,-1-1 0,0 0 0,1 1 0,-1 0 0,2 0 0,-1 0 0,0 0 0,1 0 0,-3 0 0,1 0 0,0 0 0,-1 0 0,1 0 0,0 0 0,-1 0 0,1 0 0,0 0 0,1 0 0,0 0 0,-1 0 0,0 2 0,-1-1 0,1 1 0,-1 0 0,0 0 0,1 0 0,-1 1 0,1-1 0,-1 1 0,1 0 0,-3 0 0,2 0 0,-1 0 0,2 1 0,-1 0 0,0 0 0,1 0 0,-2 0 0,-1 1 0,2 0 0,-2 0 0,1 1 0,0 0 0,0 0 0,0 0 0,-1 0 0,2-1 0,-2 2 0,1-1 0,-1 1 0,1-1 0,-1-1 0,2 1 0,-3 0 0,1 0 0,-1 0 0,0 0 0,0-2 0,0 2 0,0-1 0,0 1 0,0 1 0,0-1 0,0 1 0,0 0 0,0-1 0,0 1 0,0 1 0,0 2 0,0 1 0,0 1 0,0 0 0,-1 0 0,0 0 0,-1 0 0,0-1 0,-2 1 0,2-2 0,-1-1 0,3 1 0,-3-3 0,3 2 0,-3-1 0,3 0 0,-3 1 0,3-1 0,-3 3 0,2 1 0,-2 1 0,1 2 0,-1 0 0,1 1 0,-1 0 0,1 0 0,-1-3 0,1 0 0,1-3 0,-2 0 0,3-1 0,-3 1 0,1 0 0,0 1 0,0-1 0,1 0 0,-2-1 0,1 1 0,-1-3 0,2 2 0,-2-3 0,1 1 0,0-1 0,0 1 0,0-1 0,0 1 0,-1 0 0,3-1 0,-2-1 0,1 2 0,-1-2 0,0 1 0,-1 1 0,3-1 0,-1 1 0,1 0 0,-1-1 0,0 1 0,0-1 0,1 1 0,0 1 0,0 1 0,-1 2 0,0-1 0,0 1 0,0-3 0,1 2 0,-1-3 0,0 3 0,-1 0 0,1 1 0,-2 1 0,3-3 0,-3 1 0,2-3 0,-1 3 0,1-3 0,-2 2 0,3-3 0,-2 1 0,2 0 0,-1-1 0,0 1 0,-1 1 0,1-1 0,-2 2 0,3-1 0,-3-1 0,3 3 0,-2-3 0,2 1 0,0-1 0,0-1 0,0 1 0,0 0 0,0-1 0,0 1 0,0-1 0,0 1 0,0 0 0,0-1 0,0 1 0,0-1 0,0 1 0,0 0 0,0-1 0,0 1 0,0-1 0,0 1 0,1 0 0,0-1 0,0 1 0,-1 1 0,2 13 0,-1-12 0,1 9 0</inkml:trace>
-</inkml:ink>
-</file>
-
-<file path=ppt/ink/ink2.xml><?xml version="1.0" encoding="utf-8"?>
-<inkml:ink xmlns:inkml="http://www.w3.org/2003/InkML">
-  <inkml:definitions>
-    <inkml:context xml:id="ctx0">
-      <inkml:inkSource xml:id="inkSrc0">
-        <inkml:traceFormat>
-          <inkml:channel name="X" type="integer" min="-2.14748E9" max="2.14748E9" units="cm"/>
-          <inkml:channel name="Y" type="integer" min="-2.14748E9" max="2.14748E9" units="cm"/>
-          <inkml:channel name="F" type="integer" max="32767" units="dev"/>
-        </inkml:traceFormat>
-        <inkml:channelProperties>
-          <inkml:channelProperty channel="X" name="resolution" value="1000" units="1/cm"/>
-          <inkml:channelProperty channel="Y" name="resolution" value="1000" units="1/cm"/>
-          <inkml:channelProperty channel="F" name="resolution" value="0" units="1/dev"/>
-        </inkml:channelProperties>
-      </inkml:inkSource>
-      <inkml:timestamp xml:id="ts0" timeString="2021-12-09T18:25:21.194"/>
-    </inkml:context>
-    <inkml:brush xml:id="br0">
-      <inkml:brushProperty name="width" value="0.1" units="cm"/>
-      <inkml:brushProperty name="height" value="0.1" units="cm"/>
-      <inkml:brushProperty name="color" value="#FFFFFF"/>
-    </inkml:brush>
-  </inkml:definitions>
-  <inkml:trace contextRef="#ctx0" brushRef="#br0">0 0 24575,'0'40'0,"0"14"0,0 18 0,0 13 0,0-34 0,0 36 0,9-18 0,-4-10 0,2 6 0,5-1 0,2 1 0,-2 4 0,0 0 0,1-6 0,0-1 0,-2-3 0,-1-1 0,0-7 0,1 0 0,9 46 0,0-1 0,-9-44 0,-1 2 0,1 0 0,-1 1 0,1 2 0,-1 0 0,1-3 0,-1 0 0,11 41 0,-11-45 0,0-1 0,10 38 0,-12-37 0,0 0 0,11 47 0,-4-6 0,1-4 0,-2-16 0,-3-2 0,2 14 0,-1-4 0,-4-26 0,1 1 0,-1-1 0,1-2 0,6 43 0,1-9 0,-10-35 0,-2-8 0,-3-10 0,-1 1 0,0-1 0,0 4 0,0-1 0,0 6 0,0-1 0,0 0 0,0-2 0,0-5 0,0-4 0,0-2 0,0-7 0,0-2 0,0-3 0,0-7 0,0-1 0</inkml:trace>
-</inkml:ink>
-</file>
-
-<file path=ppt/ink/ink20.xml><?xml version="1.0" encoding="utf-8"?>
-<inkml:ink xmlns:inkml="http://www.w3.org/2003/InkML">
-  <inkml:definitions>
-    <inkml:context xml:id="ctx0">
-      <inkml:inkSource xml:id="inkSrc0">
-        <inkml:traceFormat>
-          <inkml:channel name="X" type="integer" min="-2.14748E9" max="2.14748E9" units="cm"/>
-          <inkml:channel name="Y" type="integer" min="-2.14748E9" max="2.14748E9" units="cm"/>
-          <inkml:channel name="F" type="integer" max="32767" units="dev"/>
-        </inkml:traceFormat>
-        <inkml:channelProperties>
-          <inkml:channelProperty channel="X" name="resolution" value="1000" units="1/cm"/>
-          <inkml:channelProperty channel="Y" name="resolution" value="1000" units="1/cm"/>
-          <inkml:channelProperty channel="F" name="resolution" value="0" units="1/dev"/>
-        </inkml:channelProperties>
-      </inkml:inkSource>
-      <inkml:timestamp xml:id="ts0" timeString="2021-12-09T18:29:30.387"/>
-    </inkml:context>
-    <inkml:brush xml:id="br0">
-      <inkml:brushProperty name="width" value="0.1" units="cm"/>
-      <inkml:brushProperty name="height" value="0.1" units="cm"/>
-      <inkml:brushProperty name="color" value="#FFFFFF"/>
-    </inkml:brush>
-  </inkml:definitions>
-  <inkml:trace contextRef="#ctx0" brushRef="#br0">12 355 24575,'0'11'0,"0"1"0,0-5 0,0 3 0,0-3 0,2 5 0,0-1 0,2 0 0,-1-2 0,1 0 0,-1 1 0,1-2 0,0 3 0,-1-2 0,0 1 0,1 1 0,-1-1 0,1-1 0,-2 1 0,1 0 0,0 0 0,1-1 0,-1 0 0,0 1 0,0-1 0,-1 0 0,0-1 0,1-1 0,-3 1 0,3-1 0,-2 2 0,1-1 0,0-1 0,0 1 0,1-1 0,-1-1 0,0 1 0,1 1 0,-1-1 0,1 2 0,-1-1 0,1-1 0,-1 3 0,1-1 0,-1 1 0,0 0 0,1 1 0,-3-1 0,2 2 0,-1-2 0,0 3 0,0-2 0,-1 1 0,2 0 0,-2-2 0,1 3 0,1 0 0,-2 4 0,2-4 0,-2 3 0,0-5 0,0 2 0,0-3 0,0 0 0,0 0 0,0 0 0,0 0 0,0 1 0,0-2 0,0 1 0,0-1 0,0 2 0,0-1 0,0-1 0,0-1 0,0-4 0,0-2 0,0-12 0,-2-2 0,1-13 0,-3-1 0,-1-8 0,-2-4 0,-2 3 0,-1 3 0,2 7 0,0 7 0,2 3 0,3 6 0,1 1 0,-1 3 0,3-1 0,-2 3 0,2-1 0,-1 0 0,-1-1 0,1-1 0,-2-1 0,2-1 0,-1 1 0,1-1 0,0-1 0,1 2 0,-2-3 0,2 2 0,-2-2 0,2 2 0,0-3 0,-1 3 0,-1-2 0,1 3 0,0-3 0,-1 3 0,1-1 0,-2 1 0,2-1 0,-1-3 0,-1-2 0,1-1 0,-2-1 0,2 1 0,-1 1 0,1 0 0,1 2 0,-2 0 0,1-1 0,-2-1 0,3-1 0,-3-1 0,4-1 0,-2 0 0,2-2 0,0 0 0,0-1 0,-2 0 0,2 3 0,-1-2 0,1 4 0,0-2 0,0 4 0,0-1 0,0 1 0,0 1 0,0-1 0,0 1 0,0 0 0,0 0 0,0 1 0,0-3 0,0 0 0,0-1 0,0-1 0,0 0 0,0 1 0,0 1 0,0-1 0,0 3 0,0-2 0,0 4 0,2 0 0,1 3 0,1-2 0,2 5 0,0-1 0,0 2 0,1 1 0,-1 1 0,1 0 0,0 0 0,-2 0 0,0 0 0,-2 0 0,0 0 0,-1 0 0,1 0 0,-1 2 0,1-1 0,-1 2 0,2-1 0,-1 0 0,0 1 0,1-2 0,-3 1 0,2-1 0,0 0 0,-2 2 0,3-2 0,-3 3 0,2-1 0,0 0 0,-1 2 0,2 0 0,-1 2 0,1-1 0,-1 2 0,-1 0 0,1 1 0,-2-1 0,1 0 0,-1-2 0,0-3 0,-1 0 0</inkml:trace>
-</inkml:ink>
-</file>
-
-<file path=ppt/ink/ink21.xml><?xml version="1.0" encoding="utf-8"?>
-<inkml:ink xmlns:inkml="http://www.w3.org/2003/InkML">
-  <inkml:definitions>
-    <inkml:context xml:id="ctx0">
-      <inkml:inkSource xml:id="inkSrc0">
-        <inkml:traceFormat>
-          <inkml:channel name="X" type="integer" min="-2.14748E9" max="2.14748E9" units="cm"/>
-          <inkml:channel name="Y" type="integer" min="-2.14748E9" max="2.14748E9" units="cm"/>
-          <inkml:channel name="F" type="integer" max="32767" units="dev"/>
-        </inkml:traceFormat>
-        <inkml:channelProperties>
-          <inkml:channelProperty channel="X" name="resolution" value="1000" units="1/cm"/>
-          <inkml:channelProperty channel="Y" name="resolution" value="1000" units="1/cm"/>
-          <inkml:channelProperty channel="F" name="resolution" value="0" units="1/dev"/>
-        </inkml:channelProperties>
-      </inkml:inkSource>
-      <inkml:timestamp xml:id="ts0" timeString="2021-12-09T18:29:41.689"/>
-    </inkml:context>
-    <inkml:brush xml:id="br0">
-      <inkml:brushProperty name="width" value="0.1" units="cm"/>
-      <inkml:brushProperty name="height" value="0.1" units="cm"/>
-      <inkml:brushProperty name="color" value="#FFFFFF"/>
-    </inkml:brush>
-  </inkml:definitions>
-  <inkml:trace contextRef="#ctx0" brushRef="#br0">1 441 24575,'0'18'0,"0"3"0,0 0 0,0-6 0,0 9 0,0-8 0,0 8 0,1-1 0,1-4 0,4 1 0,-2-5 0,1 2 0,1-2 0,0 1 0,1-1 0,1 3 0,-1-2 0,-1 1 0,1-2 0,-1 1 0,1-1 0,1 2 0,0-4 0,0 1 0,1-4 0,-2 1 0,-1-4 0,1 1 0,0-1 0,-1-1 0,1 1 0,-1 0 0,1 1 0,2 1 0,-2 0 0,3 0 0,-1 1 0,3 0 0,1 3 0,1-3 0,0 2 0,1 0 0,-2-2 0,2 1 0,-3-2 0,1-1 0,-1 1 0,0-1 0,-1 0 0,-1-1 0,1 0 0,-1 0 0,1 0 0,2-1 0,-2 0 0,3-1 0,-3 1 0,4-1 0,-2-2 0,1 1 0,1-2 0,0 0 0,-1 1 0,3-1 0,-2 0 0,3 1 0,-2-2 0,0 1 0,-1-1 0,-1 0 0,1 0 0,0-1 0,-1 0 0,3 0 0,-2 0 0,3 0 0,-1 0 0,2 0 0,0 0 0,-1 0 0,1 0 0,-2 0 0,1 0 0,-1 0 0,1-1 0,-2-2 0,1-1 0,-2-1 0,-1 0 0,3 0 0,-2 1 0,2-3 0,-1-1 0,2 0 0,1-3 0,1 1 0,-1 0 0,2-2 0,-2 2 0,0-2 0,-1 3 0,-1-3 0,-4 4 0,-1-1 0,-3 2 0,2 1 0,-4 0 0,3 0 0,-3 2 0,2-3 0,0 2 0,-1-3 0,3 0 0,-2 0 0,2 1 0,1 0 0,-1-2 0,3 0 0,-1-2 0,1-1 0,-1 0 0,1 0 0,-2 0 0,1 0 0,-2 0 0,0 0 0,-1-1 0,-2 1 0,1 0 0,-1 2 0,0 1 0,-1-2 0,0 2 0,0-3 0,-1 1 0,0-2 0,0 2 0,1 1 0,-2-3 0,2 0 0,-1 0 0,1-1 0,0 1 0,2-1 0,-1-1 0,1-2 0,-2 2 0,1-3 0,-1 2 0,1 0 0,1 0 0,-1 1 0,1-3 0,0 2 0,-1 1 0,0 2 0,-1 0 0,0 2 0,0-2 0,0 1 0,1-3 0,-1 0 0,0-2 0,-2 3 0,0-1 0,-1 0 0,-1-1 0,1-3 0,-2 1 0,2-2 0,-2 3 0,1 0 0,1 2 0,-2 1 0,1-1 0,-2 0 0,0 1 0,-1-1 0,0-1 0,0 2 0,0-1 0,0 3 0,0-1 0,-4 4 0,2 3 0,-2 2 0</inkml:trace>
-</inkml:ink>
-</file>
-
-<file path=ppt/ink/ink22.xml><?xml version="1.0" encoding="utf-8"?>
-<inkml:ink xmlns:inkml="http://www.w3.org/2003/InkML">
-  <inkml:definitions>
-    <inkml:context xml:id="ctx0">
-      <inkml:inkSource xml:id="inkSrc0">
-        <inkml:traceFormat>
-          <inkml:channel name="X" type="integer" min="-2.14748E9" max="2.14748E9" units="cm"/>
-          <inkml:channel name="Y" type="integer" min="-2.14748E9" max="2.14748E9" units="cm"/>
-          <inkml:channel name="F" type="integer" max="32767" units="dev"/>
-        </inkml:traceFormat>
-        <inkml:channelProperties>
-          <inkml:channelProperty channel="X" name="resolution" value="1000" units="1/cm"/>
-          <inkml:channelProperty channel="Y" name="resolution" value="1000" units="1/cm"/>
-          <inkml:channelProperty channel="F" name="resolution" value="0" units="1/dev"/>
-        </inkml:channelProperties>
-      </inkml:inkSource>
-      <inkml:timestamp xml:id="ts0" timeString="2021-12-09T18:25:54.639"/>
-    </inkml:context>
-    <inkml:brush xml:id="br0">
-      <inkml:brushProperty name="width" value="0.1" units="cm"/>
-      <inkml:brushProperty name="height" value="0.1" units="cm"/>
-      <inkml:brushProperty name="color" value="#FFFFFF"/>
-    </inkml:brush>
-  </inkml:definitions>
-  <inkml:trace contextRef="#ctx0" brushRef="#br0">0 0 24575,'0'23'0,"0"23"0,0 29 0,0-19 0,0 11 0,0 6 0,1-13 0,2 3 0,3 1 0,1 6 0,1 0 0,0 3 0,1 2 0,1-3 0,6 24 0,1-1 0,-5-28 0,0 0 0,-1-2 0,1 21 0,0-2 0,3 3 0,-1 0 0,-3-4 0,-1-1 0,-1-4 0,-1-1 0,-1-2 0,-1-2 0,0-5 0,0-1 0,1 2 0,-1 1 0,0-7 0,0 0 0,0 4 0,0 1 0,1 2 0,0 0 0,1-1 0,0 0 0,-1-5 0,0-1 0,0-4 0,0-2 0,1-5 0,-1 0 0,-1 6 0,1-1 0,0-6 0,1 0 0,-1 3 0,0-2 0,3 30 0,1-21 0,-4-14 0,-4-22 0,1-5 0,-2-4 0,0-6 0,-2-6 0,0-18 0,0-26 0,1-45 0,0 27 0,5-15 0,1-10 0,-2 16 0,0-4 0,1 0 0,1-5 0,-1-2-164,-2-2 1,-1-2-1,0 3 164,0 8 0,1 2 0,1 1 0,-1-2 0,0 1 0,1 3 0,3-14 0,2 4 0,2 7 0,2 5 0,-1 13 0,3 5 0,16-15 0,7 16 0,5 14 491,5 2-491,5-6 0,0 0 0,-8-2 0,-4 1 0,-15 5 0,-2-2 0,-6-10 0,0-6 0,-6-15 0,-2 3 0,-9 5 0,5 8 0,-7 15 0,4 9 0,-4 15 0,-10 22 0,-10 28-6784,-19 37 6784,14-27 0,-2 6 0,-2 6 0,4-9 0,-1 2 0,-10 25 0,-2 5 0,0 1 0,1-1 0,6-7 0,2-3 0,4-12 0,2-2 0,5-9 0,1-2 0,-12 32 0,9-23 6784,6-8-6784,-1-17 0,6-4 0,-2-11 0,4-3 0,2-6 0,0-4 0,3-2 0,0-4 0,2 4 0,3-1 0,7 6 0,19 10 0,-12-9 0,33 27 0,-5 1 0,26 22 0,-29-25 0,-1 0 0,32 29 0,-6-4 0,-18-12 0,-12-6 0,-12-8 0,-6-6 0,-2 2 0,-1-3 0,0 8 0,0-6 0,-1 0 0,-3-10 0,-1-3 0,-3-2 0,1 2 0,-2 0 0,2 0 0,-3 2 0,0-5 0,-2 5 0,-1-5 0,2 1 0,-5 0 0,4-5 0,-4-5 0,0-3 0,0-5 0</inkml:trace>
-</inkml:ink>
-</file>
-
-<file path=ppt/ink/ink23.xml><?xml version="1.0" encoding="utf-8"?>
-<inkml:ink xmlns:inkml="http://www.w3.org/2003/InkML">
-  <inkml:definitions>
-    <inkml:context xml:id="ctx0">
-      <inkml:inkSource xml:id="inkSrc0">
-        <inkml:traceFormat>
-          <inkml:channel name="X" type="integer" min="-2.14748E9" max="2.14748E9" units="cm"/>
-          <inkml:channel name="Y" type="integer" min="-2.14748E9" max="2.14748E9" units="cm"/>
-          <inkml:channel name="F" type="integer" max="32767" units="dev"/>
-        </inkml:traceFormat>
-        <inkml:channelProperties>
-          <inkml:channelProperty channel="X" name="resolution" value="1000" units="1/cm"/>
-          <inkml:channelProperty channel="Y" name="resolution" value="1000" units="1/cm"/>
-          <inkml:channelProperty channel="F" name="resolution" value="0" units="1/dev"/>
-        </inkml:channelProperties>
-      </inkml:inkSource>
-      <inkml:timestamp xml:id="ts0" timeString="2021-12-09T18:25:57.119"/>
-    </inkml:context>
-    <inkml:brush xml:id="br0">
-      <inkml:brushProperty name="width" value="0.1" units="cm"/>
-      <inkml:brushProperty name="height" value="0.1" units="cm"/>
-      <inkml:brushProperty name="color" value="#FFFFFF"/>
-    </inkml:brush>
-  </inkml:definitions>
-  <inkml:trace contextRef="#ctx0" brushRef="#br0">817 14 24575,'-5'-8'0,"-2"2"0,-19 6 0,-6 0 0,4 0 0,-24 0 0,8 0 0,-17 0 0,-1 0 0,8 6 0,6 14 0,-7 13 0,-1 20 0,-7 11 0,2 6 0,6 4 0,9-5 0,17-3 0,8 3 0,14 19 0,4-34 0,2 1 0,0 2 0,2 0 0,0 6 0,3-1 0,3-9 0,2-1 0,4 1 0,2-1 0,2-3 0,3-4 0,23 33 0,-2-14 0,3-21 0,-5-14 0,-3-12 0,-6-8 0,4-5 0,-4-11 0,16-16 0,1-21 0,12-28 0,-3-10 0,-27 35 0,-2 0 0,-2 3 0,-1 1 0,18-38 0,-5 4 0,-9 5 0,1-7 0,-5-1 0,6-7 0,-9 12 0,2 10 0,-6 16 0,-1 12 0,-4 5 0,-2 3 0,-1-3 0,3-2 0,2-4 0,4-10 0,-2 8 0,-1-4 0,-1 14 0,-7 8 0,-1 13 0,-5 10 0,-1 10 0,0 6 0,0-7 0,0 20 0,-4 3 0,-5 28 0,-6 23 0,-5 10 0,11-37 0,2 2 0,1-3 0,2 0 0,1 5 0,1 0 0,2-6 0,0-2 0,0-1 0,0-1 0,0 35 0,7-11 0,4-17 0,7-9 0,4-15 0,0-1 0,-2-5 0,2 0 0,-4 4 0,6 0 0,-3 3 0,7 5 0,-3-10 0,2 1 0,-8-9 0,0-8 0,-6-5 0,-1-8 0,1-6 0,1-16 0,2-7 0,1-15 0,-8 20 0,-2 4 0</inkml:trace>
-</inkml:ink>
-</file>
-
-<file path=ppt/ink/ink24.xml><?xml version="1.0" encoding="utf-8"?>
-<inkml:ink xmlns:inkml="http://www.w3.org/2003/InkML">
-  <inkml:definitions>
-    <inkml:context xml:id="ctx0">
-      <inkml:inkSource xml:id="inkSrc0">
-        <inkml:traceFormat>
-          <inkml:channel name="X" type="integer" min="-2.14748E9" max="2.14748E9" units="cm"/>
-          <inkml:channel name="Y" type="integer" min="-2.14748E9" max="2.14748E9" units="cm"/>
-          <inkml:channel name="F" type="integer" max="32767" units="dev"/>
-        </inkml:traceFormat>
-        <inkml:channelProperties>
-          <inkml:channelProperty channel="X" name="resolution" value="1000" units="1/cm"/>
-          <inkml:channelProperty channel="Y" name="resolution" value="1000" units="1/cm"/>
-          <inkml:channelProperty channel="F" name="resolution" value="0" units="1/dev"/>
-        </inkml:channelProperties>
-      </inkml:inkSource>
-      <inkml:timestamp xml:id="ts0" timeString="2021-12-09T18:25:59.086"/>
-    </inkml:context>
-    <inkml:brush xml:id="br0">
-      <inkml:brushProperty name="width" value="0.1" units="cm"/>
-      <inkml:brushProperty name="height" value="0.1" units="cm"/>
-      <inkml:brushProperty name="color" value="#FFFFFF"/>
-    </inkml:brush>
-  </inkml:definitions>
-  <inkml:trace contextRef="#ctx0" brushRef="#br0">9 1 24575,'0'22'0,"0"35"0,0-13 0,0 23 0,0 12 0,0-8 0,0 6 0,0 0 0,0 8 0,0 0-607,0 0 1,0 1 0,0 4 606,0-12 0,0 3 0,0 1 0,0-2 0,0-3 0,0-2 0,0 2 0,0 1 0,0 10 0,0 2 0,0 1 0,0-3 0,0-6 0,0-2 0,0-1 0,0-2 0,0 14 0,0-1 0,0-4 136,0-6 0,0-2 0,0-6-136,0 4 0,0-7 0,0-4 0,0-5 0,0 16 0,0-17 0,0-21 1377,0-1-1377,0-5 34,0-2-34,0-6 0,0-3 0,0-7 0,0-2 0,0-2 0,0 8 0,-3 7 0,2 11 0,-3-2 0,4-7 0,0-12 0,0-12 0,0-23 0,3-22 0,6-25 0,5-22 0,6-4 0,-10 41 0,1-1 0,1 0 0,1 0 0,-2-1 0,0 0 0,3-1 0,2 2 0,9-41 0,10 15 0,2 18 0,10 19 0,8 7 0,11 10 0,11 0 0,5 4 0,2-2 0,-2-2 0,-3-7 0,-15 0 0,-4-4 0,-15 3 0,-10-1 0,-7-5 0,-8-4 0,-2-11 0,-7 3 0,-2-2 0,-7 13 0,-2 18 0,0 7 0</inkml:trace>
-</inkml:ink>
-</file>
-
-<file path=ppt/ink/ink25.xml><?xml version="1.0" encoding="utf-8"?>
-<inkml:ink xmlns:inkml="http://www.w3.org/2003/InkML">
-  <inkml:definitions>
-    <inkml:context xml:id="ctx0">
-      <inkml:inkSource xml:id="inkSrc0">
-        <inkml:traceFormat>
-          <inkml:channel name="X" type="integer" min="-2.14748E9" max="2.14748E9" units="cm"/>
-          <inkml:channel name="Y" type="integer" min="-2.14748E9" max="2.14748E9" units="cm"/>
-          <inkml:channel name="F" type="integer" max="32767" units="dev"/>
-        </inkml:traceFormat>
-        <inkml:channelProperties>
-          <inkml:channelProperty channel="X" name="resolution" value="1000" units="1/cm"/>
-          <inkml:channelProperty channel="Y" name="resolution" value="1000" units="1/cm"/>
-          <inkml:channelProperty channel="F" name="resolution" value="0" units="1/dev"/>
-        </inkml:channelProperties>
-      </inkml:inkSource>
-      <inkml:timestamp xml:id="ts0" timeString="2021-12-09T18:26:00.201"/>
-    </inkml:context>
-    <inkml:brush xml:id="br0">
-      <inkml:brushProperty name="width" value="0.1" units="cm"/>
-      <inkml:brushProperty name="height" value="0.1" units="cm"/>
-      <inkml:brushProperty name="color" value="#FFFFFF"/>
-    </inkml:brush>
-  </inkml:definitions>
-  <inkml:trace contextRef="#ctx0" brushRef="#br0">1 0 24575,'18'10'0,"-4"7"0,-14 27 0,0 9 0,0-4 0,0 25 0,1-13 0,4 30 0,-1-41 0,2 0 0,7 41 0,0-9 0,-4-14 0,-4-19 0,-3-9 0,-2-13 0,0-4 0,0-8 0,0-4 0,0-1 0,0-1 0,0-5 0,0 2 0</inkml:trace>
-</inkml:ink>
-</file>
-
-<file path=ppt/ink/ink26.xml><?xml version="1.0" encoding="utf-8"?>
-<inkml:ink xmlns:inkml="http://www.w3.org/2003/InkML">
-  <inkml:definitions>
-    <inkml:context xml:id="ctx0">
-      <inkml:inkSource xml:id="inkSrc0">
-        <inkml:traceFormat>
-          <inkml:channel name="X" type="integer" min="-2.14748E9" max="2.14748E9" units="cm"/>
-          <inkml:channel name="Y" type="integer" min="-2.14748E9" max="2.14748E9" units="cm"/>
-          <inkml:channel name="F" type="integer" max="32767" units="dev"/>
-        </inkml:traceFormat>
-        <inkml:channelProperties>
-          <inkml:channelProperty channel="X" name="resolution" value="1000" units="1/cm"/>
-          <inkml:channelProperty channel="Y" name="resolution" value="1000" units="1/cm"/>
-          <inkml:channelProperty channel="F" name="resolution" value="0" units="1/dev"/>
-        </inkml:channelProperties>
-      </inkml:inkSource>
-      <inkml:timestamp xml:id="ts0" timeString="2021-12-09T18:26:01.023"/>
-    </inkml:context>
-    <inkml:brush xml:id="br0">
-      <inkml:brushProperty name="width" value="0.1" units="cm"/>
-      <inkml:brushProperty name="height" value="0.1" units="cm"/>
-      <inkml:brushProperty name="color" value="#FFFFFF"/>
-    </inkml:brush>
-  </inkml:definitions>
-  <inkml:trace contextRef="#ctx0" brushRef="#br0">305 1 24575,'-54'3'0,"1"0"0,4-3 0,21 0 0,-6 0 0,20 0 0,-12 0 0,3 0 0,9 0 0,5 0 0</inkml:trace>
-</inkml:ink>
-</file>
-
-<file path=ppt/ink/ink27.xml><?xml version="1.0" encoding="utf-8"?>
-<inkml:ink xmlns:inkml="http://www.w3.org/2003/InkML">
-  <inkml:definitions>
-    <inkml:context xml:id="ctx0">
-      <inkml:inkSource xml:id="inkSrc0">
-        <inkml:traceFormat>
-          <inkml:channel name="X" type="integer" min="-2.14748E9" max="2.14748E9" units="cm"/>
-          <inkml:channel name="Y" type="integer" min="-2.14748E9" max="2.14748E9" units="cm"/>
-          <inkml:channel name="F" type="integer" max="32767" units="dev"/>
-        </inkml:traceFormat>
-        <inkml:channelProperties>
-          <inkml:channelProperty channel="X" name="resolution" value="1000" units="1/cm"/>
-          <inkml:channelProperty channel="Y" name="resolution" value="1000" units="1/cm"/>
-          <inkml:channelProperty channel="F" name="resolution" value="0" units="1/dev"/>
-        </inkml:channelProperties>
-      </inkml:inkSource>
-      <inkml:timestamp xml:id="ts0" timeString="2021-12-09T18:25:27.784"/>
-    </inkml:context>
-    <inkml:brush xml:id="br0">
-      <inkml:brushProperty name="width" value="0.1" units="cm"/>
-      <inkml:brushProperty name="height" value="0.1" units="cm"/>
-      <inkml:brushProperty name="color" value="#FFFFFF"/>
-    </inkml:brush>
-  </inkml:definitions>
-  <inkml:trace contextRef="#ctx0" brushRef="#br0">337 747 24575,'34'0'0,"22"0"0,13 0 0,-11 0 0,13 0 0,-20 0 0,28 0 0,-9 0 0,-10 0 0,2 0 0,-7 0 0,1 0 0,-8-4 0,-8 2 0,-7-6 0,-6-1 0,-5-5 0,5-5 0,0-4 0,7-9 0,3 1 0,-2-11 0,2 9 0,-8-3 0,-2 8 0,-7 2 0,-4 5 0,-5 0 0,-5 1 0,-3 0 0,-3-3 0,0-3 0,0-2 0,-11-5 0,-5 2 0,-17-3 0,-9 5 0,-11-4 0,-7 9 0,-10-2 0,-3 8 0,-10 2 0,6 1 0,-12 4 0,7 4 0,-2 3 0,-3 4 0,2 0 0,7 0 0,7 0 0,14 4 0,8 9 0,2 6 0,6 8 0,3 6 0,0-1 0,6 7 0,0-6 0,6 7 0,3-6 0,3 2 0,4-4 0,3 1 0,6-2 0,3 2 0,4 0 0,0 4 0,0 2 0,0 8 0,0 1 0,2 10 0,8 6 0,2 1 0,7 4 0,-1-4 0,0-5 0,4 2 0,2-1 0,6 3 0,-2-4 0,12 8 0,-8-12 0,18 11 0,-11-15 0,6-4 0,-7-12 0,-3-4 0,3-9 0,-1 4 0,1-9 0,-2 2 0,-4-5 0,0-3 0,0-4 0,0-4 0,2-1 0,1-1 0,4 0 0,0-2 0,4 0 0,7 0 0,0-7 0,8-7 0,-7-4 0,-2-3 0,-3 1 0,-8 2 0,3-5 0,-3 4 0,-2-5 0,0 4 0,-6-3 0,-3 4 0,-6-2 0,1 4 0,-6-4 0,7 0 0,-7-6 0,-4 13 0,-4 0 0</inkml:trace>
-</inkml:ink>
-</file>
-
-<file path=ppt/ink/ink28.xml><?xml version="1.0" encoding="utf-8"?>
-<inkml:ink xmlns:inkml="http://www.w3.org/2003/InkML">
-  <inkml:definitions>
-    <inkml:context xml:id="ctx0">
-      <inkml:inkSource xml:id="inkSrc0">
-        <inkml:traceFormat>
-          <inkml:channel name="X" type="integer" min="-2.14748E9" max="2.14748E9" units="cm"/>
-          <inkml:channel name="Y" type="integer" min="-2.14748E9" max="2.14748E9" units="cm"/>
-          <inkml:channel name="F" type="integer" max="32767" units="dev"/>
-        </inkml:traceFormat>
-        <inkml:channelProperties>
-          <inkml:channelProperty channel="X" name="resolution" value="1000" units="1/cm"/>
-          <inkml:channelProperty channel="Y" name="resolution" value="1000" units="1/cm"/>
-          <inkml:channelProperty channel="F" name="resolution" value="0" units="1/dev"/>
-        </inkml:channelProperties>
-      </inkml:inkSource>
-      <inkml:timestamp xml:id="ts0" timeString="2021-12-09T18:25:29.266"/>
-    </inkml:context>
-    <inkml:brush xml:id="br0">
-      <inkml:brushProperty name="width" value="0.1" units="cm"/>
-      <inkml:brushProperty name="height" value="0.1" units="cm"/>
-      <inkml:brushProperty name="color" value="#FFFFFF"/>
-    </inkml:brush>
-  </inkml:definitions>
-  <inkml:trace contextRef="#ctx0" brushRef="#br0">1 0 24575,'0'41'0,"0"48"-4916,0-24 1,0 2 4170,0-16 0,0 2 2149,0 41 1,0 2-1405,0-32 0,0 2 0,0 6 0,0 6 0,0-1 469,0-6 0,0-1 0,0 1-469,0 3 0,0 0 0,0-1 0,0 19 0,0 0 0,1 6 0,2-1 0,1-17 0,0-1 0,3 10 0,2 1 0,-1-5 0,1-1 0,1-4 0,1-2 0,-1 0 0,0-2 3312,1-12 1,0-3-3313,0 0 0,-1-1 6,-1-7 0,-1 0-6,11 41 468,-3 4-468,-6-47 0,0 0 0,0 2 0,1-2 0,8 46 0,-4-21 0,-3-23 0,-4-10 0,-2-7 0,0 9 0,0-1 0,-3 3 0,3-15 0,-5 0 0,2-16 0,0 0 0,-2-7 0,2 1 0,-3-5 0,0 3 0,0-6 0,0 0 0,0-1 0</inkml:trace>
-</inkml:ink>
-</file>
-
-<file path=ppt/ink/ink29.xml><?xml version="1.0" encoding="utf-8"?>
-<inkml:ink xmlns:inkml="http://www.w3.org/2003/InkML">
-  <inkml:definitions>
-    <inkml:context xml:id="ctx0">
-      <inkml:inkSource xml:id="inkSrc0">
-        <inkml:traceFormat>
-          <inkml:channel name="X" type="integer" min="-2.14748E9" max="2.14748E9" units="cm"/>
-          <inkml:channel name="Y" type="integer" min="-2.14748E9" max="2.14748E9" units="cm"/>
-          <inkml:channel name="F" type="integer" max="32767" units="dev"/>
-        </inkml:traceFormat>
-        <inkml:channelProperties>
-          <inkml:channelProperty channel="X" name="resolution" value="1000" units="1/cm"/>
-          <inkml:channelProperty channel="Y" name="resolution" value="1000" units="1/cm"/>
-          <inkml:channelProperty channel="F" name="resolution" value="0" units="1/dev"/>
-        </inkml:channelProperties>
-      </inkml:inkSource>
-      <inkml:timestamp xml:id="ts0" timeString="2021-12-09T18:25:31.324"/>
-    </inkml:context>
-    <inkml:brush xml:id="br0">
-      <inkml:brushProperty name="width" value="0.1" units="cm"/>
-      <inkml:brushProperty name="height" value="0.1" units="cm"/>
-      <inkml:brushProperty name="color" value="#FFFFFF"/>
-    </inkml:brush>
-  </inkml:definitions>
-  <inkml:trace contextRef="#ctx0" brushRef="#br0">194 18 24575,'32'0'0,"0"0"0,25 0 0,-26 0 0,23 0 0,-27 0 0,19 0 0,-9 0 0,6 0 0,-5-3 0,4 1 0,4-4 0,5 4 0,10-2 0,13 8 0,6 16 0,10 16 0,-42-12 0,-1 4 0,-3 2 0,0 1 0,0-3 0,0 1 0,32 30 0,-9-4 0,2 12 0,-36-27 0,-1 3 0,0 1 0,-2 2 0,3 14 0,-2 3 0,-6-9 0,-3 1 0,4 16 0,-4 3 0,-8 1 0,-5 1 0,2 4 0,-6 2 0,-10 7 0,-8 0 0,-5-5 0,-7-2 0,-11 2 0,-6-2 0,-8-4 0,-4-5 0,-5-6 0,-3-5 0,-2-2 0,-3-6 0,-5-8 0,-1-5 0,3-4 0,1-3 0,-1-5 0,0-3 0,12-7 0,1-3 0,0-1 0,2-4 0,-35 0 0,0-5 0,14-16 0,1-9 0,2-17 0,14-9 0,5-4 0,18-8 0,-1 0 0,13-7 0,-1-1 0,10 10 0,2 3 0,5 18 0,0 2 0,4 15 0,-2 1 0,5 11 0,-2-2 0,3 5 0,0 0 0</inkml:trace>
-</inkml:ink>
-</file>
-
-<file path=ppt/ink/ink3.xml><?xml version="1.0" encoding="utf-8"?>
-<inkml:ink xmlns:inkml="http://www.w3.org/2003/InkML">
-  <inkml:definitions>
-    <inkml:context xml:id="ctx0">
-      <inkml:inkSource xml:id="inkSrc0">
-        <inkml:traceFormat>
-          <inkml:channel name="X" type="integer" min="-2.14748E9" max="2.14748E9" units="cm"/>
-          <inkml:channel name="Y" type="integer" min="-2.14748E9" max="2.14748E9" units="cm"/>
-          <inkml:channel name="F" type="integer" max="32767" units="dev"/>
-        </inkml:traceFormat>
-        <inkml:channelProperties>
-          <inkml:channelProperty channel="X" name="resolution" value="1000" units="1/cm"/>
-          <inkml:channelProperty channel="Y" name="resolution" value="1000" units="1/cm"/>
-          <inkml:channelProperty channel="F" name="resolution" value="0" units="1/dev"/>
-        </inkml:channelProperties>
-      </inkml:inkSource>
-      <inkml:timestamp xml:id="ts0" timeString="2021-12-09T18:25:24.299"/>
-    </inkml:context>
-    <inkml:brush xml:id="br0">
-      <inkml:brushProperty name="width" value="0.1" units="cm"/>
-      <inkml:brushProperty name="height" value="0.1" units="cm"/>
-      <inkml:brushProperty name="color" value="#FFFFFF"/>
-    </inkml:brush>
-  </inkml:definitions>
-  <inkml:trace contextRef="#ctx0" brushRef="#br0">1 64 24575,'9'0'0,"14"0"0,2 0 0,-2 0 0,17 0 0,-9 0 0,14 0 0,1 0 0,-8-7 0,-2 6 0,-3-6 0,3 3 0,-2 3 0,6-4 0,0 3 0,8-4 0,6 0 0,-3-2 0,0 3 0,-11 1 0,-7 1 0,-2 2 0,2-2 0,5 3 0,3 0 0,-1 0 0,-2 0 0,5 0 0,-1 0 0,11 0 0,-7 0 0,-1 0 0,-8 0 0,-4 7 0,-1 2 0,4 11 0,3 2 0,6 7 0,-1 2 0,1 3 0,-7-1 0,-1 0 0,-5 2 0,-3-1 0,-1 1 0,-3 3 0,-4-5 0,3 8 0,-7-7 0,2 3 0,-6-1 0,-3-3 0,-6 7 0,0-2 0,-4 3 0,0 4 0,0-2 0,0 6 0,0 0 0,-4 4 0,-9 5 0,-1-5 0,-15 5 0,5-9 0,-7-3 0,-2 1 0,-3-1 0,-6 2 0,-5-1 0,-7 0 0,-4 0 0,0-4 0,7-3 0,3-4 0,10-7 0,-3 0 0,8-5 0,-9 3 0,0-2 0,-3 1 0,-5 0 0,5-2 0,-7-2 0,0-3 0,-7 0 0,-9-5 0,2-4 0,1-2 0,11-6 0,13 1 0,4-3 0,6 0 0,-1-4 0,0-4 0,-1-6 0,1 1 0,3 0 0,2 5 0,6-3 0,4 3 0,4-1 0,-1 1 0,7 1 0,-3 1 0,4 0 0,2 0 0,-2-2 0,2-3 0,0 4 0,1 1 0</inkml:trace>
-</inkml:ink>
-</file>
-
-<file path=ppt/ink/ink30.xml><?xml version="1.0" encoding="utf-8"?>
-<inkml:ink xmlns:inkml="http://www.w3.org/2003/InkML">
-  <inkml:definitions>
-    <inkml:context xml:id="ctx0">
-      <inkml:inkSource xml:id="inkSrc0">
-        <inkml:traceFormat>
-          <inkml:channel name="X" type="integer" min="-2.14748E9" max="2.14748E9" units="cm"/>
-          <inkml:channel name="Y" type="integer" min="-2.14748E9" max="2.14748E9" units="cm"/>
-          <inkml:channel name="F" type="integer" max="32767" units="dev"/>
-        </inkml:traceFormat>
-        <inkml:channelProperties>
-          <inkml:channelProperty channel="X" name="resolution" value="1000" units="1/cm"/>
-          <inkml:channelProperty channel="Y" name="resolution" value="1000" units="1/cm"/>
-          <inkml:channelProperty channel="F" name="resolution" value="0" units="1/dev"/>
-        </inkml:channelProperties>
-      </inkml:inkSource>
-      <inkml:timestamp xml:id="ts0" timeString="2021-12-09T18:25:32.820"/>
-    </inkml:context>
-    <inkml:brush xml:id="br0">
-      <inkml:brushProperty name="width" value="0.1" units="cm"/>
-      <inkml:brushProperty name="height" value="0.1" units="cm"/>
-      <inkml:brushProperty name="color" value="#FFFFFF"/>
-    </inkml:brush>
-  </inkml:definitions>
-  <inkml:trace contextRef="#ctx0" brushRef="#br0">0 1 24575,'0'70'0,"0"20"-3277,0-27 0,0 8 0,0-5 2532,0-6 0,0 0 1518,0 14 0,0 8 1,0-3-774,0 16 0,0 2 0,0-5 0,0 7 0,0 2 205,0-19 1,0 2 0,0-1 0,0-1-206,0-5 0,0-2 0,0-1 0,0 0 0,0 22 0,0-1 0,0-4-144,1-10 1,-1-3-1,2 0 144,2 1 0,0 1 0,1-3 0,2 22 0,2-1 1901,0-27 1,1 1 0,1-4-1902,1 15 0,1-4 284,1-2 1,-1-1-285,-1-10 0,0-2 711,-2-9 0,1 0-711,-1-2 0,1-1 711,4 44-711,-1-2 202,-6-23-202,1-15 0,-4-26 0,-2-16 0,-3-9 0</inkml:trace>
-</inkml:ink>
-</file>
-
-<file path=ppt/ink/ink31.xml><?xml version="1.0" encoding="utf-8"?>
-<inkml:ink xmlns:inkml="http://www.w3.org/2003/InkML">
-  <inkml:definitions>
-    <inkml:context xml:id="ctx0">
-      <inkml:inkSource xml:id="inkSrc0">
-        <inkml:traceFormat>
-          <inkml:channel name="X" type="integer" min="-2.14748E9" max="2.14748E9" units="cm"/>
-          <inkml:channel name="Y" type="integer" min="-2.14748E9" max="2.14748E9" units="cm"/>
-          <inkml:channel name="F" type="integer" max="32767" units="dev"/>
-        </inkml:traceFormat>
-        <inkml:channelProperties>
-          <inkml:channelProperty channel="X" name="resolution" value="1000" units="1/cm"/>
-          <inkml:channelProperty channel="Y" name="resolution" value="1000" units="1/cm"/>
-          <inkml:channelProperty channel="F" name="resolution" value="0" units="1/dev"/>
-        </inkml:channelProperties>
-      </inkml:inkSource>
-      <inkml:timestamp xml:id="ts0" timeString="2021-12-09T18:25:35.114"/>
-    </inkml:context>
-    <inkml:brush xml:id="br0">
-      <inkml:brushProperty name="width" value="0.1" units="cm"/>
-      <inkml:brushProperty name="height" value="0.1" units="cm"/>
-      <inkml:brushProperty name="color" value="#FFFFFF"/>
-    </inkml:brush>
-  </inkml:definitions>
-  <inkml:trace contextRef="#ctx0" brushRef="#br0">0 1 24575,'48'0'0,"16"0"0,-5 0 0,0 0 0,13 0 0,-3 0 0,3 0 0,25 0 0,-31 0 0,4 0 0,9 0 0,-2 0 0,-24 0 0,-1 0 0,16 4 0,-1 4 0,-16 3 0,-1 6 0,12 10 0,-2 6 0,-6 6 0,-2 4 0,4 11 0,-3 6 0,-8 2 0,-3 5 0,-11-9 0,-2 3 0,-3 2-219,-1 3 1,-3 1 0,-2 3 218,0 9 0,-1 2 0,-3 2 0,-1 2 0,-3 2 0,-1-1 0,-4-5 0,-1-1 0,-1 1 0,0 0 0,0 1 0,-2-4 0,1 16 0,-5-6 0,-4-7 0,-5-5 0,0-21 0,-6-4 0,-11-1 0,-7-4 0,-3-8 0,-4-3 0,-17 4 0,-3-3 0,7-8 0,-1-2 327,-14 3 1,0-4-328,16-7 0,1-3 0,-4 1 0,1-3 0,-32-2 0,4-4 0,3-16 0,-6-15 0,-8-10 0,48 9 0,2-2 0,-35-20 0,10-5 0,18 7 0,5 0 0,13 3 0,4-2 0,8 2 0,2 0 0,5 4 0,5 9 0,0 6 0,5 7 0,0 8 0,2 2 0</inkml:trace>
-</inkml:ink>
-</file>
-
-<file path=ppt/ink/ink32.xml><?xml version="1.0" encoding="utf-8"?>
-<inkml:ink xmlns:inkml="http://www.w3.org/2003/InkML">
-  <inkml:definitions>
-    <inkml:context xml:id="ctx0">
-      <inkml:inkSource xml:id="inkSrc0">
-        <inkml:traceFormat>
-          <inkml:channel name="X" type="integer" min="-2.14748E9" max="2.14748E9" units="cm"/>
-          <inkml:channel name="Y" type="integer" min="-2.14748E9" max="2.14748E9" units="cm"/>
-          <inkml:channel name="F" type="integer" max="32767" units="dev"/>
-        </inkml:traceFormat>
-        <inkml:channelProperties>
-          <inkml:channelProperty channel="X" name="resolution" value="1000" units="1/cm"/>
-          <inkml:channelProperty channel="Y" name="resolution" value="1000" units="1/cm"/>
-          <inkml:channelProperty channel="F" name="resolution" value="0" units="1/dev"/>
-        </inkml:channelProperties>
-      </inkml:inkSource>
-      <inkml:timestamp xml:id="ts0" timeString="2021-12-09T18:25:37.611"/>
-    </inkml:context>
-    <inkml:brush xml:id="br0">
-      <inkml:brushProperty name="width" value="0.1" units="cm"/>
-      <inkml:brushProperty name="height" value="0.1" units="cm"/>
-      <inkml:brushProperty name="color" value="#FFFFFF"/>
-    </inkml:brush>
-  </inkml:definitions>
-  <inkml:trace contextRef="#ctx0" brushRef="#br0">1261 15 24575,'-6'-7'0,"1"0"0,-19 7 0,-24 0 0,14 0 0,-56 0 0,38 0 0,-45 0 0,18 0 0,8 0 0,4 17 0,12 6 0,-19 33 0,8 9 0,25-28 0,0 1 0,7 2 0,1-1 0,-2 1 0,0-1 0,4 2 0,1-1 0,-25 43 0,26-38 0,2 2 0,5 2 0,3 3 0,0 8 0,4 2 0,5-1 0,2 1 0,4 4 0,1 1 0,2-5 0,1-2 0,-1-3 0,2-2 0,0-2 0,3-2 0,18 29 0,10-6 0,14-22 0,-3-10 0,0-15 0,-2-11 0,-1-6 0,11-9 0,11-1 0,21-16 0,12-11 0,-46 9 0,-1-4 0,0-4 0,0-2 0,36-18 0,-9-8 0,-9 1 0,-13 0 0,-4-2 0,-8-2 0,0-1 0,-6 3 0,8-7 0,-5 7 0,6-9 0,-9 9 0,-3 1 0,-11 16 0,-2 5 0,-8 11 0,-4 2 0,-4 3 0,-3 9 0,0 2 0</inkml:trace>
-</inkml:ink>
-</file>
-
-<file path=ppt/ink/ink33.xml><?xml version="1.0" encoding="utf-8"?>
-<inkml:ink xmlns:inkml="http://www.w3.org/2003/InkML">
-  <inkml:definitions>
-    <inkml:context xml:id="ctx0">
-      <inkml:inkSource xml:id="inkSrc0">
-        <inkml:traceFormat>
-          <inkml:channel name="X" type="integer" min="-2.14748E9" max="2.14748E9" units="cm"/>
-          <inkml:channel name="Y" type="integer" min="-2.14748E9" max="2.14748E9" units="cm"/>
-          <inkml:channel name="F" type="integer" max="32767" units="dev"/>
-        </inkml:traceFormat>
-        <inkml:channelProperties>
-          <inkml:channelProperty channel="X" name="resolution" value="1000" units="1/cm"/>
-          <inkml:channelProperty channel="Y" name="resolution" value="1000" units="1/cm"/>
-          <inkml:channelProperty channel="F" name="resolution" value="0" units="1/dev"/>
-        </inkml:channelProperties>
-      </inkml:inkSource>
-      <inkml:timestamp xml:id="ts0" timeString="2021-12-09T18:25:38.864"/>
-    </inkml:context>
-    <inkml:brush xml:id="br0">
-      <inkml:brushProperty name="width" value="0.1" units="cm"/>
-      <inkml:brushProperty name="height" value="0.1" units="cm"/>
-      <inkml:brushProperty name="color" value="#FFFFFF"/>
-    </inkml:brush>
-  </inkml:definitions>
-  <inkml:trace contextRef="#ctx0" brushRef="#br0">0 0 24575,'4'36'0,"-1"10"0,-3-10 0,0 31 0,0-20 0,0 36 0,0-3 0,0 4 0,0 3 0,7-8 0,7 9 0,9-4 0,6 5 0,1-4 0,2-4 0,-2-15 0,4-10 0,-2-15 0,3-9 0,7-9 0,8-4 0,9-10 0,6-3 0,2-6 0,-7 0 0,-9 0 0,-16-11 0,-8-10 0,-5-23 0,0-19 0,1-14 0,-12 31 0,-2 6 0</inkml:trace>
-</inkml:ink>
-</file>
-
-<file path=ppt/ink/ink34.xml><?xml version="1.0" encoding="utf-8"?>
-<inkml:ink xmlns:inkml="http://www.w3.org/2003/InkML">
-  <inkml:definitions>
-    <inkml:context xml:id="ctx0">
-      <inkml:inkSource xml:id="inkSrc0">
-        <inkml:traceFormat>
-          <inkml:channel name="X" type="integer" min="-2.14748E9" max="2.14748E9" units="cm"/>
-          <inkml:channel name="Y" type="integer" min="-2.14748E9" max="2.14748E9" units="cm"/>
-          <inkml:channel name="F" type="integer" max="32767" units="dev"/>
-        </inkml:traceFormat>
-        <inkml:channelProperties>
-          <inkml:channelProperty channel="X" name="resolution" value="1000" units="1/cm"/>
-          <inkml:channelProperty channel="Y" name="resolution" value="1000" units="1/cm"/>
-          <inkml:channelProperty channel="F" name="resolution" value="0" units="1/dev"/>
-        </inkml:channelProperties>
-      </inkml:inkSource>
-      <inkml:timestamp xml:id="ts0" timeString="2021-12-09T18:25:41.514"/>
-    </inkml:context>
-    <inkml:brush xml:id="br0">
-      <inkml:brushProperty name="width" value="0.1" units="cm"/>
-      <inkml:brushProperty name="height" value="0.1" units="cm"/>
-      <inkml:brushProperty name="color" value="#FFFFFF"/>
-    </inkml:brush>
-  </inkml:definitions>
-  <inkml:trace contextRef="#ctx0" brushRef="#br0">1 381 24575,'34'0'0,"25"0"0,-4 0 0,-2 0 0,18 0 0,-25 0 0,23 0 0,-23 0 0,-22 0 0,-7 0 0,-13-2 0,3 1 0,-8 1 0,2 23 0,-1 27 0,0 48 0,0-32 0,0-1 0,0 2 0,0 24 0,0-21 0,0 3 0,0-8 0,0-1 0,0-8 0,0-2 0,0 36 0,0-11 0,4-3 0,2 7 0,3-5 0,1 10 0,3-16 0,-3 3 0,3-12 0,-6-4 0,3-7 0,-7-11 0,4-5 0,-7-9 0,7-1 0,-6-6 0,5-2 0,-5-3 0,2-3 0,-3-3 0,0-7 0,0-14 0,0-17 0,0-29 0,0 18 0,0-52 0,0-1 0,0 22 0,0-3 0,0 3 0,0 0 0,0-3 0,0 2 0,0 14 0,0 3 0,0 1 0,0 1 0,0-39 0,4 20 0,4 0 0,2 4 0,7 7 0,-3-6 0,4 12 0,2-7 0,8 7 0,10-4 0,15 5 0,14-1 0,15 5 0,-37 25 0,3 1 0,11 3 0,2 2 0,-6 3 0,1 0 0,8 0 0,-1 0 0,-11 5 0,-2 0 0,39-9 0,-20 2 0,-21 5 0,-7-4 0,-15 0 0,0-7 0,-6-5 0,-4-5 0,-6-1 0,-5 4 0,-5 14 0,0 6 0</inkml:trace>
-</inkml:ink>
-</file>
-
-<file path=ppt/ink/ink35.xml><?xml version="1.0" encoding="utf-8"?>
-<inkml:ink xmlns:inkml="http://www.w3.org/2003/InkML">
-  <inkml:definitions>
-    <inkml:context xml:id="ctx0">
-      <inkml:inkSource xml:id="inkSrc0">
-        <inkml:traceFormat>
-          <inkml:channel name="X" type="integer" min="-2.14748E9" max="2.14748E9" units="cm"/>
-          <inkml:channel name="Y" type="integer" min="-2.14748E9" max="2.14748E9" units="cm"/>
-          <inkml:channel name="F" type="integer" max="32767" units="dev"/>
-        </inkml:traceFormat>
-        <inkml:channelProperties>
-          <inkml:channelProperty channel="X" name="resolution" value="1000" units="1/cm"/>
-          <inkml:channelProperty channel="Y" name="resolution" value="1000" units="1/cm"/>
-          <inkml:channelProperty channel="F" name="resolution" value="0" units="1/dev"/>
-        </inkml:channelProperties>
-      </inkml:inkSource>
-      <inkml:timestamp xml:id="ts0" timeString="2021-12-09T18:25:49.996"/>
-    </inkml:context>
-    <inkml:brush xml:id="br0">
-      <inkml:brushProperty name="width" value="0.1" units="cm"/>
-      <inkml:brushProperty name="height" value="0.1" units="cm"/>
-      <inkml:brushProperty name="color" value="#FFFFFF"/>
-    </inkml:brush>
-  </inkml:definitions>
-  <inkml:trace contextRef="#ctx0" brushRef="#br0">45 143 24575,'18'0'0,"-7"0"0,-1 3 0,-7 6 0,-2 10 0,6 10 0,-5-9 0,10 14 0,-3-15 0,3 17 0,2-8 0,-4-1 0,4-3 0,-3-5 0,0-1 0,-1-3 0,-4-3 0,-2-2 0,2 1 0,-2 0 0,5 3 0,-1 0 0,2 0 0,0 1 0,2 3 0,5 1 0,3 0 0,3 3 0,0-2 0,-4 0 0,0 3 0,-4-3 0,0 7 0,1 6 0,0 0 0,-3 8 0,-1-11 0,-7 5 0,2-10 0,-6-2 0,2-5 0,-3-3 0,0-3 0,0-3 0,0-10 0,-7-30 0,-9-33 0,3 15 0,0-1 0,-7-21 0,2 9 0,-2 0 0,-11-18 0,11 18 0,-1-3 0,0 13 0,1 2 0,-10-30 0,1 21 0,8 18 0,4 10 0,6 14 0,2 2 0,2 5 0,-4 0 0,2-2 0,-7 3 0,5-3 0,-3 7 0,8 0 0,-1 5 0,5 2 0,1 2 0,1 5 0,6 2 0,6 11 0,11-1 0,6 6 0,3-7 0,5 0 0,-4-4 0,6 1 0,-9-7 0,-2-2 0,-7-7 0,-7-1 0,-4 0 0,-5 0 0,-2-2 0,-3-1 0,0-4 0,0 0 0,1-1 0,2 1 0,2 1 0,0 0 0,1-1 0,-3-1 0,3-1 0,-5-4 0,5 2 0,-5-8 0,3 4 0,-1-3 0,-2 5 0,3 5 0,-2 3 0,2 4 0,-2 4 0,4 3 0,-3 5 0,8 7 0,1 9 0,4 2 0,0 12 0,1-4 0,-2 5 0,-2-5 0,-2-2 0,-6-3 0,1-4 0,-1 4 0,-2-2 0,3-3 0,-4-3 0,0-6 0,-1-2 0,-1-2 0,0 2 0,0 1 0,0-1 0,0 5 0,0-3 0,0 2 0,0 3 0,0-1 0,-2 4 0,1-2 0,-5 0 0,5-5 0,-3 0 0,1-5 0,1-8 0,-3 1 0,2-8 0,0 3 0,-1-2 0,1 0 0,-1 0 0,1-1 0,-1-7 0,-5-9 0,-6-12 0,-9-14 0,-2-5 0,0-6 0,5 3 0,7 10 0,3 8 0,6 19 0,3 4 0,2 11 0,0 7 0,3 3 0,1 10 0,7 2 0,-2 5 0,3 9 0,0 1 0,-2 3 0,4-1 0,-5-3 0,1-5 0,-2 1 0,-4-4 0,3 3 0,-6 0 0,6 5 0,-6-4 0,2 2 0,-3-5 0,0 2 0,0 1 0,0 0 0,0 0 0,0-3 0,0-1 0,0 1 0,0-4 0,0 2 0,0-5 0,0-2 0,0-3 0,0-3 0,0 3 0,0-3 0,0 4 0,0-5 0,0 1 0,0-1 0,0 1 0,0-1 0,0 1 0,0-1 0,0 1 0,0-1 0,0 4 0,0-2 0,0 6 0,0-3 0,0 1 0,0-3 0,0-2 0,0-1 0,0 0 0,0 4 0,0-2 0,0 1 0,0-4 0,0-3 0,0-5 0,-2-3 0,0-1 0,-5-12 0,-3-8 0,5 3 0,-15-28 0,5 7 0,-13-32 0,1-2 0,-2-5 0,1-6 0,-2 3 0,1-3 0,1 7 0,5 11 0,4 2 0,4 12 0,4 2 0,-1 2 0,4 2 0,-2 4 0,3 3 0,-2 4 0,5 5 0,-2 0 0,5 4 0,-5 1 0,5-2 0,-5 2 0,5-5 0,-5 4 0,3-4 0,-2 4 0,-1 0 0,5 1 0,-5 1 0,2-1 0,-7-1 0,6 0 0,-8 1 0,8-4 0,-5 4 0,1-3 0,1 7 0,-1 1 0,1 2 0,3 3 0,-1 2 0,4 7 0,-1 4 0,4 11 0,7 14 0,12 20 0,-6-15 0,19 29 0,-10-15 0,14 23 0,1 3 0,-7-14 0,-4-4 0,-7-10 0,-3-3 0,0 1 0,-1-8 0,0 4 0,-1-7 0,1 2 0,-2-3 0,-2 2 0,-3-7 0,-1 2 0,-1-5 0,0-1 0,1-1 0,-1-3 0,-4-4 0,1-9 0,0-31 0,3-22 0,8-39 0,-6 38 0,0-3 0,0-4 0,0-1 0,-1 4 0,0 1 0,-4 1 0,-1 2 0,2-27 0,-5 14 0,0 19 0,0 14 0,0 9 0,0 9 0,0 10 0,7 13 0,7 20 0,12 16 0,-8-11 0,15 30 0,-15-17 0,10 30 0,-6-3 0,-8-5 0,-3-7 0,-4-10 0,-4-9 0,0-6 0,1-4 0,-3-5 0,2 3 0,-2-3 0,3 9 0,0 1 0,4 4 0,-4-5 0,-1-4 0,-3-9 0,0-5 0,0 1 0,0-1 0,0 3 0,0 2 0,0-5 0,-3-1 0,1-3 0,-3-1 0,3 1 0,-3-2 0,4-1 0,-4 1 0,4-1 0,-2 5 0,-1 3 0,4 2 0,-7 1 0,3 1 0,0 4 0,-4 6 0,-1 5 0,0 1 0,-5-4 0,4 0 0,-4-5 0,-1 4 0,-1 0 0,0-1 0,0-3 0,4-6 0,4-8 0,3-7 0,3-5 0,0-6 0,1-5 0,4-25 0,7-16 0,-4 7 0,11-38 0,-10 11 0,-2 18 0,-1-3 0,-1-1 0,-1 0 0,-2-32 0,0 12 0,0 20 0,0 11 0,0 6 0,0 3 0,-4 2 0,-4-2 0,-3 5 0,-2-7 0,0 4 0,3-10 0,0-1 0,0-2 0,-3 0 0,-2 2 0,-1 1 0,-4 3 0,3 6 0,-9 0 0,-10-7 0,16 18 0,-6-4 0</inkml:trace>
-</inkml:ink>
-</file>
-
-<file path=ppt/ink/ink36.xml><?xml version="1.0" encoding="utf-8"?>
-<inkml:ink xmlns:inkml="http://www.w3.org/2003/InkML">
-  <inkml:definitions>
-    <inkml:context xml:id="ctx0">
-      <inkml:inkSource xml:id="inkSrc0">
-        <inkml:traceFormat>
-          <inkml:channel name="X" type="integer" min="-2.14748E9" max="2.14748E9" units="cm"/>
-          <inkml:channel name="Y" type="integer" min="-2.14748E9" max="2.14748E9" units="cm"/>
-          <inkml:channel name="F" type="integer" max="32767" units="dev"/>
-        </inkml:traceFormat>
-        <inkml:channelProperties>
-          <inkml:channelProperty channel="X" name="resolution" value="1000" units="1/cm"/>
-          <inkml:channelProperty channel="Y" name="resolution" value="1000" units="1/cm"/>
-          <inkml:channelProperty channel="F" name="resolution" value="0" units="1/dev"/>
-        </inkml:channelProperties>
-      </inkml:inkSource>
-      <inkml:timestamp xml:id="ts0" timeString="2021-12-09T18:25:51.398"/>
-    </inkml:context>
-    <inkml:brush xml:id="br0">
-      <inkml:brushProperty name="width" value="0.1" units="cm"/>
-      <inkml:brushProperty name="height" value="0.1" units="cm"/>
-      <inkml:brushProperty name="color" value="#FFFFFF"/>
-    </inkml:brush>
-  </inkml:definitions>
-  <inkml:trace contextRef="#ctx0" brushRef="#br0">0 0 24575,'5'40'0,"-1"-14"0,-4-11 0,0-20 0,0-8 0</inkml:trace>
-</inkml:ink>
-</file>
-
-<file path=ppt/ink/ink37.xml><?xml version="1.0" encoding="utf-8"?>
-<inkml:ink xmlns:inkml="http://www.w3.org/2003/InkML">
-  <inkml:definitions>
-    <inkml:context xml:id="ctx0">
-      <inkml:inkSource xml:id="inkSrc0">
-        <inkml:traceFormat>
-          <inkml:channel name="X" type="integer" min="-2.14748E9" max="2.14748E9" units="cm"/>
-          <inkml:channel name="Y" type="integer" min="-2.14748E9" max="2.14748E9" units="cm"/>
-          <inkml:channel name="F" type="integer" max="32767" units="dev"/>
-        </inkml:traceFormat>
-        <inkml:channelProperties>
-          <inkml:channelProperty channel="X" name="resolution" value="1000" units="1/cm"/>
-          <inkml:channelProperty channel="Y" name="resolution" value="1000" units="1/cm"/>
-          <inkml:channelProperty channel="F" name="resolution" value="0" units="1/dev"/>
-        </inkml:channelProperties>
-      </inkml:inkSource>
-      <inkml:timestamp xml:id="ts0" timeString="2021-12-09T18:26:10.457"/>
-    </inkml:context>
-    <inkml:brush xml:id="br0">
-      <inkml:brushProperty name="width" value="0.1" units="cm"/>
-      <inkml:brushProperty name="height" value="0.1" units="cm"/>
-      <inkml:brushProperty name="color" value="#FFFFFF"/>
-    </inkml:brush>
-  </inkml:definitions>
-  <inkml:trace contextRef="#ctx0" brushRef="#br0">1401 1 24575,'0'92'0,"0"-37"0,0 5 0,0 19 0,0 5 0,0 3 0,0-4 0,0-25 0,0-1 0,0 15 0,0-3 0,0 18 0,0-17 0,0 4 0,0 1 0,0 1 0,0 2 0,0 1 0,0 3 0,0-1 0,0-6 0,0 0 0,0 5 0,0-1 0,0-10 0,0-2 0,0 3 0,0-2 0,0-14 0,0-2 0,0 38 0,0-14 0,0 7 0,0-7 0,0-5 0,0-22 0,0-17 0,0-14 0,0-10 0,0-7 0,-1-12 0,0 5 0,-4-18 0,-7 3 0,-5-19 0,-14-19 0,-3-10 0,-15-12 0,-2-3 0,-8 13 0,-7 2 0,2 17 0,-10 7 0,8 7 0,-12 7 0,0 5 0,-12 6 0,-4 9 0,0 6 0,7 3 0,2 6 0,19 12 0,5 17 0,16 13 0,9 18 0,9 2 0,10 12 0,8 4 0,6 6 0,3 1 0,9-6 0,14-1 0,17-15 0,17 0 0,14-5 0,-32-31 0,2-1 0,5 1 0,2 0 0,-3-5 0,0-1 0,1 0 0,-1-2 0,34 6 0,-13-8 0,3-12 0,3-6 0,11-3 0,10-10 0,-8-2 0,-2-13 0,-7 0 0,-4-3 0,-4-4 0,-13 1 0,-12 0 0,-16 3 0,-15 14 0,-6 3 0</inkml:trace>
-</inkml:ink>
-</file>
-
-<file path=ppt/ink/ink38.xml><?xml version="1.0" encoding="utf-8"?>
-<inkml:ink xmlns:inkml="http://www.w3.org/2003/InkML">
-  <inkml:definitions>
-    <inkml:context xml:id="ctx0">
-      <inkml:inkSource xml:id="inkSrc0">
-        <inkml:traceFormat>
-          <inkml:channel name="X" type="integer" min="-2.14748E9" max="2.14748E9" units="cm"/>
-          <inkml:channel name="Y" type="integer" min="-2.14748E9" max="2.14748E9" units="cm"/>
-          <inkml:channel name="F" type="integer" max="32767" units="dev"/>
-        </inkml:traceFormat>
-        <inkml:channelProperties>
-          <inkml:channelProperty channel="X" name="resolution" value="1000" units="1/cm"/>
-          <inkml:channelProperty channel="Y" name="resolution" value="1000" units="1/cm"/>
-          <inkml:channelProperty channel="F" name="resolution" value="0" units="1/dev"/>
-        </inkml:channelProperties>
-      </inkml:inkSource>
-      <inkml:timestamp xml:id="ts0" timeString="2021-12-09T18:26:12.383"/>
-    </inkml:context>
-    <inkml:brush xml:id="br0">
-      <inkml:brushProperty name="width" value="0.1" units="cm"/>
-      <inkml:brushProperty name="height" value="0.1" units="cm"/>
-      <inkml:brushProperty name="color" value="#FFFFFF"/>
-    </inkml:brush>
-  </inkml:definitions>
-  <inkml:trace contextRef="#ctx0" brushRef="#br0">86 728 24575,'11'0'0,"34"0"0,16 0 0,-4 0 0,-4 0 0,1 0 0,13 0 0,-14 0 0,3 0 0,-4 0 0,-2 0 0,29 0 0,1 0 0,-14 0 0,-1 0 0,6-1 0,2-5 0,-2-9 0,-8-8 0,-10-6 0,-16-4 0,-7-4 0,-9-8 0,-6-4 0,-6 1 0,-5-4 0,-4 4 0,-1-4 0,-15-1 0,-7 0 0,-20 0 0,-1 8 0,-8 8 0,0 12 0,-4 12 0,-8 4 0,-9 8 0,-4 1 0,-11 4 0,10 9 0,-5 3 0,12 11 0,-4-2 0,9 7 0,-10 5 0,10 8 0,0 3 0,11 5 0,10-3 0,10 2 0,5 3 0,11 13 0,2 9 0,11 18 0,2 1 0,4-44 0,2 0 0,16 44 0,-4-47 0,3-2 0,28 38 0,-14-37 0,2 0 0,-2-4 0,0 1 0,6 3 0,1-1 0,-2-5 0,-1-1 0,31 32 0,-4-18 0,-7-8 0,2-19 0,4-1 0,2-14 0,11-3 0,0-7 0,12-5 0,2-13 0,2-9 0,-45 4 0,-1-4 0,-1-4 0,-2-4 0,26-40 0,-39 17 0,-6 2 0,-1-2 0,-10-8 0</inkml:trace>
-</inkml:ink>
-</file>
-
-<file path=ppt/ink/ink39.xml><?xml version="1.0" encoding="utf-8"?>
-<inkml:ink xmlns:inkml="http://www.w3.org/2003/InkML">
-  <inkml:definitions>
-    <inkml:context xml:id="ctx0">
-      <inkml:inkSource xml:id="inkSrc0">
-        <inkml:traceFormat>
-          <inkml:channel name="X" type="integer" min="-2.14748E9" max="2.14748E9" units="cm"/>
-          <inkml:channel name="Y" type="integer" min="-2.14748E9" max="2.14748E9" units="cm"/>
-          <inkml:channel name="F" type="integer" max="32767" units="dev"/>
-        </inkml:traceFormat>
-        <inkml:channelProperties>
-          <inkml:channelProperty channel="X" name="resolution" value="1000" units="1/cm"/>
-          <inkml:channelProperty channel="Y" name="resolution" value="1000" units="1/cm"/>
-          <inkml:channelProperty channel="F" name="resolution" value="0" units="1/dev"/>
-        </inkml:channelProperties>
-      </inkml:inkSource>
-      <inkml:timestamp xml:id="ts0" timeString="2021-12-09T18:26:15.323"/>
-    </inkml:context>
-    <inkml:brush xml:id="br0">
-      <inkml:brushProperty name="width" value="0.1" units="cm"/>
-      <inkml:brushProperty name="height" value="0.1" units="cm"/>
-      <inkml:brushProperty name="color" value="#FFFFFF"/>
-    </inkml:brush>
-  </inkml:definitions>
-  <inkml:trace contextRef="#ctx0" brushRef="#br0">1 0 24575,'0'23'0,"0"34"0,0 39 0,0-23 0,0 4 0,0 6 0,0-17 0,0 3 0,0 7 0,0 8 0,0 1-539,0 5 1,0 2 0,4 0 538,3 6 0,3 0 0,1-1 0,-2-4 0,1 0 0,3-3 0,6-3 0,4-2 0,-2-2 9,-7-13 1,-1-2-1,0 0-9,2 2 0,1 1 0,-3-1 0,2 23 0,-4 0 0,-5-25 0,-2 1 0,1-1 0,4 20 0,-2-1 0,-3 0 0,-1-4 0,2-22 0,0-4 0,-1-3 0,-1-2 0,5 32 1201,-4-10-1201,1 0 386,1-10-386,-3-13 0,1-18 0,-4-15 0,0-13 0,0-3 0,0-12 0,0-9 0,0 6 0,0-30 0,0 6 0,0-17 0,-4-33 0,-2 10 0,2 26 0,-1-1 0,-1-42 0,-2 11 0,-2-6 0,-1 16 0,-2-3 0,4 13 0,5-1 0,0 3 0,4-11 0,0-9 0,0-16 0,0 46 0,0-1 0,2-2 0,0 1 0,4-33 0,7 8 0,4 30 0,15 13 0,27 7 0,18 7 0,-25 9 0,2 0 0,-2 2 0,0-1 0,-1-2 0,-2-1 0,38-15 0,-24-13 0,-5-6 0,-20-8 0,-5 8 0,-11 3 0,-10 21 0,-4 8 0,-7 11 0,-4 3 0,-16 6 0,7 3 0,-31 22 0,-10 9 0,-12 18 0,-2-3 0,-2 3 0,22-17 0,3 0 0,-4 5 0,1 1 0,5-2 0,3 1 0,1 5 0,2 1 0,3 0 0,3-1 0,4-2 0,3-2 0,-12 34 0,14-25 0,7-19 0,7-14 0,1-8 0,3-3 0,5-4 0,0-4 0,26 3 0,20 7 0,-5-1 0,4 3 0,3 2 0,23 8 0,-17-3 0,3 4 0,-8-4 0,-1 1 0,-3 3 0,-2 1 0,29 24 0,-8 8 0,-12 7 0,-1 9 0,-4 4 0,-5-12 0,-4-5 0,-10-19 0,-1 0 0,-4-4 0,1 4 0,0 0 0,-4-4 0,-3-9 0,-7-7 0,-6-12 0,-2-1 0,-5-1 0,2-4 0,-1 2 0</inkml:trace>
-</inkml:ink>
-</file>
-
-<file path=ppt/ink/ink4.xml><?xml version="1.0" encoding="utf-8"?>
-<inkml:ink xmlns:inkml="http://www.w3.org/2003/InkML">
-  <inkml:definitions>
-    <inkml:context xml:id="ctx0">
-      <inkml:inkSource xml:id="inkSrc0">
-        <inkml:traceFormat>
-          <inkml:channel name="X" type="integer" min="-2.14748E9" max="2.14748E9" units="cm"/>
-          <inkml:channel name="Y" type="integer" min="-2.14748E9" max="2.14748E9" units="cm"/>
-          <inkml:channel name="F" type="integer" max="32767" units="dev"/>
-        </inkml:traceFormat>
-        <inkml:channelProperties>
-          <inkml:channelProperty channel="X" name="resolution" value="1000" units="1/cm"/>
-          <inkml:channelProperty channel="Y" name="resolution" value="1000" units="1/cm"/>
-          <inkml:channelProperty channel="F" name="resolution" value="0" units="1/dev"/>
-        </inkml:channelProperties>
-      </inkml:inkSource>
-      <inkml:timestamp xml:id="ts0" timeString="2021-12-09T18:26:04.121"/>
-    </inkml:context>
-    <inkml:brush xml:id="br0">
-      <inkml:brushProperty name="width" value="0.1" units="cm"/>
-      <inkml:brushProperty name="height" value="0.1" units="cm"/>
-      <inkml:brushProperty name="color" value="#FFFFFF"/>
-    </inkml:brush>
-  </inkml:definitions>
-  <inkml:trace contextRef="#ctx0" brushRef="#br0">0 1376 24575,'30'4'0,"25"8"0,1-8 0,-4 7 0,25 1 0,-32-2 0,27 2 0,-8-1 0,-18-6 0,9 0 0,-11-1 0,5-4 0,-2 0 0,-4 0 0,-2 0 0,-4 0 0,-7-6 0,-1-5 0,-5-7 0,3-13 0,3-8 0,0-8 0,4-6 0,-10 5 0,3 4 0,-9 6 0,-1 5 0,-5 1 0,-2 2 0,-6 2 0,-1-3 0,-3 6 0,0-2 0,0 0 0,0 2 0,-8-6 0,-8 7 0,-13-5 0,-11 2 0,-7 1 0,-3-1 0,-7-1 0,-2 3 0,-5-7 0,5 0 0,5 2 0,12 1 0,8 1 0,9 3 0,6-2 0,3 4 0,3-2 0,1 2 0,1-3 0,3 0 0,-1-4 0,1 4 0,2-5 0,2 7 0,3-4 0,1 5 0,0 4 0,0 3 0,0 7 0,1 1 0,5 0 0,3-2 0,5-2 0,5-1 0,-4 0 0,10 0 0,-5 3 0,9-5 0,-4 6 0,2 1 0,-7 4 0,2 4 0,-6 0 0,7 0 0,0 0 0,8 0 0,0 0 0,2 0 0,-8 0 0,-2 0 0,-7 0 0,-2 0 0,-3 0 0,-3 0 0,-6 0 0,-1 0 0</inkml:trace>
-</inkml:ink>
-</file>
-
-<file path=ppt/ink/ink40.xml><?xml version="1.0" encoding="utf-8"?>
-<inkml:ink xmlns:inkml="http://www.w3.org/2003/InkML">
-  <inkml:definitions>
-    <inkml:context xml:id="ctx0">
-      <inkml:inkSource xml:id="inkSrc0">
-        <inkml:traceFormat>
-          <inkml:channel name="X" type="integer" min="-2.14748E9" max="2.14748E9" units="cm"/>
-          <inkml:channel name="Y" type="integer" min="-2.14748E9" max="2.14748E9" units="cm"/>
-          <inkml:channel name="F" type="integer" max="32767" units="dev"/>
-        </inkml:traceFormat>
-        <inkml:channelProperties>
-          <inkml:channelProperty channel="X" name="resolution" value="1000" units="1/cm"/>
-          <inkml:channelProperty channel="Y" name="resolution" value="1000" units="1/cm"/>
-          <inkml:channelProperty channel="F" name="resolution" value="0" units="1/dev"/>
-        </inkml:channelProperties>
-      </inkml:inkSource>
-      <inkml:timestamp xml:id="ts0" timeString="2021-12-09T18:26:17.252"/>
-    </inkml:context>
-    <inkml:brush xml:id="br0">
-      <inkml:brushProperty name="width" value="0.1" units="cm"/>
-      <inkml:brushProperty name="height" value="0.1" units="cm"/>
-      <inkml:brushProperty name="color" value="#FFFFFF"/>
-    </inkml:brush>
-  </inkml:definitions>
-  <inkml:trace contextRef="#ctx0" brushRef="#br0">584 92 24575,'-20'0'0,"-7"0"0,-15 0 0,13 0 0,-24 0 0,14 0 0,-16 0 0,3 0 0,16 0 0,4 0 0,5 10 0,1 10 0,-5 13 0,5 9 0,-3 4 0,6 4 0,3 8 0,10 8 0,3 12 0,7 7 0,9 9 0,11-2 0,16-3 0,13-5 0,11-7 0,0-2 0,8-5 0,-3-5 0,-3-8 0,-1-10 0,-9-11 0,-2-7 0,6-7 0,-6-3 0,20-6 0,-8-5 0,11-6 0,-7-2 0,-6-13 0,4-12 0,-4-16 0,3-7 0,5-7 0,-4-4 0,4-7 0,-9-7 0,-8 0 0,-15-6 0,-7-3 0,-15 3 0,-4 10 0,-9 1 0,-1-1 0,-16 3 0,-3-4 0,-21 15 0,-1 7 0,-9 3 0,1 4 0,-5 2 0,-3 8 0,0 0 0,-11 3 0,-1 3 0,-4 1 0,4 4 0,8 6 0,-1 1 0,8 7 0,-3 2 0,8 4 0,7 0 0,10 0 0,13 0 0,9 0 0,6 0 0</inkml:trace>
-</inkml:ink>
-</file>
-
-<file path=ppt/ink/ink41.xml><?xml version="1.0" encoding="utf-8"?>
-<inkml:ink xmlns:inkml="http://www.w3.org/2003/InkML">
-  <inkml:definitions>
-    <inkml:context xml:id="ctx0">
-      <inkml:inkSource xml:id="inkSrc0">
-        <inkml:traceFormat>
-          <inkml:channel name="X" type="integer" min="-2.14748E9" max="2.14748E9" units="cm"/>
-          <inkml:channel name="Y" type="integer" min="-2.14748E9" max="2.14748E9" units="cm"/>
-          <inkml:channel name="F" type="integer" max="32767" units="dev"/>
-        </inkml:traceFormat>
-        <inkml:channelProperties>
-          <inkml:channelProperty channel="X" name="resolution" value="1000" units="1/cm"/>
-          <inkml:channelProperty channel="Y" name="resolution" value="1000" units="1/cm"/>
-          <inkml:channelProperty channel="F" name="resolution" value="0" units="1/dev"/>
-        </inkml:channelProperties>
-      </inkml:inkSource>
-      <inkml:timestamp xml:id="ts0" timeString="2021-12-09T18:26:19.115"/>
-    </inkml:context>
-    <inkml:brush xml:id="br0">
-      <inkml:brushProperty name="width" value="0.1" units="cm"/>
-      <inkml:brushProperty name="height" value="0.1" units="cm"/>
-      <inkml:brushProperty name="color" value="#FFFFFF"/>
-    </inkml:brush>
-  </inkml:definitions>
-  <inkml:trace contextRef="#ctx0" brushRef="#br0">0 0 24575,'0'42'0,"4"9"0,8 29 0,-3-31 0,11 40 0,-7-13 0,-5-28 0,-2 3 0,0 12 0,-3 0 0,-1-9 0,-1-1 0,-1 5 0,0-1 0,0-6 0,0-1 0,0 38 0,0-15 0,0-3 0,0-7 0,0-5 0,0-11 0,0-9 0,-4-10 0,0-1 0,-2-5 0,1-2 0,-1-3 0,4-5 0,-1-8 0,3-29 0,0-16 0,0 1 0,0-28 0,0 16 0,3-33 0,2-1 0,4 10 0,1 3 0,3 8 0,1 6 0,8 3 0,-1 9 0,6 7 0,3 0 0,9 5 0,3-3 0,6 4 0,2 4 0,-4 4 0,1 6 0,-8 2 0,1 7 0,0 0 0,6 2 0,3 0 0,3 0 0,0 1 0,1 0 0,0-1 0,0 1 0,-5-3 0,1 3 0,-6-3 0,-7 0 0,-4 2 0,-12-5 0,-5-2 0,-4-18 0,-7 17 0,-1-8 0</inkml:trace>
-</inkml:ink>
-</file>
-
-<file path=ppt/ink/ink42.xml><?xml version="1.0" encoding="utf-8"?>
-<inkml:ink xmlns:inkml="http://www.w3.org/2003/InkML">
-  <inkml:definitions>
-    <inkml:context xml:id="ctx0">
-      <inkml:inkSource xml:id="inkSrc0">
-        <inkml:traceFormat>
-          <inkml:channel name="X" type="integer" min="-2.14748E9" max="2.14748E9" units="cm"/>
-          <inkml:channel name="Y" type="integer" min="-2.14748E9" max="2.14748E9" units="cm"/>
-          <inkml:channel name="F" type="integer" max="32767" units="dev"/>
-        </inkml:traceFormat>
-        <inkml:channelProperties>
-          <inkml:channelProperty channel="X" name="resolution" value="1000" units="1/cm"/>
-          <inkml:channelProperty channel="Y" name="resolution" value="1000" units="1/cm"/>
-          <inkml:channelProperty channel="F" name="resolution" value="0" units="1/dev"/>
-        </inkml:channelProperties>
-      </inkml:inkSource>
-      <inkml:timestamp xml:id="ts0" timeString="2021-12-09T18:26:23.175"/>
-    </inkml:context>
-    <inkml:brush xml:id="br0">
-      <inkml:brushProperty name="width" value="0.1" units="cm"/>
-      <inkml:brushProperty name="height" value="0.1" units="cm"/>
-      <inkml:brushProperty name="color" value="#FFFFFF"/>
-    </inkml:brush>
-  </inkml:definitions>
-  <inkml:trace contextRef="#ctx0" brushRef="#br0">12 618 24575,'61'0'0,"11"0"0,19 0 0,-37 0 0,-3 0 0,18 0 0,21 0 0,-30 0 0,11 0 0,3-3 0,-17-10 0,-4-17 0,-7-13 0,-7-10 0,-8-5 0,-6 8 0,-10 1 0,-7 10 0,-8 4 0,-13 6 0,-7-2 0,-19 5 0,0-2 0,-7 6 0,4-3 0,4 8 0,1-3 0,5 4 0,-11 3 0,-4 2 0,-13 7 0,-5 2 0,-4 2 0,6 0 0,7 3 0,8 12 0,9 11 0,-1 18 0,9 8 0,0 9 0,8 7 0,0 5 0,8 3 0,3 1 0,7-4 0,2 1 0,3-7 0,0 2 0,0-5 0,8 1 0,6 0 0,17 1 0,3-5 0,12 5 0,3-3 0,4 4 0,1-4 0,2-2 0,-3-9 0,3-6 0,3-9 0,1-10 0,0-12 0,-10-7 0,31-7 0,-11-1 0,22-1 0,-16-7 0,-21-3 0,-5-10 0,-13-5 0,1-7 0,-1-8 0,-4-3 0,3 2 0,-13 5 0,0 4 0,-6 1 0,0-14 0,-8 24 0,-1-6 0</inkml:trace>
-</inkml:ink>
-</file>
-
-<file path=ppt/ink/ink43.xml><?xml version="1.0" encoding="utf-8"?>
-<inkml:ink xmlns:inkml="http://www.w3.org/2003/InkML">
-  <inkml:definitions>
-    <inkml:context xml:id="ctx0">
-      <inkml:inkSource xml:id="inkSrc0">
-        <inkml:traceFormat>
-          <inkml:channel name="X" type="integer" min="-2.14748E9" max="2.14748E9" units="cm"/>
-          <inkml:channel name="Y" type="integer" min="-2.14748E9" max="2.14748E9" units="cm"/>
-          <inkml:channel name="F" type="integer" max="32767" units="dev"/>
-        </inkml:traceFormat>
-        <inkml:channelProperties>
-          <inkml:channelProperty channel="X" name="resolution" value="1000" units="1/cm"/>
-          <inkml:channelProperty channel="Y" name="resolution" value="1000" units="1/cm"/>
-          <inkml:channelProperty channel="F" name="resolution" value="0" units="1/dev"/>
-        </inkml:channelProperties>
-      </inkml:inkSource>
-      <inkml:timestamp xml:id="ts0" timeString="2021-12-09T18:26:24.865"/>
-    </inkml:context>
-    <inkml:brush xml:id="br0">
-      <inkml:brushProperty name="width" value="0.1" units="cm"/>
-      <inkml:brushProperty name="height" value="0.1" units="cm"/>
-      <inkml:brushProperty name="color" value="#FFFFFF"/>
-    </inkml:brush>
-  </inkml:definitions>
-  <inkml:trace contextRef="#ctx0" brushRef="#br0">1 700 24575,'10'33'0,"11"15"0,21 34 0,-11-25 0,-4-6 0,1 2 0,8 14 0,-8-8 0,0 4 0,-2-7 0,-2 0 0,-4 2 0,-1-1 0,-2-3 0,-2-1 0,8 38 0,-13-13 0,-5-17 0,-5-13-6784,0-18 6784,0-8 0,0-17 0,0-39 0,0-24 0,0 0 0,-2 2 0,-2-3 0,-2-18 0,0 2 0,0-5 0,3 11 0,1 2 3392,-1-7 0,1 1-3392,2 8 0,0 1 0,0 7 0,0 1 0,0 5 0,0 2 0,0-39 0,11 12 0,4 11 0,19 6 0,3 5 0,8 8 0,-2 4 0,1 12 0,10 0 0,8 4 0,17-2 0,0 5 0,2-1 0,-3 5 0,-8-3 0,-4 2 0,-9-5 0,-13 7 0,-7-1 0,-15 7 0,-10 1 0,-6 0 0,-6 6 0,0-1 0</inkml:trace>
-</inkml:ink>
-</file>
-
-<file path=ppt/ink/ink44.xml><?xml version="1.0" encoding="utf-8"?>
-<inkml:ink xmlns:inkml="http://www.w3.org/2003/InkML">
-  <inkml:definitions>
-    <inkml:context xml:id="ctx0">
-      <inkml:inkSource xml:id="inkSrc0">
-        <inkml:traceFormat>
-          <inkml:channel name="X" type="integer" min="-2.14748E9" max="2.14748E9" units="cm"/>
-          <inkml:channel name="Y" type="integer" min="-2.14748E9" max="2.14748E9" units="cm"/>
-          <inkml:channel name="F" type="integer" max="32767" units="dev"/>
-        </inkml:traceFormat>
-        <inkml:channelProperties>
-          <inkml:channelProperty channel="X" name="resolution" value="1000" units="1/cm"/>
-          <inkml:channelProperty channel="Y" name="resolution" value="1000" units="1/cm"/>
-          <inkml:channelProperty channel="F" name="resolution" value="0" units="1/dev"/>
-        </inkml:channelProperties>
-      </inkml:inkSource>
-      <inkml:timestamp xml:id="ts0" timeString="2021-12-09T18:26:25.706"/>
-    </inkml:context>
-    <inkml:brush xml:id="br0">
-      <inkml:brushProperty name="width" value="0.1" units="cm"/>
-      <inkml:brushProperty name="height" value="0.1" units="cm"/>
-      <inkml:brushProperty name="color" value="#FFFFFF"/>
-    </inkml:brush>
-  </inkml:definitions>
-  <inkml:trace contextRef="#ctx0" brushRef="#br0">36 1 24575,'0'52'0,"0"47"-4916,0-20 1,0 2 4170,0-24 0,0 2 1684,0 8 0,0 8 1,0-10-940,0 27 859,0-3 1,0 3-860,0-34 0,0-4 0,0 45 0,0-40 6784,0-28-6784,0-18 0,-3-9 0,0-4 0,-11 0 0,8 0 0,-4 0 0</inkml:trace>
-</inkml:ink>
-</file>
-
-<file path=ppt/ink/ink45.xml><?xml version="1.0" encoding="utf-8"?>
-<inkml:ink xmlns:inkml="http://www.w3.org/2003/InkML">
-  <inkml:definitions>
-    <inkml:context xml:id="ctx0">
-      <inkml:inkSource xml:id="inkSrc0">
-        <inkml:traceFormat>
-          <inkml:channel name="X" type="integer" min="-2.14748E9" max="2.14748E9" units="cm"/>
-          <inkml:channel name="Y" type="integer" min="-2.14748E9" max="2.14748E9" units="cm"/>
-          <inkml:channel name="F" type="integer" max="32767" units="dev"/>
-        </inkml:traceFormat>
-        <inkml:channelProperties>
-          <inkml:channelProperty channel="X" name="resolution" value="1000" units="1/cm"/>
-          <inkml:channelProperty channel="Y" name="resolution" value="1000" units="1/cm"/>
-          <inkml:channelProperty channel="F" name="resolution" value="0" units="1/dev"/>
-        </inkml:channelProperties>
-      </inkml:inkSource>
-      <inkml:timestamp xml:id="ts0" timeString="2021-12-09T18:26:27.231"/>
-    </inkml:context>
-    <inkml:brush xml:id="br0">
-      <inkml:brushProperty name="width" value="0.1" units="cm"/>
-      <inkml:brushProperty name="height" value="0.1" units="cm"/>
-      <inkml:brushProperty name="color" value="#FFFFFF"/>
-    </inkml:brush>
-  </inkml:definitions>
-  <inkml:trace contextRef="#ctx0" brushRef="#br0">206 489 24575,'-13'-3'0,"-4"-5"0,-2-10 0,4 5 0,-8-20 0,3 4 0,-12-20 0,6-3 0,2 4 0,14 2 0,3 8 0,7 3 0,0 2 0,0 5 0,2 3 0,5 10 0,0 5 0,6 6 0,-1 3 0,5 1 0,3 0 0,6 0 0,-2 0 0,0 0 0,3 1 0,0 14 0,16 10 0,3 12 0,6 9 0,-6-8 0,-9 0 0,-12-13 0,-6 2 0,-11-11 0,-1 2 0,-7 2 0,0 1 0,0 6 0,-5 4 0,-3-3 0,-3 2 0,0-9 0,2-4 0,3-8 0,2-5 0,2-4 0</inkml:trace>
-</inkml:ink>
-</file>
-
-<file path=ppt/ink/ink46.xml><?xml version="1.0" encoding="utf-8"?>
-<inkml:ink xmlns:inkml="http://www.w3.org/2003/InkML">
-  <inkml:definitions>
-    <inkml:context xml:id="ctx0">
-      <inkml:inkSource xml:id="inkSrc0">
-        <inkml:traceFormat>
-          <inkml:channel name="X" type="integer" min="-2.14748E9" max="2.14748E9" units="cm"/>
-          <inkml:channel name="Y" type="integer" min="-2.14748E9" max="2.14748E9" units="cm"/>
-          <inkml:channel name="F" type="integer" max="32767" units="dev"/>
-        </inkml:traceFormat>
-        <inkml:channelProperties>
-          <inkml:channelProperty channel="X" name="resolution" value="1000" units="1/cm"/>
-          <inkml:channelProperty channel="Y" name="resolution" value="1000" units="1/cm"/>
-          <inkml:channelProperty channel="F" name="resolution" value="0" units="1/dev"/>
-        </inkml:channelProperties>
-      </inkml:inkSource>
-      <inkml:timestamp xml:id="ts0" timeString="2021-12-09T18:26:29.693"/>
-    </inkml:context>
-    <inkml:brush xml:id="br0">
-      <inkml:brushProperty name="width" value="0.1" units="cm"/>
-      <inkml:brushProperty name="height" value="0.1" units="cm"/>
-      <inkml:brushProperty name="color" value="#FFFFFF"/>
-    </inkml:brush>
-  </inkml:definitions>
-  <inkml:trace contextRef="#ctx0" brushRef="#br0">1 1 24575,'0'34'0,"0"23"0,0 5 0,0 28 0,0-29 0,0 8 0,0-22 0,0 14 0,0 9 0,0 9 0,0 16 0,3 0 0,10-4 0,1-15 0,8-19 0,-8-15 0,-2 0 0,-4 0 0,-3 12 0,-2 5 0,-3 5 0,0-5 0,0-1 0,0-15 0,0-6 0,3-14 0,-2-8 0,2-10 0,-3-6 0,0-20 0,-1 5 0,-4-40 0,-1-2 0,0 3 0,1-3 0,0 3 0,2-1 0,-1-13 0,2 0 0,0 11 0,1 2 0,1-2 0,0 3 0,0-32 0,4 14 0,5 10 0,8 8 0,7-12 0,4 4 0,4-4 0,-3 8 0,4 15 0,-7 8 0,10 14 0,-4 2 0,3 6 0,2-1 0,4-3 0,0 2 0,6-4 0,-14 8 0,2 3 0,-7 3 0,5 1 0,-6 1 0,3 1 0,-11 3 0,6 0 0,-10 2 0,7 11 0,0 11 0,4 12 0,7 17 0,-9-4 0,2 16 0,-8-5 0,-3 6 0,-3 0 0,-7-3 0,-2 3 0,-3 2 0,0 6 0,-7-3 0,1-6 0,-6-5 0,3-7 0,0 0 0,4 5 0,1 6 0,4 1 0,0-11 0,0-15 0,0-16 0,0-11 0,0-5 0,0-5 0</inkml:trace>
-</inkml:ink>
-</file>
-
-<file path=ppt/ink/ink47.xml><?xml version="1.0" encoding="utf-8"?>
-<inkml:ink xmlns:inkml="http://www.w3.org/2003/InkML">
-  <inkml:definitions>
-    <inkml:context xml:id="ctx0">
-      <inkml:inkSource xml:id="inkSrc0">
-        <inkml:traceFormat>
-          <inkml:channel name="X" type="integer" min="-2.14748E9" max="2.14748E9" units="cm"/>
-          <inkml:channel name="Y" type="integer" min="-2.14748E9" max="2.14748E9" units="cm"/>
-          <inkml:channel name="F" type="integer" max="32767" units="dev"/>
-        </inkml:traceFormat>
-        <inkml:channelProperties>
-          <inkml:channelProperty channel="X" name="resolution" value="1000" units="1/cm"/>
-          <inkml:channelProperty channel="Y" name="resolution" value="1000" units="1/cm"/>
-          <inkml:channelProperty channel="F" name="resolution" value="0" units="1/dev"/>
-        </inkml:channelProperties>
-      </inkml:inkSource>
-      <inkml:timestamp xml:id="ts0" timeString="2021-12-09T18:28:59.218"/>
-    </inkml:context>
-    <inkml:brush xml:id="br0">
-      <inkml:brushProperty name="width" value="0.1" units="cm"/>
-      <inkml:brushProperty name="height" value="0.1" units="cm"/>
-      <inkml:brushProperty name="color" value="#FFFFFF"/>
-    </inkml:brush>
-  </inkml:definitions>
-  <inkml:trace contextRef="#ctx0" brushRef="#br0">1 0 24575,'18'0'0,"1"0"0,-2 1 0,-6-1 0,1 3 0,-4-2 0,4 2 0,0-2 0,-1 1 0,-1-1 0,1-1 0,-2 2 0,0-2 0,-1 2 0,0-2 0,-2 3 0,1-3 0,-1 3 0,1-2 0,-2 1 0,0 1 0,-2-1 0,1 0 0,0 0 0,0 0 0,0 1 0,0 0 0,0 0 0,0-1 0,0 1 0,2-1 0,-2 1 0,0 0 0,1 0 0,-1 0 0,2 0 0,-1 0 0,1 1 0,1-1 0,-1 1 0,0-1 0,-1 2 0,1-2 0,-1 1 0,0 0 0,-1-1 0,1 1 0,-1-1 0,0 1 0,0 0 0,0-1 0,0 2 0,0-2 0,-1 1 0,-1-1 0,1 1 0,0-2 0,-1 2 0,1-1 0,-1 1 0,0 0 0,0-1 0,0 1 0,2 0 0,-1 2 0,0-2 0,0 2 0,-1-2 0,-1 0 0,1 2 0,0-3 0,-1 4 0,2-2 0,-3 2 0,2-2 0,-1 1 0,-1-1 0,2 1 0,-1 1 0,0 0 0,1-1 0,-1 1 0,2-1 0,-3 1 0,3 0 0,-3-1 0,3 3 0,-3-1 0,3 1 0,-2-1 0,0 1 0,1-1 0,-2 1 0,2 1 0,-2 0 0,0 0 0,0 1 0,0-2 0,0 1 0,0-1 0,0 1 0,0-1 0,0 2 0,0-1 0,0 1 0,0-3 0,0 1 0,0-3 0,-3-2 0,3-2 0,-2-2 0</inkml:trace>
-</inkml:ink>
-</file>
-
-<file path=ppt/ink/ink48.xml><?xml version="1.0" encoding="utf-8"?>
-<inkml:ink xmlns:inkml="http://www.w3.org/2003/InkML">
-  <inkml:definitions>
-    <inkml:context xml:id="ctx0">
-      <inkml:inkSource xml:id="inkSrc0">
-        <inkml:traceFormat>
-          <inkml:channel name="X" type="integer" min="-2.14748E9" max="2.14748E9" units="cm"/>
-          <inkml:channel name="Y" type="integer" min="-2.14748E9" max="2.14748E9" units="cm"/>
-          <inkml:channel name="F" type="integer" max="32767" units="dev"/>
-        </inkml:traceFormat>
-        <inkml:channelProperties>
-          <inkml:channelProperty channel="X" name="resolution" value="1000" units="1/cm"/>
-          <inkml:channelProperty channel="Y" name="resolution" value="1000" units="1/cm"/>
-          <inkml:channelProperty channel="F" name="resolution" value="0" units="1/dev"/>
-        </inkml:channelProperties>
-      </inkml:inkSource>
-      <inkml:timestamp xml:id="ts0" timeString="2021-12-09T18:29:02.064"/>
-    </inkml:context>
-    <inkml:brush xml:id="br0">
-      <inkml:brushProperty name="width" value="0.1" units="cm"/>
-      <inkml:brushProperty name="height" value="0.1" units="cm"/>
-      <inkml:brushProperty name="color" value="#FFFFFF"/>
-    </inkml:brush>
-  </inkml:definitions>
-  <inkml:trace contextRef="#ctx0" brushRef="#br0">1 128 24575,'13'0'0,"-2"0"0,0 0 0,-5 0 0,5 0 0,-7 0 0,8 0 0,-4 1 0,2 0 0,-1 0 0,0 1 0,0-2 0,0 1 0,-1-1 0,2 1 0,-1 0 0,1 0 0,1 1 0,-2-2 0,1 3 0,-1-3 0,-1 3 0,2-2 0,-3 0 0,2-1 0,-1 0 0,-1 1 0,1 0 0,-1 1 0,1-1 0,1 2 0,1-1 0,-1 0 0,1 1 0,-2-3 0,2 2 0,-1-2 0,1 0 0,-1 0 0,0 0 0,-2 0 0,2 0 0,-3 0 0,1 0 0,-1 0 0,3 0 0,-2 0 0,1 0 0,0 0 0,0 0 0,0 0 0,0 0 0,1 0 0,0 0 0,1 0 0,1 0 0,0 0 0,2 0 0,-2 0 0,1 0 0,-2 0 0,1 0 0,-1 0 0,1 0 0,-3 0 0,1 0 0,-2 0 0,1 0 0,-1-1 0,1-1 0,-2 0 0,1 0 0,-1-1 0,1 0 0,0 1 0,-1-1 0,1 1 0,0-1 0,-1 0 0,1 0 0,-1 0 0,1 0 0,0 1 0,-1 0 0,1-2 0,1 0 0,-1 1 0,1 0 0,1 1 0,-2-2 0,1 1 0,-1 0 0,-1-1 0,1 1 0,-1-1 0,0 1 0,0-1 0,-1 0 0,0 0 0,1-2 0,1-3 0,9-7 0,3-2 0,-4 4 0,-3 4 0</inkml:trace>
-</inkml:ink>
-</file>
-
-<file path=ppt/ink/ink49.xml><?xml version="1.0" encoding="utf-8"?>
-<inkml:ink xmlns:inkml="http://www.w3.org/2003/InkML">
-  <inkml:definitions>
-    <inkml:context xml:id="ctx0">
-      <inkml:inkSource xml:id="inkSrc0">
-        <inkml:traceFormat>
-          <inkml:channel name="X" type="integer" min="-2.14748E9" max="2.14748E9" units="cm"/>
-          <inkml:channel name="Y" type="integer" min="-2.14748E9" max="2.14748E9" units="cm"/>
-          <inkml:channel name="F" type="integer" max="32767" units="dev"/>
-        </inkml:traceFormat>
-        <inkml:channelProperties>
-          <inkml:channelProperty channel="X" name="resolution" value="1000" units="1/cm"/>
-          <inkml:channelProperty channel="Y" name="resolution" value="1000" units="1/cm"/>
-          <inkml:channelProperty channel="F" name="resolution" value="0" units="1/dev"/>
-        </inkml:channelProperties>
-      </inkml:inkSource>
-      <inkml:timestamp xml:id="ts0" timeString="2021-12-09T18:29:17.144"/>
-    </inkml:context>
-    <inkml:brush xml:id="br0">
-      <inkml:brushProperty name="width" value="0.1" units="cm"/>
-      <inkml:brushProperty name="height" value="0.1" units="cm"/>
-      <inkml:brushProperty name="color" value="#FFFFFF"/>
-    </inkml:brush>
-  </inkml:definitions>
-  <inkml:trace contextRef="#ctx0" brushRef="#br0">1 29 24575,'7'-6'0,"1"3"0,-2-2 0,1 3 0,-2 1 0,1-2 0,-2 3 0,3-3 0,-1 2 0,3 0 0,-2-1 0,3 2 0,-3-1 0,3 1 0,-4 0 0,3 0 0,-2 0 0,-1 0 0,1 0 0,0 0 0,-1 0 0,1 0 0,-1 0 0,1 0 0,-1 0 0,-1 0 0,1 2 0,0 0 0,-1 2 0,1-1 0,-1 1 0,0 0 0,1 2 0,0 0 0,-1 0 0,1 1 0,-2-1 0,1 1 0,-2 0 0,0-2 0,-2 1 0,0-2 0,0 2 0,-1-2 0,0 1 0,0-1 0,0 2 0,0 0 0,0 0 0,0 2 0,0 0 0,0 2 0,0 1 0,0 2 0,0 1 0,0 0 0,0 0 0,0-2 0,-2-1 0,1 0 0,-1 0 0,0-2 0,1 1 0,-2-3 0,1 3 0,-1-3 0,0 2 0,0-3 0,1 1 0,-2-1 0,0 2 0,-1 0 0,1-1 0,2 2 0,-1-2 0,0 1 0,0 1 0,0-2 0,0 1 0,1 1 0,-1-2 0,3 1 0,-3 0 0,2 1 0,-2 1 0,3 1 0,-2-1 0,2 0 0,-1 0 0,0 1 0,0 0 0,-1-1 0,2 0 0,-2-1 0,1-1 0,0-1 0,-1-2 0,1-1 0,-1-1 0,2 0 0,-2 0 0,1 1 0,-1 1 0,-3 7 0,-1 1 0,-3 6 0,2-1 0,0-2 0,4-5 0,0 0 0,1-3 0,-1-1 0,2 0 0,-1-1 0,1-1 0,1 1 0,0-2 0,0 1 0,0 0 0,0-1 0,0 2 0,0-1 0,0 0 0,0 1 0,0-1 0,0 2 0,0-1 0,0 0 0,0 0 0,0-2 0,0 2 0,0-3 0,-1 6 0,1-6 0,0 2 0</inkml:trace>
-</inkml:ink>
-</file>
-
-<file path=ppt/ink/ink5.xml><?xml version="1.0" encoding="utf-8"?>
-<inkml:ink xmlns:inkml="http://www.w3.org/2003/InkML">
-  <inkml:definitions>
-    <inkml:context xml:id="ctx0">
-      <inkml:inkSource xml:id="inkSrc0">
-        <inkml:traceFormat>
-          <inkml:channel name="X" type="integer" min="-2.14748E9" max="2.14748E9" units="cm"/>
-          <inkml:channel name="Y" type="integer" min="-2.14748E9" max="2.14748E9" units="cm"/>
-          <inkml:channel name="F" type="integer" max="32767" units="dev"/>
-        </inkml:traceFormat>
-        <inkml:channelProperties>
-          <inkml:channelProperty channel="X" name="resolution" value="1000" units="1/cm"/>
-          <inkml:channelProperty channel="Y" name="resolution" value="1000" units="1/cm"/>
-          <inkml:channelProperty channel="F" name="resolution" value="0" units="1/dev"/>
-        </inkml:channelProperties>
-      </inkml:inkSource>
-      <inkml:timestamp xml:id="ts0" timeString="2021-12-09T18:26:06.810"/>
-    </inkml:context>
-    <inkml:brush xml:id="br0">
-      <inkml:brushProperty name="width" value="0.1" units="cm"/>
-      <inkml:brushProperty name="height" value="0.1" units="cm"/>
-      <inkml:brushProperty name="color" value="#FFFFFF"/>
-    </inkml:brush>
-  </inkml:definitions>
-  <inkml:trace contextRef="#ctx0" brushRef="#br0">1 8 24575,'66'-2'0,"0"0"0,16 0 0,6 1 0,-15 1 0,3 0 0,-1 0-3277,-3 0 0,-2 0 0,-4 0 2532,9 0 0,-4 0 2154,1 0 0,-8 0-1409,-6 0 1719,26 0-1719,-43 0 0,-26 0 0,-8 0 0,-5 0 0</inkml:trace>
-</inkml:ink>
-</file>
-
-<file path=ppt/ink/ink50.xml><?xml version="1.0" encoding="utf-8"?>
-<inkml:ink xmlns:inkml="http://www.w3.org/2003/InkML">
-  <inkml:definitions>
-    <inkml:context xml:id="ctx0">
-      <inkml:inkSource xml:id="inkSrc0">
-        <inkml:traceFormat>
-          <inkml:channel name="X" type="integer" min="-2.14748E9" max="2.14748E9" units="cm"/>
-          <inkml:channel name="Y" type="integer" min="-2.14748E9" max="2.14748E9" units="cm"/>
-          <inkml:channel name="F" type="integer" max="32767" units="dev"/>
-        </inkml:traceFormat>
-        <inkml:channelProperties>
-          <inkml:channelProperty channel="X" name="resolution" value="1000" units="1/cm"/>
-          <inkml:channelProperty channel="Y" name="resolution" value="1000" units="1/cm"/>
-          <inkml:channelProperty channel="F" name="resolution" value="0" units="1/dev"/>
-        </inkml:channelProperties>
-      </inkml:inkSource>
-      <inkml:timestamp xml:id="ts0" timeString="2021-12-09T18:29:18.487"/>
-    </inkml:context>
-    <inkml:brush xml:id="br0">
-      <inkml:brushProperty name="width" value="0.1" units="cm"/>
-      <inkml:brushProperty name="height" value="0.1" units="cm"/>
-      <inkml:brushProperty name="color" value="#FFFFFF"/>
-    </inkml:brush>
-  </inkml:definitions>
-  <inkml:trace contextRef="#ctx0" brushRef="#br0">31 1 24575,'0'20'0,"0"4"0,0 1 0,0-8 0,0 2 0,0-10 0,0 9 0,0-1 0,0 4 0,0 3 0,-2-2 0,2 4 0,-3-6 0,2 0 0,0-3 0,-1-1 0,1-3 0,-2-1 0,1-2 0,0-2 0,-2 0 0,1-1 0,1 0 0,-1-1 0,3-2 0,-2-1 0</inkml:trace>
-</inkml:ink>
-</file>
-
-<file path=ppt/ink/ink51.xml><?xml version="1.0" encoding="utf-8"?>
-<inkml:ink xmlns:inkml="http://www.w3.org/2003/InkML">
-  <inkml:definitions>
-    <inkml:context xml:id="ctx0">
-      <inkml:inkSource xml:id="inkSrc0">
-        <inkml:traceFormat>
-          <inkml:channel name="X" type="integer" min="-2.14748E9" max="2.14748E9" units="cm"/>
-          <inkml:channel name="Y" type="integer" min="-2.14748E9" max="2.14748E9" units="cm"/>
-          <inkml:channel name="F" type="integer" max="32767" units="dev"/>
-        </inkml:traceFormat>
-        <inkml:channelProperties>
-          <inkml:channelProperty channel="X" name="resolution" value="1000" units="1/cm"/>
-          <inkml:channelProperty channel="Y" name="resolution" value="1000" units="1/cm"/>
-          <inkml:channelProperty channel="F" name="resolution" value="0" units="1/dev"/>
-        </inkml:channelProperties>
-      </inkml:inkSource>
-      <inkml:timestamp xml:id="ts0" timeString="2021-12-09T18:29:35.538"/>
-    </inkml:context>
-    <inkml:brush xml:id="br0">
-      <inkml:brushProperty name="width" value="0.1" units="cm"/>
-      <inkml:brushProperty name="height" value="0.1" units="cm"/>
-      <inkml:brushProperty name="color" value="#FFFFFF"/>
-    </inkml:brush>
-  </inkml:definitions>
-  <inkml:trace contextRef="#ctx0" brushRef="#br0">1 1 24575,'0'22'0,"0"0"0,0-2 0,0-8 0,0 5 0,0-7 0,0 6 0,0-1 0,0-3 0,0 3 0,0-4 0,0 1 0,0-1 0,0 0 0,0-1 0,0 1 0,0 0 0,0-1 0,0 1 0,0 1 0,0-1 0,0 1 0,0-1 0,0 0 0,0 2 0,0-1 0,0 2 0,0-1 0,0 1 0,0 1 0,0-1 0,0 1 0,0-2 0,0-1 0,0-1 0,0 0 0,0-1 0,0 2 0,0-1 0,0 1 0,0 1 0,0 3 0,0-1 0,1 4 0,0-2 0,1 2 0,-1-2 0,0-1 0,0-2 0,-1-2 0,1-1 0,0-1 0,0 0 0,1-1 0,-2 2 0,3-1 0,-1 2 0,2-2 0,0 5 0,-2-5 0,2 5 0,-1-1 0,1 0 0,-1 0 0,1 1 0,-1 0 0,0 0 0,0 0 0,-2 0 0,1-1 0,-2-1 0,2 1 0,-1-1 0,1 4 0,2-2 0,-1 1 0,0-1 0,1-1 0,-3-1 0,3 1 0,-2-2 0,2 2 0,-2-3 0,0 3 0,1-3 0,-1 2 0,1-3 0,-1 2 0,0 0 0,1 2 0,-1-2 0,2 2 0,-2-1 0,0 1 0,1-1 0,-1 1 0,0-2 0,1 2 0,-1-3 0,1 0 0,-1-2 0,0 0 0,0 0 0,0 1 0,0-2 0,0 1 0,0 0 0,0 1 0,-1 0 0,-1 0 0,0 1 0,2 0 0,-2 1 0,4 3 0,-4 0 0,3 4 0,-2-3 0,1 2 0,-1-3 0,0-1 0,2-1 0,-3 0 0,3-1 0,-3-1 0,3 0 0,-2-1 0,2 1 0,-1-2 0,1 1 0,-1-1 0,1 3 0,-1 0 0,1 0 0,0 1 0,0 1 0,-1-2 0,1 0 0,-1-1 0,0 0 0,1-2 0,-2-1 0,2 0 0,-1-1 0,-1 2 0,1-3 0,-1 2 0,0 1 0,0 2 0,-1-1 0,0 0 0,0 1 0,0 1 0,0 1 0,0 0 0,0 1 0,0-1 0,0 1 0,0 1 0,0-1 0,0 1 0,0-3 0,0 4 0,0-3 0,0 0 0,0 1 0,0-3 0,0 1 0,1 0 0,0-1 0,2 1 0,-2-1 0,1 0 0,0 1 0,1 2 0,1 1 0,-1 2 0,2 1 0,-1-1 0,1 0 0,-1-3 0,-2 1 0,1-3 0,-1 2 0,0-1 0,1 2 0,-1 0 0,0 0 0,0 1 0,-1-1 0,2 2 0,-2-4 0,1 1 0,-1-1 0,0 1 0,0 1 0,-1 0 0,0-3 0,0 1 0,0-3 0,0 0 0,0 1 0,0 0 0,2 2 0,-1-2 0,1 3 0,1 0 0,-2 0 0,1 1 0,-2 1 0,0-7 0,0-1 0</inkml:trace>
-</inkml:ink>
-</file>
-
-<file path=ppt/ink/ink52.xml><?xml version="1.0" encoding="utf-8"?>
-<inkml:ink xmlns:inkml="http://www.w3.org/2003/InkML">
-  <inkml:definitions>
-    <inkml:context xml:id="ctx0">
-      <inkml:inkSource xml:id="inkSrc0">
-        <inkml:traceFormat>
-          <inkml:channel name="X" type="integer" min="-2.14748E9" max="2.14748E9" units="cm"/>
-          <inkml:channel name="Y" type="integer" min="-2.14748E9" max="2.14748E9" units="cm"/>
-          <inkml:channel name="F" type="integer" max="32767" units="dev"/>
-        </inkml:traceFormat>
-        <inkml:channelProperties>
-          <inkml:channelProperty channel="X" name="resolution" value="1000" units="1/cm"/>
-          <inkml:channelProperty channel="Y" name="resolution" value="1000" units="1/cm"/>
-          <inkml:channelProperty channel="F" name="resolution" value="0" units="1/dev"/>
-        </inkml:channelProperties>
-      </inkml:inkSource>
-      <inkml:timestamp xml:id="ts0" timeString="2021-12-09T18:29:36.584"/>
-    </inkml:context>
-    <inkml:brush xml:id="br0">
-      <inkml:brushProperty name="width" value="0.1" units="cm"/>
-      <inkml:brushProperty name="height" value="0.1" units="cm"/>
-      <inkml:brushProperty name="color" value="#FFFFFF"/>
-    </inkml:brush>
-  </inkml:definitions>
-  <inkml:trace contextRef="#ctx0" brushRef="#br0">85 1 24575,'-2'11'0,"0"2"0,-2-2 0,1-3 0,-4 2 0,3-3 0,-5 5 0,1 0 0,-2 1 0,4-2 0,-1-2 0,3-2 0,1-2 0,-1-2 0,-1 1 0,2-3 0,0 1 0</inkml:trace>
-</inkml:ink>
-</file>
-
-<file path=ppt/ink/ink53.xml><?xml version="1.0" encoding="utf-8"?>
-<inkml:ink xmlns:inkml="http://www.w3.org/2003/InkML">
-  <inkml:definitions>
-    <inkml:context xml:id="ctx0">
-      <inkml:inkSource xml:id="inkSrc0">
-        <inkml:traceFormat>
-          <inkml:channel name="X" type="integer" min="-2.14748E9" max="2.14748E9" units="cm"/>
-          <inkml:channel name="Y" type="integer" min="-2.14748E9" max="2.14748E9" units="cm"/>
-          <inkml:channel name="F" type="integer" max="32767" units="dev"/>
-        </inkml:traceFormat>
-        <inkml:channelProperties>
-          <inkml:channelProperty channel="X" name="resolution" value="1000" units="1/cm"/>
-          <inkml:channelProperty channel="Y" name="resolution" value="1000" units="1/cm"/>
-          <inkml:channelProperty channel="F" name="resolution" value="0" units="1/dev"/>
-        </inkml:channelProperties>
-      </inkml:inkSource>
-      <inkml:timestamp xml:id="ts0" timeString="2021-12-09T18:29:45.271"/>
-    </inkml:context>
-    <inkml:brush xml:id="br0">
-      <inkml:brushProperty name="width" value="0.1" units="cm"/>
-      <inkml:brushProperty name="height" value="0.1" units="cm"/>
-      <inkml:brushProperty name="color" value="#FFFFFF"/>
-    </inkml:brush>
-  </inkml:definitions>
-  <inkml:trace contextRef="#ctx0" brushRef="#br0">1601 1097 24575,'0'-19'0,"0"-2"0,0 1 0,0 5 0,0-12 0,0 9 0,0-15 0,-2 3 0,1 0 0,-3 1 0,0 0 0,-2 0 0,-1-3 0,1-1 0,-2 3 0,1-2 0,-3 8 0,1-1 0,0 3 0,1 1 0,1 3 0,-1 1 0,1 4 0,-1-1 0,-1 1 0,-3-1 0,-2-3 0,1 2 0,0-2 0,4 3 0,-1 1 0,0-1 0,-1-1 0,0 0 0,0-2 0,1 3 0,-1 0 0,1 1 0,-1 1 0,2 1 0,-2-1 0,2 2 0,-2 0 0,2 2 0,-1-2 0,0 1 0,-2-1 0,-2-2 0,1 1 0,-4 0 0,0-1 0,-3-1 0,0-2 0,-1 2 0,2 0 0,-1 1 0,3 3 0,0-1 0,3 3 0,-2 0 0,0 1 0,0 0 0,-4-1 0,1-2 0,-4 1 0,1-2 0,-1 2 0,1 2 0,3 0 0,0 4 0,5-1 0,0 2 0,2 0 0,2 1 0,-1 0 0,1 0 0,1 0 0,-1 0 0,1 0 0,-2 0 0,-3 0 0,1 0 0,-3 0 0,1 0 0,-6 0 0,3 0 0,-6 0 0,3 0 0,-1 0 0,0 0 0,2 0 0,1 1 0,2 1 0,0 0 0,0 1 0,1 0 0,-1 0 0,2 1 0,2 1 0,-1-1 0,2 1 0,-1 0 0,2-2 0,2 1 0,0-1 0,-1 0 0,2 1 0,-3-2 0,4 1 0,-1-1 0,3 2 0,-1-3 0,0 1 0,-1-2 0,1 1 0,-1 0 0,2 0 0,-1-1 0,1 0 0,0 0 0,-1 0 0,0 0 0,1 0 0,0 0 0,1 0 0,-1 0 0,0 0 0,1 0 0,-2 0 0,1 0 0,1 0 0,1 0 0,0 0 0,0 0 0,0 0 0,0 0 0,0 0 0,0 0 0,0-1 0,-1 0 0,1 0 0,1 0 0,-1 0 0,-1 0 0,1 1 0,-1 0 0,2 0 0,0 0 0,-2 0 0,0 0 0,-4 0 0,1 1 0,-2 1 0,1 2 0,-4 1 0,1 1 0,-6 4 0,9-5 0,-1 0 0</inkml:trace>
-</inkml:ink>
-</file>
-
-<file path=ppt/ink/ink54.xml><?xml version="1.0" encoding="utf-8"?>
-<inkml:ink xmlns:inkml="http://www.w3.org/2003/InkML">
-  <inkml:definitions>
-    <inkml:context xml:id="ctx0">
-      <inkml:inkSource xml:id="inkSrc0">
-        <inkml:traceFormat>
-          <inkml:channel name="X" type="integer" min="-2.14748E9" max="2.14748E9" units="cm"/>
-          <inkml:channel name="Y" type="integer" min="-2.14748E9" max="2.14748E9" units="cm"/>
-          <inkml:channel name="F" type="integer" max="32767" units="dev"/>
-        </inkml:traceFormat>
-        <inkml:channelProperties>
-          <inkml:channelProperty channel="X" name="resolution" value="1000" units="1/cm"/>
-          <inkml:channelProperty channel="Y" name="resolution" value="1000" units="1/cm"/>
-          <inkml:channelProperty channel="F" name="resolution" value="0" units="1/dev"/>
-        </inkml:channelProperties>
-      </inkml:inkSource>
-      <inkml:timestamp xml:id="ts0" timeString="2021-12-09T18:29:46.382"/>
-    </inkml:context>
-    <inkml:brush xml:id="br0">
-      <inkml:brushProperty name="width" value="0.1" units="cm"/>
-      <inkml:brushProperty name="height" value="0.1" units="cm"/>
-      <inkml:brushProperty name="color" value="#FFFFFF"/>
-    </inkml:brush>
-  </inkml:definitions>
-  <inkml:trace contextRef="#ctx0" brushRef="#br0">539 0 24575,'-21'0'0,"-9"0"0,-24 0 0,21 0 0,-39 0 0,18 0 0,-37 0 0,0 0 0,37 0 0,16 0 0</inkml:trace>
-</inkml:ink>
-</file>
-
-<file path=ppt/ink/ink55.xml><?xml version="1.0" encoding="utf-8"?>
-<inkml:ink xmlns:inkml="http://www.w3.org/2003/InkML">
-  <inkml:definitions>
-    <inkml:context xml:id="ctx0">
-      <inkml:inkSource xml:id="inkSrc0">
-        <inkml:traceFormat>
-          <inkml:channel name="X" type="integer" min="-2.14748E9" max="2.14748E9" units="cm"/>
-          <inkml:channel name="Y" type="integer" min="-2.14748E9" max="2.14748E9" units="cm"/>
-          <inkml:channel name="F" type="integer" max="32767" units="dev"/>
-        </inkml:traceFormat>
-        <inkml:channelProperties>
-          <inkml:channelProperty channel="X" name="resolution" value="1000" units="1/cm"/>
-          <inkml:channelProperty channel="Y" name="resolution" value="1000" units="1/cm"/>
-          <inkml:channelProperty channel="F" name="resolution" value="0" units="1/dev"/>
-        </inkml:channelProperties>
-      </inkml:inkSource>
-      <inkml:timestamp xml:id="ts0" timeString="2021-12-09T18:29:50.818"/>
-    </inkml:context>
-    <inkml:brush xml:id="br0">
-      <inkml:brushProperty name="width" value="0.1" units="cm"/>
-      <inkml:brushProperty name="height" value="0.1" units="cm"/>
-      <inkml:brushProperty name="color" value="#FFFFFF"/>
-    </inkml:brush>
-  </inkml:definitions>
-  <inkml:trace contextRef="#ctx0" brushRef="#br0">0 1452 24575,'18'-2'0,"2"6"0,6 3 0,1 5 0,-8-3 0,6 3 0,-10-4 0,8 5 0,-4-2 0,-1-2 0,-1-1 0,1-3 0,0-1 0,-1-1 0,-1-2 0,-1-1 0,-1 0 0,2 0 0,1 0 0,2 0 0,2 0 0,0-3 0,2 1 0,1-7 0,3 2 0,4-5 0,1 1 0,3-2 0,-1 2 0,2-2 0,-2 1 0,-2-1 0,-2 0 0,-3 0 0,0 0 0,-6 3 0,-1-1 0,-2 3 0,-1-2 0,2 2 0,-4-1 0,1 1 0,-3 1 0,-1 0 0,-1 2 0,-3 0 0,0 1 0,-1 1 0,1-1 0,-1 0 0,3-2 0,-1 0 0,1-3 0,1 0 0,0-2 0,0-2 0,-1-2 0,1 0 0,-1-2 0,0 1 0,1 1 0,-1-2 0,0 0 0,1 2 0,0-3 0,0 3 0,1-4 0,-1 2 0,1-2 0,-2 1 0,1-2 0,-1 2 0,2-3 0,-1 1 0,0 0 0,-2 2 0,0 1 0,-2 3 0,0 0 0,0 1 0,1-2 0,-1 1 0,-2 0 0,1 1 0,-3 0 0,2-3 0,0-1 0,0-3 0,0 1 0,-1 0 0,0 4 0,-2 1 0,1 1 0,1-1 0,0-3 0,1 0 0,-1 1 0,-2 1 0,1 5 0,-2 1 0,1 2 0,0-2 0,1-1 0,0-1 0,-1 0 0,1 1 0,-2-1 0,2 0 0,-3 0 0,2-1 0,-2-1 0,0-1 0,0 0 0,1 1 0,0 2 0,1-1 0,-1 0 0,0-4 0,0-3 0,-1-1 0,0-1 0,0 2 0,0-5 0,0-2 0,0-8 0,0-1 0,0-2 0,0 3 0,0 7 0,-3 3 0,2 13 0,-1 4 0</inkml:trace>
-</inkml:ink>
-</file>
-
-<file path=ppt/ink/ink6.xml><?xml version="1.0" encoding="utf-8"?>
-<inkml:ink xmlns:inkml="http://www.w3.org/2003/InkML">
-  <inkml:definitions>
-    <inkml:context xml:id="ctx0">
-      <inkml:inkSource xml:id="inkSrc0">
-        <inkml:traceFormat>
-          <inkml:channel name="X" type="integer" min="-2.14748E9" max="2.14748E9" units="cm"/>
-          <inkml:channel name="Y" type="integer" min="-2.14748E9" max="2.14748E9" units="cm"/>
-          <inkml:channel name="F" type="integer" max="32767" units="dev"/>
-        </inkml:traceFormat>
-        <inkml:channelProperties>
-          <inkml:channelProperty channel="X" name="resolution" value="1000" units="1/cm"/>
-          <inkml:channelProperty channel="Y" name="resolution" value="1000" units="1/cm"/>
-          <inkml:channelProperty channel="F" name="resolution" value="0" units="1/dev"/>
-        </inkml:channelProperties>
-      </inkml:inkSource>
-      <inkml:timestamp xml:id="ts0" timeString="2021-12-09T18:27:18.225"/>
-    </inkml:context>
-    <inkml:brush xml:id="br0">
-      <inkml:brushProperty name="width" value="0.1" units="cm"/>
-      <inkml:brushProperty name="height" value="0.1" units="cm"/>
-      <inkml:brushProperty name="color" value="#FFFFFF"/>
-    </inkml:brush>
-  </inkml:definitions>
-  <inkml:trace contextRef="#ctx0" brushRef="#br0">418 1 24575,'0'17'0,"0"-3"0,0 7 0,-5-2 0,3-2 0,-8 7 0,1-10 0,-4 9 0,1-4 0,1-2 0,2-2 0,0-1 0,0-2 0,-1 1 0,1-3 0,0 1 0,0 0 0,0-1 0,-1 1 0,-1 0 0,-1-1 0,-1 0 0,1-3 0,0-3 0,1 2 0,-2-2 0,1 0 0,-3-1 0,1 1 0,0-4 0,-1 2 0,2-2 0,-2 0 0,2 0 0,1 0 0,0 0 0,1 0 0,-2 0 0,3 0 0,-1 0 0,6 0 0,1 0 0</inkml:trace>
-</inkml:ink>
-</file>
-
-<file path=ppt/ink/ink7.xml><?xml version="1.0" encoding="utf-8"?>
-<inkml:ink xmlns:inkml="http://www.w3.org/2003/InkML">
-  <inkml:definitions>
-    <inkml:context xml:id="ctx0">
-      <inkml:inkSource xml:id="inkSrc0">
-        <inkml:traceFormat>
-          <inkml:channel name="X" type="integer" min="-2.14748E9" max="2.14748E9" units="cm"/>
-          <inkml:channel name="Y" type="integer" min="-2.14748E9" max="2.14748E9" units="cm"/>
-          <inkml:channel name="F" type="integer" max="32767" units="dev"/>
-        </inkml:traceFormat>
-        <inkml:channelProperties>
-          <inkml:channelProperty channel="X" name="resolution" value="1000" units="1/cm"/>
-          <inkml:channelProperty channel="Y" name="resolution" value="1000" units="1/cm"/>
-          <inkml:channelProperty channel="F" name="resolution" value="0" units="1/dev"/>
-        </inkml:channelProperties>
-      </inkml:inkSource>
-      <inkml:timestamp xml:id="ts0" timeString="2021-12-09T18:27:26.238"/>
-    </inkml:context>
-    <inkml:brush xml:id="br0">
-      <inkml:brushProperty name="width" value="0.025" units="cm"/>
-      <inkml:brushProperty name="height" value="0.025" units="cm"/>
-      <inkml:brushProperty name="color" value="#FFFFFF"/>
-    </inkml:brush>
-  </inkml:definitions>
-  <inkml:trace contextRef="#ctx0" brushRef="#br0">0 0 24575,'0'0'0</inkml:trace>
-</inkml:ink>
-</file>
-
-<file path=ppt/ink/ink8.xml><?xml version="1.0" encoding="utf-8"?>
-<inkml:ink xmlns:inkml="http://www.w3.org/2003/InkML">
-  <inkml:definitions>
-    <inkml:context xml:id="ctx0">
-      <inkml:inkSource xml:id="inkSrc0">
-        <inkml:traceFormat>
-          <inkml:channel name="X" type="integer" min="-2.14748E9" max="2.14748E9" units="cm"/>
-          <inkml:channel name="Y" type="integer" min="-2.14748E9" max="2.14748E9" units="cm"/>
-          <inkml:channel name="F" type="integer" max="32767" units="dev"/>
-        </inkml:traceFormat>
-        <inkml:channelProperties>
-          <inkml:channelProperty channel="X" name="resolution" value="1000" units="1/cm"/>
-          <inkml:channelProperty channel="Y" name="resolution" value="1000" units="1/cm"/>
-          <inkml:channelProperty channel="F" name="resolution" value="0" units="1/dev"/>
-        </inkml:channelProperties>
-      </inkml:inkSource>
-      <inkml:timestamp xml:id="ts0" timeString="2021-12-09T18:27:37.670"/>
-    </inkml:context>
-    <inkml:brush xml:id="br0">
-      <inkml:brushProperty name="width" value="0.025" units="cm"/>
-      <inkml:brushProperty name="height" value="0.025" units="cm"/>
-      <inkml:brushProperty name="color" value="#FFFFFF"/>
-    </inkml:brush>
-  </inkml:definitions>
-  <inkml:trace contextRef="#ctx0" brushRef="#br0">1 240 24575,'4'0'0,"4"0"0,1 0 0,-3 0 0,8 0 0,-7 0 0,7 0 0,-3 0 0,-1 0 0,0 0 0,-3 1 0,1-1 0,-1 2 0,2-1 0,1 1 0,2 0 0,-3 0 0,-1-1 0,-1 0 0,-1 0 0,1 0 0,-1 0 0,0 0 0,-1-1 0,-1 0 0,0 0 0,0 0 0,0 0 0,0 0 0,1 0 0,2 0 0,-1 0 0,-1 0 0,1 0 0,0 0 0,1 0 0,-1 0 0,3 0 0,-1 0 0,1-1 0,1 0 0,-1 0 0,2-1 0,-1 2 0,1-3 0,-1 2 0,-2-1 0,1 0 0,-3-1 0,1 0 0,0-1 0,-1-1 0,1 0 0,-2 0 0,1-1 0,-1-1 0,1 2 0,0-3 0,0 3 0,0-1 0,0 0 0,0 0 0,0 1 0,-1 1 0,1-3 0,-1 2 0,1-1 0,-3 0 0,1 2 0,-3-2 0,2 1 0,-1-6 0,1-5 0,0-6 0,1-1 0,0 1 0,0 7 0,-2 7 0,-1 4 0</inkml:trace>
-</inkml:ink>
-</file>
-
-<file path=ppt/ink/ink9.xml><?xml version="1.0" encoding="utf-8"?>
-<inkml:ink xmlns:inkml="http://www.w3.org/2003/InkML">
-  <inkml:definitions>
-    <inkml:context xml:id="ctx0">
-      <inkml:inkSource xml:id="inkSrc0">
-        <inkml:traceFormat>
-          <inkml:channel name="X" type="integer" min="-2.14748E9" max="2.14748E9" units="cm"/>
-          <inkml:channel name="Y" type="integer" min="-2.14748E9" max="2.14748E9" units="cm"/>
-          <inkml:channel name="F" type="integer" max="32767" units="dev"/>
-        </inkml:traceFormat>
-        <inkml:channelProperties>
-          <inkml:channelProperty channel="X" name="resolution" value="1000" units="1/cm"/>
-          <inkml:channelProperty channel="Y" name="resolution" value="1000" units="1/cm"/>
-          <inkml:channelProperty channel="F" name="resolution" value="0" units="1/dev"/>
-        </inkml:channelProperties>
-      </inkml:inkSource>
-      <inkml:timestamp xml:id="ts0" timeString="2021-12-09T18:27:41.116"/>
-    </inkml:context>
-    <inkml:brush xml:id="br0">
-      <inkml:brushProperty name="width" value="0.025" units="cm"/>
-      <inkml:brushProperty name="height" value="0.025" units="cm"/>
-      <inkml:brushProperty name="color" value="#FFFFFF"/>
-    </inkml:brush>
-  </inkml:definitions>
-  <inkml:trace contextRef="#ctx0" brushRef="#br0">0 476 24575,'9'-2'0,"5"-6"0,9-4 0,-2-3 0,-5 5 0,1-1 0,-10 6 0,8-2 0,-6 0 0,-2 3 0,0-1 0,1 0 0,-1 1 0,2-2 0,-2 3 0,-1-2 0,1 1 0,-1 1 0,1 0 0,-2 0 0,0 1 0,-2 0 0,2 1 0,-2 0 0,1 0 0,0 0 0,0-1 0,1 1 0,-1-2 0,1 2 0,0-1 0,2-1 0,0 1 0,-1-1 0,0 1 0,0-1 0,0 1 0,-2 0 0,2-1 0,-2 1 0,0 0 0,0 1 0,0-3 0,0 3 0,2-3 0,0 1 0,0 0 0,1-1 0,-1 0 0,1 0 0,0-2 0,-1 0 0,1 1 0,0-1 0,-1 0 0,2 0 0,-1-1 0,3 1 0,-1-1 0,2-1 0,-2 0 0,1 0 0,-3 1 0,1-1 0,-1 2 0,0-3 0,-2 2 0,0-1 0,0 1 0,-1 1 0,0-3 0,0 0 0,1-3 0,0 1 0,1-2 0,0 1 0,-1 0 0,0 0 0,-1 1 0,0 1 0,0 0 0,-1 3 0,-1 0 0,-1 1 0,-1 3 0,0 0 0,-8 18 0,-7 10 0,-12 20 0,-4 6 0,11-18 0,-9 11 0,11-18 0,-10 13 0,12-18 0,6-8 0</inkml:trace>
-</inkml:ink>
-</file>
-
 <file path=ppt/slideLayouts/slideLayout1.xml><?xml version="1.0" encoding="utf-8"?>
 <p:sldLayout xmlns:a="http://schemas.openxmlformats.org/drawingml/2006/main" xmlns:r="http://schemas.openxmlformats.org/officeDocument/2006/relationships" xmlns:p="http://schemas.openxmlformats.org/presentationml/2006/main" type="title" preserve="1">
   <p:cSld name="Rubrikbild">
@@ -1802,7 +262,7 @@
           <a:p>
             <a:fld id="{49230C44-D4C2-DE44-ACBA-02FD44F64227}" type="datetimeFigureOut">
               <a:rPr lang="sv-SE" smtClean="0"/>
-              <a:t>2021-12-09</a:t>
+              <a:t>2022-01-26</a:t>
             </a:fld>
             <a:endParaRPr lang="sv-SE"/>
           </a:p>
@@ -2000,7 +460,7 @@
           <a:p>
             <a:fld id="{49230C44-D4C2-DE44-ACBA-02FD44F64227}" type="datetimeFigureOut">
               <a:rPr lang="sv-SE" smtClean="0"/>
-              <a:t>2021-12-09</a:t>
+              <a:t>2022-01-26</a:t>
             </a:fld>
             <a:endParaRPr lang="sv-SE"/>
           </a:p>
@@ -2208,7 +668,7 @@
           <a:p>
             <a:fld id="{49230C44-D4C2-DE44-ACBA-02FD44F64227}" type="datetimeFigureOut">
               <a:rPr lang="sv-SE" smtClean="0"/>
-              <a:t>2021-12-09</a:t>
+              <a:t>2022-01-26</a:t>
             </a:fld>
             <a:endParaRPr lang="sv-SE"/>
           </a:p>
@@ -2406,7 +866,7 @@
           <a:p>
             <a:fld id="{49230C44-D4C2-DE44-ACBA-02FD44F64227}" type="datetimeFigureOut">
               <a:rPr lang="sv-SE" smtClean="0"/>
-              <a:t>2021-12-09</a:t>
+              <a:t>2022-01-26</a:t>
             </a:fld>
             <a:endParaRPr lang="sv-SE"/>
           </a:p>
@@ -2681,7 +1141,7 @@
           <a:p>
             <a:fld id="{49230C44-D4C2-DE44-ACBA-02FD44F64227}" type="datetimeFigureOut">
               <a:rPr lang="sv-SE" smtClean="0"/>
-              <a:t>2021-12-09</a:t>
+              <a:t>2022-01-26</a:t>
             </a:fld>
             <a:endParaRPr lang="sv-SE"/>
           </a:p>
@@ -2946,7 +1406,7 @@
           <a:p>
             <a:fld id="{49230C44-D4C2-DE44-ACBA-02FD44F64227}" type="datetimeFigureOut">
               <a:rPr lang="sv-SE" smtClean="0"/>
-              <a:t>2021-12-09</a:t>
+              <a:t>2022-01-26</a:t>
             </a:fld>
             <a:endParaRPr lang="sv-SE"/>
           </a:p>
@@ -3358,7 +1818,7 @@
           <a:p>
             <a:fld id="{49230C44-D4C2-DE44-ACBA-02FD44F64227}" type="datetimeFigureOut">
               <a:rPr lang="sv-SE" smtClean="0"/>
-              <a:t>2021-12-09</a:t>
+              <a:t>2022-01-26</a:t>
             </a:fld>
             <a:endParaRPr lang="sv-SE"/>
           </a:p>
@@ -3499,7 +1959,7 @@
           <a:p>
             <a:fld id="{49230C44-D4C2-DE44-ACBA-02FD44F64227}" type="datetimeFigureOut">
               <a:rPr lang="sv-SE" smtClean="0"/>
-              <a:t>2021-12-09</a:t>
+              <a:t>2022-01-26</a:t>
             </a:fld>
             <a:endParaRPr lang="sv-SE"/>
           </a:p>
@@ -3612,7 +2072,7 @@
           <a:p>
             <a:fld id="{49230C44-D4C2-DE44-ACBA-02FD44F64227}" type="datetimeFigureOut">
               <a:rPr lang="sv-SE" smtClean="0"/>
-              <a:t>2021-12-09</a:t>
+              <a:t>2022-01-26</a:t>
             </a:fld>
             <a:endParaRPr lang="sv-SE"/>
           </a:p>
@@ -3923,7 +2383,7 @@
           <a:p>
             <a:fld id="{49230C44-D4C2-DE44-ACBA-02FD44F64227}" type="datetimeFigureOut">
               <a:rPr lang="sv-SE" smtClean="0"/>
-              <a:t>2021-12-09</a:t>
+              <a:t>2022-01-26</a:t>
             </a:fld>
             <a:endParaRPr lang="sv-SE"/>
           </a:p>
@@ -4211,7 +2671,7 @@
           <a:p>
             <a:fld id="{49230C44-D4C2-DE44-ACBA-02FD44F64227}" type="datetimeFigureOut">
               <a:rPr lang="sv-SE" smtClean="0"/>
-              <a:t>2021-12-09</a:t>
+              <a:t>2022-01-26</a:t>
             </a:fld>
             <a:endParaRPr lang="sv-SE"/>
           </a:p>
@@ -4452,7 +2912,7 @@
           <a:p>
             <a:fld id="{49230C44-D4C2-DE44-ACBA-02FD44F64227}" type="datetimeFigureOut">
               <a:rPr lang="sv-SE" smtClean="0"/>
-              <a:t>2021-12-09</a:t>
+              <a:t>2022-01-26</a:t>
             </a:fld>
             <a:endParaRPr lang="sv-SE"/>
           </a:p>
@@ -4938,6 +3398,14 @@
 <file path=ppt/slides/slide2.xml><?xml version="1.0" encoding="utf-8"?>
 <p:sld xmlns:a="http://schemas.openxmlformats.org/drawingml/2006/main" xmlns:r="http://schemas.openxmlformats.org/officeDocument/2006/relationships" xmlns:p="http://schemas.openxmlformats.org/presentationml/2006/main">
   <p:cSld>
+    <p:bg>
+      <p:bgPr>
+        <a:solidFill>
+          <a:srgbClr val="212021"/>
+        </a:solidFill>
+        <a:effectLst/>
+      </p:bgPr>
+    </p:bg>
     <p:spTree>
       <p:nvGrpSpPr>
         <p:cNvPr id="1" name=""/>
@@ -4954,2888 +3422,269 @@
       </p:grpSpPr>
       <p:sp>
         <p:nvSpPr>
-          <p:cNvPr id="2" name="Rektangel 1">
+          <p:cNvPr id="2" name="Rubrik 1">
             <a:extLst>
               <a:ext uri="{FF2B5EF4-FFF2-40B4-BE49-F238E27FC236}">
-                <a16:creationId xmlns:a16="http://schemas.microsoft.com/office/drawing/2014/main" id="{27037A71-45B1-704B-B196-63850BCE5A19}"/>
+                <a16:creationId xmlns:a16="http://schemas.microsoft.com/office/drawing/2014/main" id="{4DBA04BA-F793-1147-93FC-1DE8BD8B4E11}"/>
               </a:ext>
             </a:extLst>
           </p:cNvPr>
-          <p:cNvSpPr/>
+          <p:cNvSpPr>
+            <a:spLocks noGrp="1"/>
+          </p:cNvSpPr>
+          <p:nvPr>
+            <p:ph type="title"/>
+          </p:nvPr>
+        </p:nvSpPr>
+        <p:spPr/>
+        <p:txBody>
+          <a:bodyPr/>
+          <a:lstStyle/>
+          <a:p>
+            <a:r>
+              <a:rPr lang="sv-SE" dirty="0">
+                <a:solidFill>
+                  <a:srgbClr val="F8A29F"/>
+                </a:solidFill>
+              </a:rPr>
+              <a:t>JAO</a:t>
+            </a:r>
+          </a:p>
+        </p:txBody>
+      </p:sp>
+      <p:pic>
+        <p:nvPicPr>
+          <p:cNvPr id="1026" name="Picture 2">
+            <a:extLst>
+              <a:ext uri="{FF2B5EF4-FFF2-40B4-BE49-F238E27FC236}">
+                <a16:creationId xmlns:a16="http://schemas.microsoft.com/office/drawing/2014/main" id="{64A5563E-EEBE-F744-9FA1-B1206B23E62C}"/>
+              </a:ext>
+            </a:extLst>
+          </p:cNvPr>
+          <p:cNvPicPr>
+            <a:picLocks noChangeAspect="1" noChangeArrowheads="1"/>
+          </p:cNvPicPr>
+          <p:nvPr/>
+        </p:nvPicPr>
+        <p:blipFill>
+          <a:blip r:embed="rId2">
+            <a:extLst>
+              <a:ext uri="{28A0092B-C50C-407E-A947-70E740481C1C}">
+                <a14:useLocalDpi xmlns:a14="http://schemas.microsoft.com/office/drawing/2010/main" val="0"/>
+              </a:ext>
+            </a:extLst>
+          </a:blip>
+          <a:srcRect/>
+          <a:stretch>
+            <a:fillRect/>
+          </a:stretch>
+        </p:blipFill>
+        <p:spPr bwMode="auto">
+          <a:xfrm>
+            <a:off x="3366044" y="3063421"/>
+            <a:ext cx="1384300" cy="1384300"/>
+          </a:xfrm>
+          <a:prstGeom prst="rect">
+            <a:avLst/>
+          </a:prstGeom>
+          <a:noFill/>
+          <a:extLst>
+            <a:ext uri="{909E8E84-426E-40DD-AFC4-6F175D3DCCD1}">
+              <a14:hiddenFill xmlns:a14="http://schemas.microsoft.com/office/drawing/2010/main">
+                <a:solidFill>
+                  <a:srgbClr val="FFFFFF"/>
+                </a:solidFill>
+              </a14:hiddenFill>
+            </a:ext>
+          </a:extLst>
+        </p:spPr>
+      </p:pic>
+      <p:sp>
+        <p:nvSpPr>
+          <p:cNvPr id="5" name="Rubrik 1">
+            <a:extLst>
+              <a:ext uri="{FF2B5EF4-FFF2-40B4-BE49-F238E27FC236}">
+                <a16:creationId xmlns:a16="http://schemas.microsoft.com/office/drawing/2014/main" id="{EB83DFF0-EB85-C749-8049-5278AD31200F}"/>
+              </a:ext>
+            </a:extLst>
+          </p:cNvPr>
+          <p:cNvSpPr txBox="1">
+            <a:spLocks/>
+          </p:cNvSpPr>
           <p:nvPr/>
         </p:nvSpPr>
         <p:spPr>
           <a:xfrm>
-            <a:off x="680224" y="245327"/>
-            <a:ext cx="9958039" cy="5977053"/>
+            <a:off x="838200" y="2103437"/>
+            <a:ext cx="10515600" cy="1325563"/>
           </a:xfrm>
           <a:prstGeom prst="rect">
             <a:avLst/>
           </a:prstGeom>
-          <a:solidFill>
-            <a:srgbClr val="843C0C">
-              <a:alpha val="81176"/>
-            </a:srgbClr>
-          </a:solidFill>
-          <a:ln>
-            <a:noFill/>
-          </a:ln>
         </p:spPr>
-        <p:style>
-          <a:lnRef idx="2">
-            <a:schemeClr val="accent1">
-              <a:shade val="50000"/>
-            </a:schemeClr>
-          </a:lnRef>
-          <a:fillRef idx="1">
-            <a:schemeClr val="accent1"/>
-          </a:fillRef>
-          <a:effectRef idx="0">
-            <a:schemeClr val="accent1"/>
-          </a:effectRef>
-          <a:fontRef idx="minor">
-            <a:schemeClr val="lt1"/>
-          </a:fontRef>
-        </p:style>
         <p:txBody>
-          <a:bodyPr rtlCol="0" anchor="ctr"/>
-          <a:lstStyle/>
-          <a:p>
-            <a:pPr algn="ctr"/>
-            <a:endParaRPr lang="sv-SE"/>
+          <a:bodyPr vert="horz" lIns="91440" tIns="45720" rIns="91440" bIns="45720" rtlCol="0" anchor="ctr">
+            <a:normAutofit/>
+          </a:bodyPr>
+          <a:lstStyle>
+            <a:lvl1pPr algn="l" defTabSz="914400" rtl="0" eaLnBrk="1" latinLnBrk="0" hangingPunct="1">
+              <a:lnSpc>
+                <a:spcPct val="90000"/>
+              </a:lnSpc>
+              <a:spcBef>
+                <a:spcPct val="0"/>
+              </a:spcBef>
+              <a:buNone/>
+              <a:defRPr sz="4400" kern="1200">
+                <a:solidFill>
+                  <a:schemeClr val="tx1"/>
+                </a:solidFill>
+                <a:latin typeface="+mj-lt"/>
+                <a:ea typeface="+mj-ea"/>
+                <a:cs typeface="+mj-cs"/>
+              </a:defRPr>
+            </a:lvl1pPr>
+          </a:lstStyle>
+          <a:p>
+            <a:r>
+              <a:rPr lang="sv-SE" dirty="0">
+                <a:solidFill>
+                  <a:srgbClr val="FBBB78"/>
+                </a:solidFill>
+              </a:rPr>
+              <a:t>FIL_LAN</a:t>
+            </a:r>
           </a:p>
         </p:txBody>
       </p:sp>
-      <mc:AlternateContent xmlns:mc="http://schemas.openxmlformats.org/markup-compatibility/2006">
-        <mc:Choice xmlns:p14="http://schemas.microsoft.com/office/powerpoint/2010/main" Requires="p14">
-          <p:contentPart p14:bwMode="auto" r:id="rId2">
-            <p14:nvContentPartPr>
-              <p14:cNvPr id="3" name="Pennanteckning 2">
-                <a:extLst>
-                  <a:ext uri="{FF2B5EF4-FFF2-40B4-BE49-F238E27FC236}">
-                    <a16:creationId xmlns:a16="http://schemas.microsoft.com/office/drawing/2014/main" id="{A42EE801-C2CC-1A46-B23E-1C5CF3C63F41}"/>
-                  </a:ext>
-                </a:extLst>
-              </p14:cNvPr>
-              <p14:cNvContentPartPr/>
-              <p14:nvPr/>
-            </p14:nvContentPartPr>
-            <p14:xfrm>
-              <a:off x="3418606" y="2097222"/>
-              <a:ext cx="360" cy="61200"/>
-            </p14:xfrm>
-          </p:contentPart>
-        </mc:Choice>
-        <mc:Fallback>
-          <p:pic>
-            <p:nvPicPr>
-              <p:cNvPr id="3" name="Pennanteckning 2">
-                <a:extLst>
-                  <a:ext uri="{FF2B5EF4-FFF2-40B4-BE49-F238E27FC236}">
-                    <a16:creationId xmlns:a16="http://schemas.microsoft.com/office/drawing/2014/main" id="{A42EE801-C2CC-1A46-B23E-1C5CF3C63F41}"/>
-                  </a:ext>
-                </a:extLst>
-              </p:cNvPr>
-              <p:cNvPicPr/>
-              <p:nvPr/>
-            </p:nvPicPr>
-            <p:blipFill>
-              <a:blip r:embed="rId3"/>
-              <a:stretch>
-                <a:fillRect/>
-              </a:stretch>
-            </p:blipFill>
-            <p:spPr>
-              <a:xfrm>
-                <a:off x="3400966" y="2079222"/>
-                <a:ext cx="36000" cy="96840"/>
-              </a:xfrm>
-              <a:prstGeom prst="rect">
-                <a:avLst/>
-              </a:prstGeom>
-            </p:spPr>
-          </p:pic>
-        </mc:Fallback>
-      </mc:AlternateContent>
-      <mc:AlternateContent xmlns:mc="http://schemas.openxmlformats.org/markup-compatibility/2006">
-        <mc:Choice xmlns:p14="http://schemas.microsoft.com/office/powerpoint/2010/main" Requires="p14">
-          <p:contentPart p14:bwMode="auto" r:id="rId4">
-            <p14:nvContentPartPr>
-              <p14:cNvPr id="4" name="Pennanteckning 3">
-                <a:extLst>
-                  <a:ext uri="{FF2B5EF4-FFF2-40B4-BE49-F238E27FC236}">
-                    <a16:creationId xmlns:a16="http://schemas.microsoft.com/office/drawing/2014/main" id="{8140A809-AE55-4D4E-B617-EC1D68EC4750}"/>
-                  </a:ext>
-                </a:extLst>
-              </p14:cNvPr>
-              <p14:cNvContentPartPr/>
-              <p14:nvPr/>
-            </p14:nvContentPartPr>
-            <p14:xfrm>
-              <a:off x="2081926" y="805902"/>
-              <a:ext cx="186120" cy="1349280"/>
-            </p14:xfrm>
-          </p:contentPart>
-        </mc:Choice>
-        <mc:Fallback>
-          <p:pic>
-            <p:nvPicPr>
-              <p:cNvPr id="4" name="Pennanteckning 3">
-                <a:extLst>
-                  <a:ext uri="{FF2B5EF4-FFF2-40B4-BE49-F238E27FC236}">
-                    <a16:creationId xmlns:a16="http://schemas.microsoft.com/office/drawing/2014/main" id="{8140A809-AE55-4D4E-B617-EC1D68EC4750}"/>
-                  </a:ext>
-                </a:extLst>
-              </p:cNvPr>
-              <p:cNvPicPr/>
-              <p:nvPr/>
-            </p:nvPicPr>
-            <p:blipFill>
-              <a:blip r:embed="rId5"/>
-              <a:stretch>
-                <a:fillRect/>
-              </a:stretch>
-            </p:blipFill>
-            <p:spPr>
-              <a:xfrm>
-                <a:off x="2063926" y="787902"/>
-                <a:ext cx="221760" cy="1384920"/>
-              </a:xfrm>
-              <a:prstGeom prst="rect">
-                <a:avLst/>
-              </a:prstGeom>
-            </p:spPr>
-          </p:pic>
-        </mc:Fallback>
-      </mc:AlternateContent>
-      <mc:AlternateContent xmlns:mc="http://schemas.openxmlformats.org/markup-compatibility/2006">
-        <mc:Choice xmlns:p14="http://schemas.microsoft.com/office/powerpoint/2010/main" Requires="p14">
-          <p:contentPart p14:bwMode="auto" r:id="rId6">
-            <p14:nvContentPartPr>
-              <p14:cNvPr id="5" name="Pennanteckning 4">
-                <a:extLst>
-                  <a:ext uri="{FF2B5EF4-FFF2-40B4-BE49-F238E27FC236}">
-                    <a16:creationId xmlns:a16="http://schemas.microsoft.com/office/drawing/2014/main" id="{3CCBB02B-FFF4-0E40-85D5-417E9DD5F322}"/>
-                  </a:ext>
-                </a:extLst>
-              </p14:cNvPr>
-              <p14:cNvContentPartPr/>
-              <p14:nvPr/>
-            </p14:nvContentPartPr>
-            <p14:xfrm>
-              <a:off x="2108926" y="814182"/>
-              <a:ext cx="662040" cy="686160"/>
-            </p14:xfrm>
-          </p:contentPart>
-        </mc:Choice>
-        <mc:Fallback>
-          <p:pic>
-            <p:nvPicPr>
-              <p:cNvPr id="5" name="Pennanteckning 4">
-                <a:extLst>
-                  <a:ext uri="{FF2B5EF4-FFF2-40B4-BE49-F238E27FC236}">
-                    <a16:creationId xmlns:a16="http://schemas.microsoft.com/office/drawing/2014/main" id="{3CCBB02B-FFF4-0E40-85D5-417E9DD5F322}"/>
-                  </a:ext>
-                </a:extLst>
-              </p:cNvPr>
-              <p:cNvPicPr/>
-              <p:nvPr/>
-            </p:nvPicPr>
-            <p:blipFill>
-              <a:blip r:embed="rId7"/>
-              <a:stretch>
-                <a:fillRect/>
-              </a:stretch>
-            </p:blipFill>
-            <p:spPr>
-              <a:xfrm>
-                <a:off x="2091286" y="796542"/>
-                <a:ext cx="697680" cy="721800"/>
-              </a:xfrm>
-              <a:prstGeom prst="rect">
-                <a:avLst/>
-              </a:prstGeom>
-            </p:spPr>
-          </p:pic>
-        </mc:Fallback>
-      </mc:AlternateContent>
-      <mc:AlternateContent xmlns:mc="http://schemas.openxmlformats.org/markup-compatibility/2006">
-        <mc:Choice xmlns:p14="http://schemas.microsoft.com/office/powerpoint/2010/main" Requires="p14">
-          <p:contentPart p14:bwMode="auto" r:id="rId8">
-            <p14:nvContentPartPr>
-              <p14:cNvPr id="34" name="Pennanteckning 33">
-                <a:extLst>
-                  <a:ext uri="{FF2B5EF4-FFF2-40B4-BE49-F238E27FC236}">
-                    <a16:creationId xmlns:a16="http://schemas.microsoft.com/office/drawing/2014/main" id="{6C80B8C1-B4D5-5D4E-8E6C-061D019488ED}"/>
-                  </a:ext>
-                </a:extLst>
-              </p14:cNvPr>
-              <p14:cNvContentPartPr/>
-              <p14:nvPr/>
-            </p14:nvContentPartPr>
-            <p14:xfrm>
-              <a:off x="8776846" y="1677102"/>
-              <a:ext cx="407880" cy="527760"/>
-            </p14:xfrm>
-          </p:contentPart>
-        </mc:Choice>
-        <mc:Fallback>
-          <p:pic>
-            <p:nvPicPr>
-              <p:cNvPr id="34" name="Pennanteckning 33">
-                <a:extLst>
-                  <a:ext uri="{FF2B5EF4-FFF2-40B4-BE49-F238E27FC236}">
-                    <a16:creationId xmlns:a16="http://schemas.microsoft.com/office/drawing/2014/main" id="{6C80B8C1-B4D5-5D4E-8E6C-061D019488ED}"/>
-                  </a:ext>
-                </a:extLst>
-              </p:cNvPr>
-              <p:cNvPicPr/>
-              <p:nvPr/>
-            </p:nvPicPr>
-            <p:blipFill>
-              <a:blip r:embed="rId9"/>
-              <a:stretch>
-                <a:fillRect/>
-              </a:stretch>
-            </p:blipFill>
-            <p:spPr>
-              <a:xfrm>
-                <a:off x="8758846" y="1659462"/>
-                <a:ext cx="443520" cy="563400"/>
-              </a:xfrm>
-              <a:prstGeom prst="rect">
-                <a:avLst/>
-              </a:prstGeom>
-            </p:spPr>
-          </p:pic>
-        </mc:Fallback>
-      </mc:AlternateContent>
-      <mc:AlternateContent xmlns:mc="http://schemas.openxmlformats.org/markup-compatibility/2006">
-        <mc:Choice xmlns:p14="http://schemas.microsoft.com/office/powerpoint/2010/main" Requires="p14">
-          <p:contentPart p14:bwMode="auto" r:id="rId10">
-            <p14:nvContentPartPr>
-              <p14:cNvPr id="36" name="Pennanteckning 35">
-                <a:extLst>
-                  <a:ext uri="{FF2B5EF4-FFF2-40B4-BE49-F238E27FC236}">
-                    <a16:creationId xmlns:a16="http://schemas.microsoft.com/office/drawing/2014/main" id="{3A1B9095-F821-C942-9368-03FD609F224A}"/>
-                  </a:ext>
-                </a:extLst>
-              </p14:cNvPr>
-              <p14:cNvContentPartPr/>
-              <p14:nvPr/>
-            </p14:nvContentPartPr>
-            <p14:xfrm>
-              <a:off x="9586486" y="1988502"/>
-              <a:ext cx="440640" cy="2880"/>
-            </p14:xfrm>
-          </p:contentPart>
-        </mc:Choice>
-        <mc:Fallback>
-          <p:pic>
-            <p:nvPicPr>
-              <p:cNvPr id="36" name="Pennanteckning 35">
-                <a:extLst>
-                  <a:ext uri="{FF2B5EF4-FFF2-40B4-BE49-F238E27FC236}">
-                    <a16:creationId xmlns:a16="http://schemas.microsoft.com/office/drawing/2014/main" id="{3A1B9095-F821-C942-9368-03FD609F224A}"/>
-                  </a:ext>
-                </a:extLst>
-              </p:cNvPr>
-              <p:cNvPicPr/>
-              <p:nvPr/>
-            </p:nvPicPr>
-            <p:blipFill>
-              <a:blip r:embed="rId11"/>
-              <a:stretch>
-                <a:fillRect/>
-              </a:stretch>
-            </p:blipFill>
-            <p:spPr>
-              <a:xfrm>
-                <a:off x="9568846" y="1970862"/>
-                <a:ext cx="476280" cy="38520"/>
-              </a:xfrm>
-              <a:prstGeom prst="rect">
-                <a:avLst/>
-              </a:prstGeom>
-            </p:spPr>
-          </p:pic>
-        </mc:Fallback>
-      </mc:AlternateContent>
-      <mc:AlternateContent xmlns:mc="http://schemas.openxmlformats.org/markup-compatibility/2006">
-        <mc:Choice xmlns:p14="http://schemas.microsoft.com/office/powerpoint/2010/main" Requires="p14">
-          <p:contentPart p14:bwMode="auto" r:id="rId12">
-            <p14:nvContentPartPr>
-              <p14:cNvPr id="51" name="Pennanteckning 50">
-                <a:extLst>
-                  <a:ext uri="{FF2B5EF4-FFF2-40B4-BE49-F238E27FC236}">
-                    <a16:creationId xmlns:a16="http://schemas.microsoft.com/office/drawing/2014/main" id="{8657B209-B424-3240-8E08-0CF58E6AE447}"/>
-                  </a:ext>
-                </a:extLst>
-              </p14:cNvPr>
-              <p14:cNvContentPartPr/>
-              <p14:nvPr/>
-            </p14:nvContentPartPr>
-            <p14:xfrm>
-              <a:off x="2127915" y="2122624"/>
-              <a:ext cx="150840" cy="128880"/>
-            </p14:xfrm>
-          </p:contentPart>
-        </mc:Choice>
-        <mc:Fallback>
-          <p:pic>
-            <p:nvPicPr>
-              <p:cNvPr id="51" name="Pennanteckning 50">
-                <a:extLst>
-                  <a:ext uri="{FF2B5EF4-FFF2-40B4-BE49-F238E27FC236}">
-                    <a16:creationId xmlns:a16="http://schemas.microsoft.com/office/drawing/2014/main" id="{8657B209-B424-3240-8E08-0CF58E6AE447}"/>
-                  </a:ext>
-                </a:extLst>
-              </p:cNvPr>
-              <p:cNvPicPr/>
-              <p:nvPr/>
-            </p:nvPicPr>
-            <p:blipFill>
-              <a:blip r:embed="rId13"/>
-              <a:stretch>
-                <a:fillRect/>
-              </a:stretch>
-            </p:blipFill>
-            <p:spPr>
-              <a:xfrm>
-                <a:off x="2109915" y="2104984"/>
-                <a:ext cx="186480" cy="164520"/>
-              </a:xfrm>
-              <a:prstGeom prst="rect">
-                <a:avLst/>
-              </a:prstGeom>
-            </p:spPr>
-          </p:pic>
-        </mc:Fallback>
-      </mc:AlternateContent>
-      <mc:AlternateContent xmlns:mc="http://schemas.openxmlformats.org/markup-compatibility/2006">
-        <mc:Choice xmlns:p14="http://schemas.microsoft.com/office/powerpoint/2010/main" Requires="p14">
-          <p:contentPart p14:bwMode="auto" r:id="rId14">
-            <p14:nvContentPartPr>
-              <p14:cNvPr id="52" name="Pennanteckning 51">
-                <a:extLst>
-                  <a:ext uri="{FF2B5EF4-FFF2-40B4-BE49-F238E27FC236}">
-                    <a16:creationId xmlns:a16="http://schemas.microsoft.com/office/drawing/2014/main" id="{CAC58896-A82E-5447-8052-04EFA9BAC9E3}"/>
-                  </a:ext>
-                </a:extLst>
-              </p14:cNvPr>
-              <p14:cNvContentPartPr/>
-              <p14:nvPr/>
-            </p14:nvContentPartPr>
-            <p14:xfrm>
-              <a:off x="2194515" y="2292544"/>
-              <a:ext cx="360" cy="360"/>
-            </p14:xfrm>
-          </p:contentPart>
-        </mc:Choice>
-        <mc:Fallback>
-          <p:pic>
-            <p:nvPicPr>
-              <p:cNvPr id="52" name="Pennanteckning 51">
-                <a:extLst>
-                  <a:ext uri="{FF2B5EF4-FFF2-40B4-BE49-F238E27FC236}">
-                    <a16:creationId xmlns:a16="http://schemas.microsoft.com/office/drawing/2014/main" id="{CAC58896-A82E-5447-8052-04EFA9BAC9E3}"/>
-                  </a:ext>
-                </a:extLst>
-              </p:cNvPr>
-              <p:cNvPicPr/>
-              <p:nvPr/>
-            </p:nvPicPr>
-            <p:blipFill>
-              <a:blip r:embed="rId15"/>
-              <a:stretch>
-                <a:fillRect/>
-              </a:stretch>
-            </p:blipFill>
-            <p:spPr>
-              <a:xfrm>
-                <a:off x="2190195" y="2288224"/>
-                <a:ext cx="9000" cy="9000"/>
-              </a:xfrm>
-              <a:prstGeom prst="rect">
-                <a:avLst/>
-              </a:prstGeom>
-            </p:spPr>
-          </p:pic>
-        </mc:Fallback>
-      </mc:AlternateContent>
-      <mc:AlternateContent xmlns:mc="http://schemas.openxmlformats.org/markup-compatibility/2006">
-        <mc:Choice xmlns:p14="http://schemas.microsoft.com/office/powerpoint/2010/main" Requires="p14">
-          <p:contentPart p14:bwMode="auto" r:id="rId16">
-            <p14:nvContentPartPr>
-              <p14:cNvPr id="53" name="Pennanteckning 52">
-                <a:extLst>
-                  <a:ext uri="{FF2B5EF4-FFF2-40B4-BE49-F238E27FC236}">
-                    <a16:creationId xmlns:a16="http://schemas.microsoft.com/office/drawing/2014/main" id="{FB00B189-F9AD-8D46-A0CF-68E4CA91E958}"/>
-                  </a:ext>
-                </a:extLst>
-              </p14:cNvPr>
-              <p14:cNvContentPartPr/>
-              <p14:nvPr/>
-            </p14:nvContentPartPr>
-            <p14:xfrm>
-              <a:off x="2061877" y="2179569"/>
-              <a:ext cx="187200" cy="92520"/>
-            </p14:xfrm>
-          </p:contentPart>
-        </mc:Choice>
-        <mc:Fallback>
-          <p:pic>
-            <p:nvPicPr>
-              <p:cNvPr id="53" name="Pennanteckning 52">
-                <a:extLst>
-                  <a:ext uri="{FF2B5EF4-FFF2-40B4-BE49-F238E27FC236}">
-                    <a16:creationId xmlns:a16="http://schemas.microsoft.com/office/drawing/2014/main" id="{FB00B189-F9AD-8D46-A0CF-68E4CA91E958}"/>
-                  </a:ext>
-                </a:extLst>
-              </p:cNvPr>
-              <p:cNvPicPr/>
-              <p:nvPr/>
-            </p:nvPicPr>
-            <p:blipFill>
-              <a:blip r:embed="rId17"/>
-              <a:stretch>
-                <a:fillRect/>
-              </a:stretch>
-            </p:blipFill>
-            <p:spPr>
-              <a:xfrm>
-                <a:off x="2057557" y="2175249"/>
-                <a:ext cx="195840" cy="101160"/>
-              </a:xfrm>
-              <a:prstGeom prst="rect">
-                <a:avLst/>
-              </a:prstGeom>
-            </p:spPr>
-          </p:pic>
-        </mc:Fallback>
-      </mc:AlternateContent>
-      <mc:AlternateContent xmlns:mc="http://schemas.openxmlformats.org/markup-compatibility/2006">
-        <mc:Choice xmlns:p14="http://schemas.microsoft.com/office/powerpoint/2010/main" Requires="p14">
-          <p:contentPart p14:bwMode="auto" r:id="rId18">
-            <p14:nvContentPartPr>
-              <p14:cNvPr id="54" name="Pennanteckning 53">
-                <a:extLst>
-                  <a:ext uri="{FF2B5EF4-FFF2-40B4-BE49-F238E27FC236}">
-                    <a16:creationId xmlns:a16="http://schemas.microsoft.com/office/drawing/2014/main" id="{5D71D2EA-4FCB-AD47-9C1B-BA2F327463AA}"/>
-                  </a:ext>
-                </a:extLst>
-              </p14:cNvPr>
-              <p14:cNvContentPartPr/>
-              <p14:nvPr/>
-            </p14:nvContentPartPr>
-            <p14:xfrm>
-              <a:off x="2057557" y="2092089"/>
-              <a:ext cx="203040" cy="171720"/>
-            </p14:xfrm>
-          </p:contentPart>
-        </mc:Choice>
-        <mc:Fallback>
-          <p:pic>
-            <p:nvPicPr>
-              <p:cNvPr id="54" name="Pennanteckning 53">
-                <a:extLst>
-                  <a:ext uri="{FF2B5EF4-FFF2-40B4-BE49-F238E27FC236}">
-                    <a16:creationId xmlns:a16="http://schemas.microsoft.com/office/drawing/2014/main" id="{5D71D2EA-4FCB-AD47-9C1B-BA2F327463AA}"/>
-                  </a:ext>
-                </a:extLst>
-              </p:cNvPr>
-              <p:cNvPicPr/>
-              <p:nvPr/>
-            </p:nvPicPr>
-            <p:blipFill>
-              <a:blip r:embed="rId19"/>
-              <a:stretch>
-                <a:fillRect/>
-              </a:stretch>
-            </p:blipFill>
-            <p:spPr>
-              <a:xfrm>
-                <a:off x="2053237" y="2087769"/>
-                <a:ext cx="211680" cy="180360"/>
-              </a:xfrm>
-              <a:prstGeom prst="rect">
-                <a:avLst/>
-              </a:prstGeom>
-            </p:spPr>
-          </p:pic>
-        </mc:Fallback>
-      </mc:AlternateContent>
-      <mc:AlternateContent xmlns:mc="http://schemas.openxmlformats.org/markup-compatibility/2006">
-        <mc:Choice xmlns:p14="http://schemas.microsoft.com/office/powerpoint/2010/main" Requires="p14">
-          <p:contentPart p14:bwMode="auto" r:id="rId20">
-            <p14:nvContentPartPr>
-              <p14:cNvPr id="55" name="Pennanteckning 54">
-                <a:extLst>
-                  <a:ext uri="{FF2B5EF4-FFF2-40B4-BE49-F238E27FC236}">
-                    <a16:creationId xmlns:a16="http://schemas.microsoft.com/office/drawing/2014/main" id="{B03B5883-F47F-3B41-81D3-C1FB3305171D}"/>
-                  </a:ext>
-                </a:extLst>
-              </p14:cNvPr>
-              <p14:cNvContentPartPr/>
-              <p14:nvPr/>
-            </p14:nvContentPartPr>
-            <p14:xfrm>
-              <a:off x="2079517" y="2152929"/>
-              <a:ext cx="166680" cy="109440"/>
-            </p14:xfrm>
-          </p:contentPart>
-        </mc:Choice>
-        <mc:Fallback>
-          <p:pic>
-            <p:nvPicPr>
-              <p:cNvPr id="55" name="Pennanteckning 54">
-                <a:extLst>
-                  <a:ext uri="{FF2B5EF4-FFF2-40B4-BE49-F238E27FC236}">
-                    <a16:creationId xmlns:a16="http://schemas.microsoft.com/office/drawing/2014/main" id="{B03B5883-F47F-3B41-81D3-C1FB3305171D}"/>
-                  </a:ext>
-                </a:extLst>
-              </p:cNvPr>
-              <p:cNvPicPr/>
-              <p:nvPr/>
-            </p:nvPicPr>
-            <p:blipFill>
-              <a:blip r:embed="rId21"/>
-              <a:stretch>
-                <a:fillRect/>
-              </a:stretch>
-            </p:blipFill>
-            <p:spPr>
-              <a:xfrm>
-                <a:off x="2075197" y="2148609"/>
-                <a:ext cx="175320" cy="118080"/>
-              </a:xfrm>
-              <a:prstGeom prst="rect">
-                <a:avLst/>
-              </a:prstGeom>
-            </p:spPr>
-          </p:pic>
-        </mc:Fallback>
-      </mc:AlternateContent>
-      <mc:AlternateContent xmlns:mc="http://schemas.openxmlformats.org/markup-compatibility/2006">
-        <mc:Choice xmlns:p14="http://schemas.microsoft.com/office/powerpoint/2010/main" Requires="p14">
-          <p:contentPart p14:bwMode="auto" r:id="rId22">
-            <p14:nvContentPartPr>
-              <p14:cNvPr id="56" name="Pennanteckning 55">
-                <a:extLst>
-                  <a:ext uri="{FF2B5EF4-FFF2-40B4-BE49-F238E27FC236}">
-                    <a16:creationId xmlns:a16="http://schemas.microsoft.com/office/drawing/2014/main" id="{1E4CA84E-BEDF-FF41-8CCF-DC176C769386}"/>
-                  </a:ext>
-                </a:extLst>
-              </p14:cNvPr>
-              <p14:cNvContentPartPr/>
-              <p14:nvPr/>
-            </p14:nvContentPartPr>
-            <p14:xfrm>
-              <a:off x="2169877" y="1540929"/>
-              <a:ext cx="91440" cy="668160"/>
-            </p14:xfrm>
-          </p:contentPart>
-        </mc:Choice>
-        <mc:Fallback>
-          <p:pic>
-            <p:nvPicPr>
-              <p:cNvPr id="56" name="Pennanteckning 55">
-                <a:extLst>
-                  <a:ext uri="{FF2B5EF4-FFF2-40B4-BE49-F238E27FC236}">
-                    <a16:creationId xmlns:a16="http://schemas.microsoft.com/office/drawing/2014/main" id="{1E4CA84E-BEDF-FF41-8CCF-DC176C769386}"/>
-                  </a:ext>
-                </a:extLst>
-              </p:cNvPr>
-              <p:cNvPicPr/>
-              <p:nvPr/>
-            </p:nvPicPr>
-            <p:blipFill>
-              <a:blip r:embed="rId23"/>
-              <a:stretch>
-                <a:fillRect/>
-              </a:stretch>
-            </p:blipFill>
-            <p:spPr>
-              <a:xfrm>
-                <a:off x="2165557" y="1536609"/>
-                <a:ext cx="100080" cy="676800"/>
-              </a:xfrm>
-              <a:prstGeom prst="rect">
-                <a:avLst/>
-              </a:prstGeom>
-            </p:spPr>
-          </p:pic>
-        </mc:Fallback>
-      </mc:AlternateContent>
-      <mc:AlternateContent xmlns:mc="http://schemas.openxmlformats.org/markup-compatibility/2006">
-        <mc:Choice xmlns:p14="http://schemas.microsoft.com/office/powerpoint/2010/main" Requires="p14">
-          <p:contentPart p14:bwMode="auto" r:id="rId24">
-            <p14:nvContentPartPr>
-              <p14:cNvPr id="57" name="Pennanteckning 56">
-                <a:extLst>
-                  <a:ext uri="{FF2B5EF4-FFF2-40B4-BE49-F238E27FC236}">
-                    <a16:creationId xmlns:a16="http://schemas.microsoft.com/office/drawing/2014/main" id="{1C278B47-8906-A047-A984-257CAEC1D439}"/>
-                  </a:ext>
-                </a:extLst>
-              </p14:cNvPr>
-              <p14:cNvContentPartPr/>
-              <p14:nvPr/>
-            </p14:nvContentPartPr>
-            <p14:xfrm>
-              <a:off x="3064837" y="1582329"/>
-              <a:ext cx="205200" cy="46440"/>
-            </p14:xfrm>
-          </p:contentPart>
-        </mc:Choice>
-        <mc:Fallback>
-          <p:pic>
-            <p:nvPicPr>
-              <p:cNvPr id="57" name="Pennanteckning 56">
-                <a:extLst>
-                  <a:ext uri="{FF2B5EF4-FFF2-40B4-BE49-F238E27FC236}">
-                    <a16:creationId xmlns:a16="http://schemas.microsoft.com/office/drawing/2014/main" id="{1C278B47-8906-A047-A984-257CAEC1D439}"/>
-                  </a:ext>
-                </a:extLst>
-              </p:cNvPr>
-              <p:cNvPicPr/>
-              <p:nvPr/>
-            </p:nvPicPr>
-            <p:blipFill>
-              <a:blip r:embed="rId25"/>
-              <a:stretch>
-                <a:fillRect/>
-              </a:stretch>
-            </p:blipFill>
-            <p:spPr>
-              <a:xfrm>
-                <a:off x="3060517" y="1578009"/>
-                <a:ext cx="213840" cy="55080"/>
-              </a:xfrm>
-              <a:prstGeom prst="rect">
-                <a:avLst/>
-              </a:prstGeom>
-            </p:spPr>
-          </p:pic>
-        </mc:Fallback>
-      </mc:AlternateContent>
-      <mc:AlternateContent xmlns:mc="http://schemas.openxmlformats.org/markup-compatibility/2006">
-        <mc:Choice xmlns:p14="http://schemas.microsoft.com/office/powerpoint/2010/main" Requires="p14">
-          <p:contentPart p14:bwMode="auto" r:id="rId26">
-            <p14:nvContentPartPr>
-              <p14:cNvPr id="59" name="Pennanteckning 58">
-                <a:extLst>
-                  <a:ext uri="{FF2B5EF4-FFF2-40B4-BE49-F238E27FC236}">
-                    <a16:creationId xmlns:a16="http://schemas.microsoft.com/office/drawing/2014/main" id="{25C2CE56-BFD8-3E40-89A1-F12DC627C17B}"/>
-                  </a:ext>
-                </a:extLst>
-              </p14:cNvPr>
-              <p14:cNvContentPartPr/>
-              <p14:nvPr/>
-            </p14:nvContentPartPr>
-            <p14:xfrm>
-              <a:off x="2902837" y="1379289"/>
-              <a:ext cx="538920" cy="663480"/>
-            </p14:xfrm>
-          </p:contentPart>
-        </mc:Choice>
-        <mc:Fallback>
-          <p:pic>
-            <p:nvPicPr>
-              <p:cNvPr id="59" name="Pennanteckning 58">
-                <a:extLst>
-                  <a:ext uri="{FF2B5EF4-FFF2-40B4-BE49-F238E27FC236}">
-                    <a16:creationId xmlns:a16="http://schemas.microsoft.com/office/drawing/2014/main" id="{25C2CE56-BFD8-3E40-89A1-F12DC627C17B}"/>
-                  </a:ext>
-                </a:extLst>
-              </p:cNvPr>
-              <p:cNvPicPr/>
-              <p:nvPr/>
-            </p:nvPicPr>
-            <p:blipFill>
-              <a:blip r:embed="rId27"/>
-              <a:stretch>
-                <a:fillRect/>
-              </a:stretch>
-            </p:blipFill>
-            <p:spPr>
-              <a:xfrm>
-                <a:off x="2885197" y="1361289"/>
-                <a:ext cx="574560" cy="699120"/>
-              </a:xfrm>
-              <a:prstGeom prst="rect">
-                <a:avLst/>
-              </a:prstGeom>
-            </p:spPr>
-          </p:pic>
-        </mc:Fallback>
-      </mc:AlternateContent>
-      <mc:AlternateContent xmlns:mc="http://schemas.openxmlformats.org/markup-compatibility/2006">
-        <mc:Choice xmlns:p14="http://schemas.microsoft.com/office/powerpoint/2010/main" Requires="p14">
-          <p:contentPart p14:bwMode="auto" r:id="rId28">
-            <p14:nvContentPartPr>
-              <p14:cNvPr id="61" name="Pennanteckning 60">
-                <a:extLst>
-                  <a:ext uri="{FF2B5EF4-FFF2-40B4-BE49-F238E27FC236}">
-                    <a16:creationId xmlns:a16="http://schemas.microsoft.com/office/drawing/2014/main" id="{622BD828-3071-9F4B-9A88-D8156E9912DB}"/>
-                  </a:ext>
-                </a:extLst>
-              </p14:cNvPr>
-              <p14:cNvContentPartPr/>
-              <p14:nvPr/>
-            </p14:nvContentPartPr>
-            <p14:xfrm>
-              <a:off x="2971957" y="1367769"/>
-              <a:ext cx="441360" cy="114480"/>
-            </p14:xfrm>
-          </p:contentPart>
-        </mc:Choice>
-        <mc:Fallback>
-          <p:pic>
-            <p:nvPicPr>
-              <p:cNvPr id="61" name="Pennanteckning 60">
-                <a:extLst>
-                  <a:ext uri="{FF2B5EF4-FFF2-40B4-BE49-F238E27FC236}">
-                    <a16:creationId xmlns:a16="http://schemas.microsoft.com/office/drawing/2014/main" id="{622BD828-3071-9F4B-9A88-D8156E9912DB}"/>
-                  </a:ext>
-                </a:extLst>
-              </p:cNvPr>
-              <p:cNvPicPr/>
-              <p:nvPr/>
-            </p:nvPicPr>
-            <p:blipFill>
-              <a:blip r:embed="rId29"/>
-              <a:stretch>
-                <a:fillRect/>
-              </a:stretch>
-            </p:blipFill>
-            <p:spPr>
-              <a:xfrm>
-                <a:off x="2953957" y="1350129"/>
-                <a:ext cx="477000" cy="150120"/>
-              </a:xfrm>
-              <a:prstGeom prst="rect">
-                <a:avLst/>
-              </a:prstGeom>
-            </p:spPr>
-          </p:pic>
-        </mc:Fallback>
-      </mc:AlternateContent>
-      <mc:AlternateContent xmlns:mc="http://schemas.openxmlformats.org/markup-compatibility/2006">
-        <mc:Choice xmlns:p14="http://schemas.microsoft.com/office/powerpoint/2010/main" Requires="p14">
-          <p:contentPart p14:bwMode="auto" r:id="rId30">
-            <p14:nvContentPartPr>
-              <p14:cNvPr id="63" name="Pennanteckning 62">
-                <a:extLst>
-                  <a:ext uri="{FF2B5EF4-FFF2-40B4-BE49-F238E27FC236}">
-                    <a16:creationId xmlns:a16="http://schemas.microsoft.com/office/drawing/2014/main" id="{523A6FC0-F430-3446-A404-E80F47B2057E}"/>
-                  </a:ext>
-                </a:extLst>
-              </p14:cNvPr>
-              <p14:cNvContentPartPr/>
-              <p14:nvPr/>
-            </p14:nvContentPartPr>
-            <p14:xfrm>
-              <a:off x="2998597" y="1349769"/>
-              <a:ext cx="360720" cy="95040"/>
-            </p14:xfrm>
-          </p:contentPart>
-        </mc:Choice>
-        <mc:Fallback>
-          <p:pic>
-            <p:nvPicPr>
-              <p:cNvPr id="63" name="Pennanteckning 62">
-                <a:extLst>
-                  <a:ext uri="{FF2B5EF4-FFF2-40B4-BE49-F238E27FC236}">
-                    <a16:creationId xmlns:a16="http://schemas.microsoft.com/office/drawing/2014/main" id="{523A6FC0-F430-3446-A404-E80F47B2057E}"/>
-                  </a:ext>
-                </a:extLst>
-              </p:cNvPr>
-              <p:cNvPicPr/>
-              <p:nvPr/>
-            </p:nvPicPr>
-            <p:blipFill>
-              <a:blip r:embed="rId31"/>
-              <a:stretch>
-                <a:fillRect/>
-              </a:stretch>
-            </p:blipFill>
-            <p:spPr>
-              <a:xfrm>
-                <a:off x="2980597" y="1331769"/>
-                <a:ext cx="396360" cy="130680"/>
-              </a:xfrm>
-              <a:prstGeom prst="rect">
-                <a:avLst/>
-              </a:prstGeom>
-            </p:spPr>
-          </p:pic>
-        </mc:Fallback>
-      </mc:AlternateContent>
-      <mc:AlternateContent xmlns:mc="http://schemas.openxmlformats.org/markup-compatibility/2006">
-        <mc:Choice xmlns:p14="http://schemas.microsoft.com/office/powerpoint/2010/main" Requires="p14">
-          <p:contentPart p14:bwMode="auto" r:id="rId32">
-            <p14:nvContentPartPr>
-              <p14:cNvPr id="65" name="Pennanteckning 64">
-                <a:extLst>
-                  <a:ext uri="{FF2B5EF4-FFF2-40B4-BE49-F238E27FC236}">
-                    <a16:creationId xmlns:a16="http://schemas.microsoft.com/office/drawing/2014/main" id="{D3D99A81-71F3-4748-8394-447EED3E95CE}"/>
-                  </a:ext>
-                </a:extLst>
-              </p14:cNvPr>
-              <p14:cNvContentPartPr/>
-              <p14:nvPr/>
-            </p14:nvContentPartPr>
-            <p14:xfrm>
-              <a:off x="3302797" y="1453449"/>
-              <a:ext cx="124920" cy="214920"/>
-            </p14:xfrm>
-          </p:contentPart>
-        </mc:Choice>
-        <mc:Fallback>
-          <p:pic>
-            <p:nvPicPr>
-              <p:cNvPr id="65" name="Pennanteckning 64">
-                <a:extLst>
-                  <a:ext uri="{FF2B5EF4-FFF2-40B4-BE49-F238E27FC236}">
-                    <a16:creationId xmlns:a16="http://schemas.microsoft.com/office/drawing/2014/main" id="{D3D99A81-71F3-4748-8394-447EED3E95CE}"/>
-                  </a:ext>
-                </a:extLst>
-              </p:cNvPr>
-              <p:cNvPicPr/>
-              <p:nvPr/>
-            </p:nvPicPr>
-            <p:blipFill>
-              <a:blip r:embed="rId33"/>
-              <a:stretch>
-                <a:fillRect/>
-              </a:stretch>
-            </p:blipFill>
-            <p:spPr>
-              <a:xfrm>
-                <a:off x="3285157" y="1435809"/>
-                <a:ext cx="160560" cy="250560"/>
-              </a:xfrm>
-              <a:prstGeom prst="rect">
-                <a:avLst/>
-              </a:prstGeom>
-            </p:spPr>
-          </p:pic>
-        </mc:Fallback>
-      </mc:AlternateContent>
-      <mc:AlternateContent xmlns:mc="http://schemas.openxmlformats.org/markup-compatibility/2006">
-        <mc:Choice xmlns:p14="http://schemas.microsoft.com/office/powerpoint/2010/main" Requires="p14">
-          <p:contentPart p14:bwMode="auto" r:id="rId34">
-            <p14:nvContentPartPr>
-              <p14:cNvPr id="71" name="Pennanteckning 70">
-                <a:extLst>
-                  <a:ext uri="{FF2B5EF4-FFF2-40B4-BE49-F238E27FC236}">
-                    <a16:creationId xmlns:a16="http://schemas.microsoft.com/office/drawing/2014/main" id="{AE06BB2A-A282-D74F-A21D-BF2BBDE7FDA9}"/>
-                  </a:ext>
-                </a:extLst>
-              </p14:cNvPr>
-              <p14:cNvContentPartPr/>
-              <p14:nvPr/>
-            </p14:nvContentPartPr>
-            <p14:xfrm>
-              <a:off x="2924437" y="1779249"/>
-              <a:ext cx="423360" cy="267120"/>
-            </p14:xfrm>
-          </p:contentPart>
-        </mc:Choice>
-        <mc:Fallback>
-          <p:pic>
-            <p:nvPicPr>
-              <p:cNvPr id="71" name="Pennanteckning 70">
-                <a:extLst>
-                  <a:ext uri="{FF2B5EF4-FFF2-40B4-BE49-F238E27FC236}">
-                    <a16:creationId xmlns:a16="http://schemas.microsoft.com/office/drawing/2014/main" id="{AE06BB2A-A282-D74F-A21D-BF2BBDE7FDA9}"/>
-                  </a:ext>
-                </a:extLst>
-              </p:cNvPr>
-              <p:cNvPicPr/>
-              <p:nvPr/>
-            </p:nvPicPr>
-            <p:blipFill>
-              <a:blip r:embed="rId35"/>
-              <a:stretch>
-                <a:fillRect/>
-              </a:stretch>
-            </p:blipFill>
-            <p:spPr>
-              <a:xfrm>
-                <a:off x="2906437" y="1761249"/>
-                <a:ext cx="459000" cy="302760"/>
-              </a:xfrm>
-              <a:prstGeom prst="rect">
-                <a:avLst/>
-              </a:prstGeom>
-            </p:spPr>
-          </p:pic>
-        </mc:Fallback>
-      </mc:AlternateContent>
-      <mc:AlternateContent xmlns:mc="http://schemas.openxmlformats.org/markup-compatibility/2006">
-        <mc:Choice xmlns:p14="http://schemas.microsoft.com/office/powerpoint/2010/main" Requires="p14">
-          <p:contentPart p14:bwMode="auto" r:id="rId36">
-            <p14:nvContentPartPr>
-              <p14:cNvPr id="73" name="Pennanteckning 72">
-                <a:extLst>
-                  <a:ext uri="{FF2B5EF4-FFF2-40B4-BE49-F238E27FC236}">
-                    <a16:creationId xmlns:a16="http://schemas.microsoft.com/office/drawing/2014/main" id="{3C8159B9-019A-8D46-BF0E-44BE0DC35454}"/>
-                  </a:ext>
-                </a:extLst>
-              </p14:cNvPr>
-              <p14:cNvContentPartPr/>
-              <p14:nvPr/>
-            </p14:nvContentPartPr>
-            <p14:xfrm>
-              <a:off x="3083197" y="1933329"/>
-              <a:ext cx="287640" cy="77760"/>
-            </p14:xfrm>
-          </p:contentPart>
-        </mc:Choice>
-        <mc:Fallback>
-          <p:pic>
-            <p:nvPicPr>
-              <p:cNvPr id="73" name="Pennanteckning 72">
-                <a:extLst>
-                  <a:ext uri="{FF2B5EF4-FFF2-40B4-BE49-F238E27FC236}">
-                    <a16:creationId xmlns:a16="http://schemas.microsoft.com/office/drawing/2014/main" id="{3C8159B9-019A-8D46-BF0E-44BE0DC35454}"/>
-                  </a:ext>
-                </a:extLst>
-              </p:cNvPr>
-              <p:cNvPicPr/>
-              <p:nvPr/>
-            </p:nvPicPr>
-            <p:blipFill>
-              <a:blip r:embed="rId37"/>
-              <a:stretch>
-                <a:fillRect/>
-              </a:stretch>
-            </p:blipFill>
-            <p:spPr>
-              <a:xfrm>
-                <a:off x="3065197" y="1915329"/>
-                <a:ext cx="323280" cy="113400"/>
-              </a:xfrm>
-              <a:prstGeom prst="rect">
-                <a:avLst/>
-              </a:prstGeom>
-            </p:spPr>
-          </p:pic>
-        </mc:Fallback>
-      </mc:AlternateContent>
-      <mc:AlternateContent xmlns:mc="http://schemas.openxmlformats.org/markup-compatibility/2006">
-        <mc:Choice xmlns:p14="http://schemas.microsoft.com/office/powerpoint/2010/main" Requires="p14">
-          <p:contentPart p14:bwMode="auto" r:id="rId38">
-            <p14:nvContentPartPr>
-              <p14:cNvPr id="79" name="Pennanteckning 78">
-                <a:extLst>
-                  <a:ext uri="{FF2B5EF4-FFF2-40B4-BE49-F238E27FC236}">
-                    <a16:creationId xmlns:a16="http://schemas.microsoft.com/office/drawing/2014/main" id="{654A6680-8DDB-4A43-88AA-C4C3BF8178FB}"/>
-                  </a:ext>
-                </a:extLst>
-              </p14:cNvPr>
-              <p14:cNvContentPartPr/>
-              <p14:nvPr/>
-            </p14:nvContentPartPr>
-            <p14:xfrm>
-              <a:off x="3546157" y="1479009"/>
-              <a:ext cx="92160" cy="452520"/>
-            </p14:xfrm>
-          </p:contentPart>
-        </mc:Choice>
-        <mc:Fallback>
-          <p:pic>
-            <p:nvPicPr>
-              <p:cNvPr id="79" name="Pennanteckning 78">
-                <a:extLst>
-                  <a:ext uri="{FF2B5EF4-FFF2-40B4-BE49-F238E27FC236}">
-                    <a16:creationId xmlns:a16="http://schemas.microsoft.com/office/drawing/2014/main" id="{654A6680-8DDB-4A43-88AA-C4C3BF8178FB}"/>
-                  </a:ext>
-                </a:extLst>
-              </p:cNvPr>
-              <p:cNvPicPr/>
-              <p:nvPr/>
-            </p:nvPicPr>
-            <p:blipFill>
-              <a:blip r:embed="rId39"/>
-              <a:stretch>
-                <a:fillRect/>
-              </a:stretch>
-            </p:blipFill>
-            <p:spPr>
-              <a:xfrm>
-                <a:off x="3528517" y="1461009"/>
-                <a:ext cx="127800" cy="488160"/>
-              </a:xfrm>
-              <a:prstGeom prst="rect">
-                <a:avLst/>
-              </a:prstGeom>
-            </p:spPr>
-          </p:pic>
-        </mc:Fallback>
-      </mc:AlternateContent>
-      <mc:AlternateContent xmlns:mc="http://schemas.openxmlformats.org/markup-compatibility/2006">
-        <mc:Choice xmlns:p14="http://schemas.microsoft.com/office/powerpoint/2010/main" Requires="p14">
-          <p:contentPart p14:bwMode="auto" r:id="rId40">
-            <p14:nvContentPartPr>
-              <p14:cNvPr id="81" name="Pennanteckning 80">
-                <a:extLst>
-                  <a:ext uri="{FF2B5EF4-FFF2-40B4-BE49-F238E27FC236}">
-                    <a16:creationId xmlns:a16="http://schemas.microsoft.com/office/drawing/2014/main" id="{695BCB03-5FAF-F444-8E41-9F6B60BD0482}"/>
-                  </a:ext>
-                </a:extLst>
-              </p14:cNvPr>
-              <p14:cNvContentPartPr/>
-              <p14:nvPr/>
-            </p14:nvContentPartPr>
-            <p14:xfrm>
-              <a:off x="3542197" y="1473609"/>
-              <a:ext cx="51120" cy="395280"/>
-            </p14:xfrm>
-          </p:contentPart>
-        </mc:Choice>
-        <mc:Fallback>
-          <p:pic>
-            <p:nvPicPr>
-              <p:cNvPr id="81" name="Pennanteckning 80">
-                <a:extLst>
-                  <a:ext uri="{FF2B5EF4-FFF2-40B4-BE49-F238E27FC236}">
-                    <a16:creationId xmlns:a16="http://schemas.microsoft.com/office/drawing/2014/main" id="{695BCB03-5FAF-F444-8E41-9F6B60BD0482}"/>
-                  </a:ext>
-                </a:extLst>
-              </p:cNvPr>
-              <p:cNvPicPr/>
-              <p:nvPr/>
-            </p:nvPicPr>
-            <p:blipFill>
-              <a:blip r:embed="rId41"/>
-              <a:stretch>
-                <a:fillRect/>
-              </a:stretch>
-            </p:blipFill>
-            <p:spPr>
-              <a:xfrm>
-                <a:off x="3524557" y="1455969"/>
-                <a:ext cx="86760" cy="430920"/>
-              </a:xfrm>
-              <a:prstGeom prst="rect">
-                <a:avLst/>
-              </a:prstGeom>
-            </p:spPr>
-          </p:pic>
-        </mc:Fallback>
-      </mc:AlternateContent>
-      <mc:AlternateContent xmlns:mc="http://schemas.openxmlformats.org/markup-compatibility/2006">
-        <mc:Choice xmlns:p14="http://schemas.microsoft.com/office/powerpoint/2010/main" Requires="p14">
-          <p:contentPart p14:bwMode="auto" r:id="rId42">
-            <p14:nvContentPartPr>
-              <p14:cNvPr id="86" name="Pennanteckning 85">
-                <a:extLst>
-                  <a:ext uri="{FF2B5EF4-FFF2-40B4-BE49-F238E27FC236}">
-                    <a16:creationId xmlns:a16="http://schemas.microsoft.com/office/drawing/2014/main" id="{712C804F-EC85-E940-940E-71CCF3AB9E97}"/>
-                  </a:ext>
-                </a:extLst>
-              </p14:cNvPr>
-              <p14:cNvContentPartPr/>
-              <p14:nvPr/>
-            </p14:nvContentPartPr>
-            <p14:xfrm>
-              <a:off x="3599797" y="1885449"/>
-              <a:ext cx="641880" cy="421920"/>
-            </p14:xfrm>
-          </p:contentPart>
-        </mc:Choice>
-        <mc:Fallback>
-          <p:pic>
-            <p:nvPicPr>
-              <p:cNvPr id="86" name="Pennanteckning 85">
-                <a:extLst>
-                  <a:ext uri="{FF2B5EF4-FFF2-40B4-BE49-F238E27FC236}">
-                    <a16:creationId xmlns:a16="http://schemas.microsoft.com/office/drawing/2014/main" id="{712C804F-EC85-E940-940E-71CCF3AB9E97}"/>
-                  </a:ext>
-                </a:extLst>
-              </p:cNvPr>
-              <p:cNvPicPr/>
-              <p:nvPr/>
-            </p:nvPicPr>
-            <p:blipFill>
-              <a:blip r:embed="rId43"/>
-              <a:stretch>
-                <a:fillRect/>
-              </a:stretch>
-            </p:blipFill>
-            <p:spPr>
-              <a:xfrm>
-                <a:off x="3582157" y="1867449"/>
-                <a:ext cx="677520" cy="457560"/>
-              </a:xfrm>
-              <a:prstGeom prst="rect">
-                <a:avLst/>
-              </a:prstGeom>
-            </p:spPr>
-          </p:pic>
-        </mc:Fallback>
-      </mc:AlternateContent>
-      <p:grpSp>
-        <p:nvGrpSpPr>
-          <p:cNvPr id="92" name="Grupp 91">
+      <p:sp>
+        <p:nvSpPr>
+          <p:cNvPr id="6" name="Rubrik 1">
             <a:extLst>
               <a:ext uri="{FF2B5EF4-FFF2-40B4-BE49-F238E27FC236}">
-                <a16:creationId xmlns:a16="http://schemas.microsoft.com/office/drawing/2014/main" id="{83B2B91B-8FB6-044D-9580-3C0F17DA6C4A}"/>
+                <a16:creationId xmlns:a16="http://schemas.microsoft.com/office/drawing/2014/main" id="{6E165A32-B79D-544A-84D6-0AD8680AFE62}"/>
               </a:ext>
             </a:extLst>
           </p:cNvPr>
-          <p:cNvGrpSpPr/>
+          <p:cNvSpPr txBox="1">
+            <a:spLocks/>
+          </p:cNvSpPr>
           <p:nvPr/>
-        </p:nvGrpSpPr>
-        <p:grpSpPr>
+        </p:nvSpPr>
+        <p:spPr>
           <a:xfrm>
-            <a:off x="1762246" y="877542"/>
-            <a:ext cx="7377480" cy="3193200"/>
-            <a:chOff x="1762246" y="877542"/>
-            <a:chExt cx="7377480" cy="3193200"/>
+            <a:off x="990600" y="4098925"/>
+            <a:ext cx="10515600" cy="1325563"/>
           </a:xfrm>
-        </p:grpSpPr>
-        <mc:AlternateContent xmlns:mc="http://schemas.openxmlformats.org/markup-compatibility/2006">
-          <mc:Choice xmlns:p14="http://schemas.microsoft.com/office/powerpoint/2010/main" Requires="p14">
-            <p:contentPart p14:bwMode="auto" r:id="rId44">
-              <p14:nvContentPartPr>
-                <p14:cNvPr id="24" name="Pennanteckning 23">
-                  <a:extLst>
-                    <a:ext uri="{FF2B5EF4-FFF2-40B4-BE49-F238E27FC236}">
-                      <a16:creationId xmlns:a16="http://schemas.microsoft.com/office/drawing/2014/main" id="{E192BC23-2EAA-634B-BFD8-D48F000DD219}"/>
-                    </a:ext>
-                  </a:extLst>
-                </p14:cNvPr>
-                <p14:cNvContentPartPr/>
-                <p14:nvPr/>
-              </p14:nvContentPartPr>
-              <p14:xfrm>
-                <a:off x="6923206" y="877542"/>
-                <a:ext cx="430920" cy="1381320"/>
-              </p14:xfrm>
-            </p:contentPart>
-          </mc:Choice>
-          <mc:Fallback>
-            <p:pic>
-              <p:nvPicPr>
-                <p:cNvPr id="24" name="Pennanteckning 23">
-                  <a:extLst>
-                    <a:ext uri="{FF2B5EF4-FFF2-40B4-BE49-F238E27FC236}">
-                      <a16:creationId xmlns:a16="http://schemas.microsoft.com/office/drawing/2014/main" id="{E192BC23-2EAA-634B-BFD8-D48F000DD219}"/>
-                    </a:ext>
-                  </a:extLst>
-                </p:cNvPr>
-                <p:cNvPicPr/>
-                <p:nvPr/>
-              </p:nvPicPr>
-              <p:blipFill>
-                <a:blip r:embed="rId45"/>
-                <a:stretch>
-                  <a:fillRect/>
-                </a:stretch>
-              </p:blipFill>
-              <p:spPr>
-                <a:xfrm>
-                  <a:off x="6905206" y="859542"/>
-                  <a:ext cx="466560" cy="1416960"/>
-                </a:xfrm>
-                <a:prstGeom prst="rect">
-                  <a:avLst/>
-                </a:prstGeom>
-              </p:spPr>
-            </p:pic>
-          </mc:Fallback>
-        </mc:AlternateContent>
-        <mc:AlternateContent xmlns:mc="http://schemas.openxmlformats.org/markup-compatibility/2006">
-          <mc:Choice xmlns:p14="http://schemas.microsoft.com/office/powerpoint/2010/main" Requires="p14">
-            <p:contentPart p14:bwMode="auto" r:id="rId46">
-              <p14:nvContentPartPr>
-                <p14:cNvPr id="26" name="Pennanteckning 25">
-                  <a:extLst>
-                    <a:ext uri="{FF2B5EF4-FFF2-40B4-BE49-F238E27FC236}">
-                      <a16:creationId xmlns:a16="http://schemas.microsoft.com/office/drawing/2014/main" id="{015C801B-4F9F-B843-8E8C-A873BEE448A0}"/>
-                    </a:ext>
-                  </a:extLst>
-                </p14:cNvPr>
-                <p14:cNvContentPartPr/>
-                <p14:nvPr/>
-              </p14:nvContentPartPr>
-              <p14:xfrm>
-                <a:off x="7677406" y="1690062"/>
-                <a:ext cx="512640" cy="568440"/>
-              </p14:xfrm>
-            </p:contentPart>
-          </mc:Choice>
-          <mc:Fallback>
-            <p:pic>
-              <p:nvPicPr>
-                <p:cNvPr id="26" name="Pennanteckning 25">
-                  <a:extLst>
-                    <a:ext uri="{FF2B5EF4-FFF2-40B4-BE49-F238E27FC236}">
-                      <a16:creationId xmlns:a16="http://schemas.microsoft.com/office/drawing/2014/main" id="{015C801B-4F9F-B843-8E8C-A873BEE448A0}"/>
-                    </a:ext>
-                  </a:extLst>
-                </p:cNvPr>
-                <p:cNvPicPr/>
-                <p:nvPr/>
-              </p:nvPicPr>
-              <p:blipFill>
-                <a:blip r:embed="rId47"/>
-                <a:stretch>
-                  <a:fillRect/>
-                </a:stretch>
-              </p:blipFill>
-              <p:spPr>
-                <a:xfrm>
-                  <a:off x="7659406" y="1672062"/>
-                  <a:ext cx="548280" cy="604080"/>
-                </a:xfrm>
-                <a:prstGeom prst="rect">
-                  <a:avLst/>
-                </a:prstGeom>
-              </p:spPr>
-            </p:pic>
-          </mc:Fallback>
-        </mc:AlternateContent>
-        <mc:AlternateContent xmlns:mc="http://schemas.openxmlformats.org/markup-compatibility/2006">
-          <mc:Choice xmlns:p14="http://schemas.microsoft.com/office/powerpoint/2010/main" Requires="p14">
-            <p:contentPart p14:bwMode="auto" r:id="rId48">
-              <p14:nvContentPartPr>
-                <p14:cNvPr id="28" name="Pennanteckning 27">
-                  <a:extLst>
-                    <a:ext uri="{FF2B5EF4-FFF2-40B4-BE49-F238E27FC236}">
-                      <a16:creationId xmlns:a16="http://schemas.microsoft.com/office/drawing/2014/main" id="{EFC7B517-F5C9-EB47-9A28-3D969DAB8F3B}"/>
-                    </a:ext>
-                  </a:extLst>
-                </p14:cNvPr>
-                <p14:cNvContentPartPr/>
-                <p14:nvPr/>
-              </p14:nvContentPartPr>
-              <p14:xfrm>
-                <a:off x="8322166" y="959262"/>
-                <a:ext cx="398160" cy="1262520"/>
-              </p14:xfrm>
-            </p:contentPart>
-          </mc:Choice>
-          <mc:Fallback>
-            <p:pic>
-              <p:nvPicPr>
-                <p:cNvPr id="28" name="Pennanteckning 27">
-                  <a:extLst>
-                    <a:ext uri="{FF2B5EF4-FFF2-40B4-BE49-F238E27FC236}">
-                      <a16:creationId xmlns:a16="http://schemas.microsoft.com/office/drawing/2014/main" id="{EFC7B517-F5C9-EB47-9A28-3D969DAB8F3B}"/>
-                    </a:ext>
-                  </a:extLst>
-                </p:cNvPr>
-                <p:cNvPicPr/>
-                <p:nvPr/>
-              </p:nvPicPr>
-              <p:blipFill>
-                <a:blip r:embed="rId49"/>
-                <a:stretch>
-                  <a:fillRect/>
-                </a:stretch>
-              </p:blipFill>
-              <p:spPr>
-                <a:xfrm>
-                  <a:off x="8304526" y="941622"/>
-                  <a:ext cx="433800" cy="1298160"/>
-                </a:xfrm>
-                <a:prstGeom prst="rect">
-                  <a:avLst/>
-                </a:prstGeom>
-              </p:spPr>
-            </p:pic>
-          </mc:Fallback>
-        </mc:AlternateContent>
-        <mc:AlternateContent xmlns:mc="http://schemas.openxmlformats.org/markup-compatibility/2006">
-          <mc:Choice xmlns:p14="http://schemas.microsoft.com/office/powerpoint/2010/main" Requires="p14">
-            <p:contentPart p14:bwMode="auto" r:id="rId50">
-              <p14:nvContentPartPr>
-                <p14:cNvPr id="30" name="Pennanteckning 29">
-                  <a:extLst>
-                    <a:ext uri="{FF2B5EF4-FFF2-40B4-BE49-F238E27FC236}">
-                      <a16:creationId xmlns:a16="http://schemas.microsoft.com/office/drawing/2014/main" id="{A920C583-7278-7141-862C-39620B4182C6}"/>
-                    </a:ext>
-                  </a:extLst>
-                </p14:cNvPr>
-                <p14:cNvContentPartPr/>
-                <p14:nvPr/>
-              </p14:nvContentPartPr>
-              <p14:xfrm>
-                <a:off x="8493886" y="1884822"/>
-                <a:ext cx="32760" cy="336600"/>
-              </p14:xfrm>
-            </p:contentPart>
-          </mc:Choice>
-          <mc:Fallback>
-            <p:pic>
-              <p:nvPicPr>
-                <p:cNvPr id="30" name="Pennanteckning 29">
-                  <a:extLst>
-                    <a:ext uri="{FF2B5EF4-FFF2-40B4-BE49-F238E27FC236}">
-                      <a16:creationId xmlns:a16="http://schemas.microsoft.com/office/drawing/2014/main" id="{A920C583-7278-7141-862C-39620B4182C6}"/>
-                    </a:ext>
-                  </a:extLst>
-                </p:cNvPr>
-                <p:cNvPicPr/>
-                <p:nvPr/>
-              </p:nvPicPr>
-              <p:blipFill>
-                <a:blip r:embed="rId51"/>
-                <a:stretch>
-                  <a:fillRect/>
-                </a:stretch>
-              </p:blipFill>
-              <p:spPr>
-                <a:xfrm>
-                  <a:off x="8476246" y="1866822"/>
-                  <a:ext cx="68400" cy="372240"/>
-                </a:xfrm>
-                <a:prstGeom prst="rect">
-                  <a:avLst/>
-                </a:prstGeom>
-              </p:spPr>
-            </p:pic>
-          </mc:Fallback>
-        </mc:AlternateContent>
-        <mc:AlternateContent xmlns:mc="http://schemas.openxmlformats.org/markup-compatibility/2006">
-          <mc:Choice xmlns:p14="http://schemas.microsoft.com/office/powerpoint/2010/main" Requires="p14">
-            <p:contentPart p14:bwMode="auto" r:id="rId52">
-              <p14:nvContentPartPr>
-                <p14:cNvPr id="32" name="Pennanteckning 31">
-                  <a:extLst>
-                    <a:ext uri="{FF2B5EF4-FFF2-40B4-BE49-F238E27FC236}">
-                      <a16:creationId xmlns:a16="http://schemas.microsoft.com/office/drawing/2014/main" id="{245E746D-E23C-2742-98DF-5315D1CDA88E}"/>
-                    </a:ext>
-                  </a:extLst>
-                </p14:cNvPr>
-                <p14:cNvContentPartPr/>
-                <p14:nvPr/>
-              </p14:nvContentPartPr>
-              <p14:xfrm>
-                <a:off x="9029926" y="1679262"/>
-                <a:ext cx="109800" cy="2880"/>
-              </p14:xfrm>
-            </p:contentPart>
-          </mc:Choice>
-          <mc:Fallback>
-            <p:pic>
-              <p:nvPicPr>
-                <p:cNvPr id="32" name="Pennanteckning 31">
-                  <a:extLst>
-                    <a:ext uri="{FF2B5EF4-FFF2-40B4-BE49-F238E27FC236}">
-                      <a16:creationId xmlns:a16="http://schemas.microsoft.com/office/drawing/2014/main" id="{245E746D-E23C-2742-98DF-5315D1CDA88E}"/>
-                    </a:ext>
-                  </a:extLst>
-                </p:cNvPr>
-                <p:cNvPicPr/>
-                <p:nvPr/>
-              </p:nvPicPr>
-              <p:blipFill>
-                <a:blip r:embed="rId53"/>
-                <a:stretch>
-                  <a:fillRect/>
-                </a:stretch>
-              </p:blipFill>
-              <p:spPr>
-                <a:xfrm>
-                  <a:off x="9012286" y="1661622"/>
-                  <a:ext cx="145440" cy="38520"/>
-                </a:xfrm>
-                <a:prstGeom prst="rect">
-                  <a:avLst/>
-                </a:prstGeom>
-              </p:spPr>
-            </p:pic>
-          </mc:Fallback>
-        </mc:AlternateContent>
-        <mc:AlternateContent xmlns:mc="http://schemas.openxmlformats.org/markup-compatibility/2006">
-          <mc:Choice xmlns:p14="http://schemas.microsoft.com/office/powerpoint/2010/main" Requires="p14">
-            <p:contentPart p14:bwMode="auto" r:id="rId54">
-              <p14:nvContentPartPr>
-                <p14:cNvPr id="6" name="Pennanteckning 5">
-                  <a:extLst>
-                    <a:ext uri="{FF2B5EF4-FFF2-40B4-BE49-F238E27FC236}">
-                      <a16:creationId xmlns:a16="http://schemas.microsoft.com/office/drawing/2014/main" id="{DFE7A69D-FFFA-6C4D-A9BE-814E591D30B2}"/>
-                    </a:ext>
-                  </a:extLst>
-                </p14:cNvPr>
-                <p14:cNvContentPartPr/>
-                <p14:nvPr/>
-              </p14:nvContentPartPr>
-              <p14:xfrm>
-                <a:off x="2876806" y="1392702"/>
-                <a:ext cx="574920" cy="635400"/>
-              </p14:xfrm>
-            </p:contentPart>
-          </mc:Choice>
-          <mc:Fallback>
-            <p:pic>
-              <p:nvPicPr>
-                <p:cNvPr id="6" name="Pennanteckning 5">
-                  <a:extLst>
-                    <a:ext uri="{FF2B5EF4-FFF2-40B4-BE49-F238E27FC236}">
-                      <a16:creationId xmlns:a16="http://schemas.microsoft.com/office/drawing/2014/main" id="{DFE7A69D-FFFA-6C4D-A9BE-814E591D30B2}"/>
-                    </a:ext>
-                  </a:extLst>
-                </p:cNvPr>
-                <p:cNvPicPr/>
-                <p:nvPr/>
-              </p:nvPicPr>
-              <p:blipFill>
-                <a:blip r:embed="rId55"/>
-                <a:stretch>
-                  <a:fillRect/>
-                </a:stretch>
-              </p:blipFill>
-              <p:spPr>
-                <a:xfrm>
-                  <a:off x="2858806" y="1374702"/>
-                  <a:ext cx="610560" cy="671040"/>
-                </a:xfrm>
-                <a:prstGeom prst="rect">
-                  <a:avLst/>
-                </a:prstGeom>
-              </p:spPr>
-            </p:pic>
-          </mc:Fallback>
-        </mc:AlternateContent>
-        <mc:AlternateContent xmlns:mc="http://schemas.openxmlformats.org/markup-compatibility/2006">
-          <mc:Choice xmlns:p14="http://schemas.microsoft.com/office/powerpoint/2010/main" Requires="p14">
-            <p:contentPart p14:bwMode="auto" r:id="rId56">
-              <p14:nvContentPartPr>
-                <p14:cNvPr id="7" name="Pennanteckning 6">
-                  <a:extLst>
-                    <a:ext uri="{FF2B5EF4-FFF2-40B4-BE49-F238E27FC236}">
-                      <a16:creationId xmlns:a16="http://schemas.microsoft.com/office/drawing/2014/main" id="{6CBDDC43-7375-1A4B-940E-BF4185020474}"/>
-                    </a:ext>
-                  </a:extLst>
-                </p14:cNvPr>
-                <p14:cNvContentPartPr/>
-                <p14:nvPr/>
-              </p14:nvContentPartPr>
-              <p14:xfrm>
-                <a:off x="3584206" y="1530942"/>
-                <a:ext cx="113760" cy="1392840"/>
-              </p14:xfrm>
-            </p:contentPart>
-          </mc:Choice>
-          <mc:Fallback>
-            <p:pic>
-              <p:nvPicPr>
-                <p:cNvPr id="7" name="Pennanteckning 6">
-                  <a:extLst>
-                    <a:ext uri="{FF2B5EF4-FFF2-40B4-BE49-F238E27FC236}">
-                      <a16:creationId xmlns:a16="http://schemas.microsoft.com/office/drawing/2014/main" id="{6CBDDC43-7375-1A4B-940E-BF4185020474}"/>
-                    </a:ext>
-                  </a:extLst>
-                </p:cNvPr>
-                <p:cNvPicPr/>
-                <p:nvPr/>
-              </p:nvPicPr>
-              <p:blipFill>
-                <a:blip r:embed="rId57"/>
-                <a:stretch>
-                  <a:fillRect/>
-                </a:stretch>
-              </p:blipFill>
-              <p:spPr>
-                <a:xfrm>
-                  <a:off x="3566566" y="1512942"/>
-                  <a:ext cx="149400" cy="1428480"/>
-                </a:xfrm>
-                <a:prstGeom prst="rect">
-                  <a:avLst/>
-                </a:prstGeom>
-              </p:spPr>
-            </p:pic>
-          </mc:Fallback>
-        </mc:AlternateContent>
-        <mc:AlternateContent xmlns:mc="http://schemas.openxmlformats.org/markup-compatibility/2006">
-          <mc:Choice xmlns:p14="http://schemas.microsoft.com/office/powerpoint/2010/main" Requires="p14">
-            <p:contentPart p14:bwMode="auto" r:id="rId58">
-              <p14:nvContentPartPr>
-                <p14:cNvPr id="9" name="Pennanteckning 8">
-                  <a:extLst>
-                    <a:ext uri="{FF2B5EF4-FFF2-40B4-BE49-F238E27FC236}">
-                      <a16:creationId xmlns:a16="http://schemas.microsoft.com/office/drawing/2014/main" id="{64527EFF-55C2-574E-8F4E-6F8B01ABB2DA}"/>
-                    </a:ext>
-                  </a:extLst>
-                </p14:cNvPr>
-                <p14:cNvContentPartPr/>
-                <p14:nvPr/>
-              </p14:nvContentPartPr>
-              <p14:xfrm>
-                <a:off x="3609406" y="1469022"/>
-                <a:ext cx="663840" cy="889200"/>
-              </p14:xfrm>
-            </p:contentPart>
-          </mc:Choice>
-          <mc:Fallback>
-            <p:pic>
-              <p:nvPicPr>
-                <p:cNvPr id="9" name="Pennanteckning 8">
-                  <a:extLst>
-                    <a:ext uri="{FF2B5EF4-FFF2-40B4-BE49-F238E27FC236}">
-                      <a16:creationId xmlns:a16="http://schemas.microsoft.com/office/drawing/2014/main" id="{64527EFF-55C2-574E-8F4E-6F8B01ABB2DA}"/>
-                    </a:ext>
-                  </a:extLst>
-                </p:cNvPr>
-                <p:cNvPicPr/>
-                <p:nvPr/>
-              </p:nvPicPr>
-              <p:blipFill>
-                <a:blip r:embed="rId59"/>
-                <a:stretch>
-                  <a:fillRect/>
-                </a:stretch>
-              </p:blipFill>
-              <p:spPr>
-                <a:xfrm>
-                  <a:off x="3591406" y="1451382"/>
-                  <a:ext cx="699480" cy="924840"/>
-                </a:xfrm>
-                <a:prstGeom prst="rect">
-                  <a:avLst/>
-                </a:prstGeom>
-              </p:spPr>
-            </p:pic>
-          </mc:Fallback>
-        </mc:AlternateContent>
-        <mc:AlternateContent xmlns:mc="http://schemas.openxmlformats.org/markup-compatibility/2006">
-          <mc:Choice xmlns:p14="http://schemas.microsoft.com/office/powerpoint/2010/main" Requires="p14">
-            <p:contentPart p14:bwMode="auto" r:id="rId60">
-              <p14:nvContentPartPr>
-                <p14:cNvPr id="11" name="Pennanteckning 10">
-                  <a:extLst>
-                    <a:ext uri="{FF2B5EF4-FFF2-40B4-BE49-F238E27FC236}">
-                      <a16:creationId xmlns:a16="http://schemas.microsoft.com/office/drawing/2014/main" id="{84084EB2-0098-894E-A9EC-C9EC1240CBFB}"/>
-                    </a:ext>
-                  </a:extLst>
-                </p14:cNvPr>
-                <p14:cNvContentPartPr/>
-                <p14:nvPr/>
-              </p14:nvContentPartPr>
-              <p14:xfrm>
-                <a:off x="4354246" y="1523382"/>
-                <a:ext cx="84600" cy="1447200"/>
-              </p14:xfrm>
-            </p:contentPart>
-          </mc:Choice>
-          <mc:Fallback>
-            <p:pic>
-              <p:nvPicPr>
-                <p:cNvPr id="11" name="Pennanteckning 10">
-                  <a:extLst>
-                    <a:ext uri="{FF2B5EF4-FFF2-40B4-BE49-F238E27FC236}">
-                      <a16:creationId xmlns:a16="http://schemas.microsoft.com/office/drawing/2014/main" id="{84084EB2-0098-894E-A9EC-C9EC1240CBFB}"/>
-                    </a:ext>
-                  </a:extLst>
-                </p:cNvPr>
-                <p:cNvPicPr/>
-                <p:nvPr/>
-              </p:nvPicPr>
-              <p:blipFill>
-                <a:blip r:embed="rId61"/>
-                <a:stretch>
-                  <a:fillRect/>
-                </a:stretch>
-              </p:blipFill>
-              <p:spPr>
-                <a:xfrm>
-                  <a:off x="4336246" y="1505742"/>
-                  <a:ext cx="120240" cy="1482840"/>
-                </a:xfrm>
-                <a:prstGeom prst="rect">
-                  <a:avLst/>
-                </a:prstGeom>
-              </p:spPr>
-            </p:pic>
-          </mc:Fallback>
-        </mc:AlternateContent>
-        <mc:AlternateContent xmlns:mc="http://schemas.openxmlformats.org/markup-compatibility/2006">
-          <mc:Choice xmlns:p14="http://schemas.microsoft.com/office/powerpoint/2010/main" Requires="p14">
-            <p:contentPart p14:bwMode="auto" r:id="rId62">
-              <p14:nvContentPartPr>
-                <p14:cNvPr id="13" name="Pennanteckning 12">
-                  <a:extLst>
-                    <a:ext uri="{FF2B5EF4-FFF2-40B4-BE49-F238E27FC236}">
-                      <a16:creationId xmlns:a16="http://schemas.microsoft.com/office/drawing/2014/main" id="{6885ED99-D070-BD42-9929-328560FE77F0}"/>
-                    </a:ext>
-                  </a:extLst>
-                </p14:cNvPr>
-                <p14:cNvContentPartPr/>
-                <p14:nvPr/>
-              </p14:nvContentPartPr>
-              <p14:xfrm>
-                <a:off x="4463686" y="1424742"/>
-                <a:ext cx="676080" cy="961920"/>
-              </p14:xfrm>
-            </p:contentPart>
-          </mc:Choice>
-          <mc:Fallback>
-            <p:pic>
-              <p:nvPicPr>
-                <p:cNvPr id="13" name="Pennanteckning 12">
-                  <a:extLst>
-                    <a:ext uri="{FF2B5EF4-FFF2-40B4-BE49-F238E27FC236}">
-                      <a16:creationId xmlns:a16="http://schemas.microsoft.com/office/drawing/2014/main" id="{6885ED99-D070-BD42-9929-328560FE77F0}"/>
-                    </a:ext>
-                  </a:extLst>
-                </p:cNvPr>
-                <p:cNvPicPr/>
-                <p:nvPr/>
-              </p:nvPicPr>
-              <p:blipFill>
-                <a:blip r:embed="rId63"/>
-                <a:stretch>
-                  <a:fillRect/>
-                </a:stretch>
-              </p:blipFill>
-              <p:spPr>
-                <a:xfrm>
-                  <a:off x="4445686" y="1407102"/>
-                  <a:ext cx="711720" cy="997560"/>
-                </a:xfrm>
-                <a:prstGeom prst="rect">
-                  <a:avLst/>
-                </a:prstGeom>
-              </p:spPr>
-            </p:pic>
-          </mc:Fallback>
-        </mc:AlternateContent>
-        <mc:AlternateContent xmlns:mc="http://schemas.openxmlformats.org/markup-compatibility/2006">
-          <mc:Choice xmlns:p14="http://schemas.microsoft.com/office/powerpoint/2010/main" Requires="p14">
-            <p:contentPart p14:bwMode="auto" r:id="rId64">
-              <p14:nvContentPartPr>
-                <p14:cNvPr id="15" name="Pennanteckning 14">
-                  <a:extLst>
-                    <a:ext uri="{FF2B5EF4-FFF2-40B4-BE49-F238E27FC236}">
-                      <a16:creationId xmlns:a16="http://schemas.microsoft.com/office/drawing/2014/main" id="{877BD51C-E805-514B-8B28-82B3F4BA71A4}"/>
-                    </a:ext>
-                  </a:extLst>
-                </p14:cNvPr>
-                <p14:cNvContentPartPr/>
-                <p14:nvPr/>
-              </p14:nvContentPartPr>
-              <p14:xfrm>
-                <a:off x="5397166" y="1522302"/>
-                <a:ext cx="523800" cy="637200"/>
-              </p14:xfrm>
-            </p:contentPart>
-          </mc:Choice>
-          <mc:Fallback>
-            <p:pic>
-              <p:nvPicPr>
-                <p:cNvPr id="15" name="Pennanteckning 14">
-                  <a:extLst>
-                    <a:ext uri="{FF2B5EF4-FFF2-40B4-BE49-F238E27FC236}">
-                      <a16:creationId xmlns:a16="http://schemas.microsoft.com/office/drawing/2014/main" id="{877BD51C-E805-514B-8B28-82B3F4BA71A4}"/>
-                    </a:ext>
-                  </a:extLst>
-                </p:cNvPr>
-                <p:cNvPicPr/>
-                <p:nvPr/>
-              </p:nvPicPr>
-              <p:blipFill>
-                <a:blip r:embed="rId65"/>
-                <a:stretch>
-                  <a:fillRect/>
-                </a:stretch>
-              </p:blipFill>
-              <p:spPr>
-                <a:xfrm>
-                  <a:off x="5379166" y="1504662"/>
-                  <a:ext cx="559440" cy="672840"/>
-                </a:xfrm>
-                <a:prstGeom prst="rect">
-                  <a:avLst/>
-                </a:prstGeom>
-              </p:spPr>
-            </p:pic>
-          </mc:Fallback>
-        </mc:AlternateContent>
-        <mc:AlternateContent xmlns:mc="http://schemas.openxmlformats.org/markup-compatibility/2006">
-          <mc:Choice xmlns:p14="http://schemas.microsoft.com/office/powerpoint/2010/main" Requires="p14">
-            <p:contentPart p14:bwMode="auto" r:id="rId66">
-              <p14:nvContentPartPr>
-                <p14:cNvPr id="17" name="Pennanteckning 16">
-                  <a:extLst>
-                    <a:ext uri="{FF2B5EF4-FFF2-40B4-BE49-F238E27FC236}">
-                      <a16:creationId xmlns:a16="http://schemas.microsoft.com/office/drawing/2014/main" id="{A2D1EE82-F017-474E-9F63-088BA1419532}"/>
-                    </a:ext>
-                  </a:extLst>
-                </p14:cNvPr>
-                <p14:cNvContentPartPr/>
-                <p14:nvPr/>
-              </p14:nvContentPartPr>
-              <p14:xfrm>
-                <a:off x="5992606" y="1679622"/>
-                <a:ext cx="294120" cy="476640"/>
-              </p14:xfrm>
-            </p:contentPart>
-          </mc:Choice>
-          <mc:Fallback>
-            <p:pic>
-              <p:nvPicPr>
-                <p:cNvPr id="17" name="Pennanteckning 16">
-                  <a:extLst>
-                    <a:ext uri="{FF2B5EF4-FFF2-40B4-BE49-F238E27FC236}">
-                      <a16:creationId xmlns:a16="http://schemas.microsoft.com/office/drawing/2014/main" id="{A2D1EE82-F017-474E-9F63-088BA1419532}"/>
-                    </a:ext>
-                  </a:extLst>
-                </p:cNvPr>
-                <p:cNvPicPr/>
-                <p:nvPr/>
-              </p:nvPicPr>
-              <p:blipFill>
-                <a:blip r:embed="rId67"/>
-                <a:stretch>
-                  <a:fillRect/>
-                </a:stretch>
-              </p:blipFill>
-              <p:spPr>
-                <a:xfrm>
-                  <a:off x="5974606" y="1661622"/>
-                  <a:ext cx="329760" cy="512280"/>
-                </a:xfrm>
-                <a:prstGeom prst="rect">
-                  <a:avLst/>
-                </a:prstGeom>
-              </p:spPr>
-            </p:pic>
-          </mc:Fallback>
-        </mc:AlternateContent>
-        <mc:AlternateContent xmlns:mc="http://schemas.openxmlformats.org/markup-compatibility/2006">
-          <mc:Choice xmlns:p14="http://schemas.microsoft.com/office/powerpoint/2010/main" Requires="p14">
-            <p:contentPart p14:bwMode="auto" r:id="rId68">
-              <p14:nvContentPartPr>
-                <p14:cNvPr id="19" name="Pennanteckning 18">
-                  <a:extLst>
-                    <a:ext uri="{FF2B5EF4-FFF2-40B4-BE49-F238E27FC236}">
-                      <a16:creationId xmlns:a16="http://schemas.microsoft.com/office/drawing/2014/main" id="{E24073F2-12F7-C343-85F8-023ACDAB4287}"/>
-                    </a:ext>
-                  </a:extLst>
-                </p14:cNvPr>
-                <p14:cNvContentPartPr/>
-                <p14:nvPr/>
-              </p14:nvContentPartPr>
-              <p14:xfrm>
-                <a:off x="6253246" y="1354902"/>
-                <a:ext cx="668880" cy="806760"/>
-              </p14:xfrm>
-            </p:contentPart>
-          </mc:Choice>
-          <mc:Fallback>
-            <p:pic>
-              <p:nvPicPr>
-                <p:cNvPr id="19" name="Pennanteckning 18">
-                  <a:extLst>
-                    <a:ext uri="{FF2B5EF4-FFF2-40B4-BE49-F238E27FC236}">
-                      <a16:creationId xmlns:a16="http://schemas.microsoft.com/office/drawing/2014/main" id="{E24073F2-12F7-C343-85F8-023ACDAB4287}"/>
-                    </a:ext>
-                  </a:extLst>
-                </p:cNvPr>
-                <p:cNvPicPr/>
-                <p:nvPr/>
-              </p:nvPicPr>
-              <p:blipFill>
-                <a:blip r:embed="rId69"/>
-                <a:stretch>
-                  <a:fillRect/>
-                </a:stretch>
-              </p:blipFill>
-              <p:spPr>
-                <a:xfrm>
-                  <a:off x="6235606" y="1337262"/>
-                  <a:ext cx="704520" cy="842400"/>
-                </a:xfrm>
-                <a:prstGeom prst="rect">
-                  <a:avLst/>
-                </a:prstGeom>
-              </p:spPr>
-            </p:pic>
-          </mc:Fallback>
-        </mc:AlternateContent>
-        <mc:AlternateContent xmlns:mc="http://schemas.openxmlformats.org/markup-compatibility/2006">
-          <mc:Choice xmlns:p14="http://schemas.microsoft.com/office/powerpoint/2010/main" Requires="p14">
-            <p:contentPart p14:bwMode="auto" r:id="rId70">
-              <p14:nvContentPartPr>
-                <p14:cNvPr id="21" name="Pennanteckning 20">
-                  <a:extLst>
-                    <a:ext uri="{FF2B5EF4-FFF2-40B4-BE49-F238E27FC236}">
-                      <a16:creationId xmlns:a16="http://schemas.microsoft.com/office/drawing/2014/main" id="{77DC815E-3931-0948-95C7-CD5A751F09E9}"/>
-                    </a:ext>
-                  </a:extLst>
-                </p14:cNvPr>
-                <p14:cNvContentPartPr/>
-                <p14:nvPr/>
-              </p14:nvContentPartPr>
-              <p14:xfrm>
-                <a:off x="6283486" y="1470102"/>
-                <a:ext cx="271800" cy="694080"/>
-              </p14:xfrm>
-            </p:contentPart>
-          </mc:Choice>
-          <mc:Fallback>
-            <p:pic>
-              <p:nvPicPr>
-                <p:cNvPr id="21" name="Pennanteckning 20">
-                  <a:extLst>
-                    <a:ext uri="{FF2B5EF4-FFF2-40B4-BE49-F238E27FC236}">
-                      <a16:creationId xmlns:a16="http://schemas.microsoft.com/office/drawing/2014/main" id="{77DC815E-3931-0948-95C7-CD5A751F09E9}"/>
-                    </a:ext>
-                  </a:extLst>
-                </p:cNvPr>
-                <p:cNvPicPr/>
-                <p:nvPr/>
-              </p:nvPicPr>
-              <p:blipFill>
-                <a:blip r:embed="rId71"/>
-                <a:stretch>
-                  <a:fillRect/>
-                </a:stretch>
-              </p:blipFill>
-              <p:spPr>
-                <a:xfrm>
-                  <a:off x="6265846" y="1452462"/>
-                  <a:ext cx="307440" cy="729720"/>
-                </a:xfrm>
-                <a:prstGeom prst="rect">
-                  <a:avLst/>
-                </a:prstGeom>
-              </p:spPr>
-            </p:pic>
-          </mc:Fallback>
-        </mc:AlternateContent>
-        <mc:AlternateContent xmlns:mc="http://schemas.openxmlformats.org/markup-compatibility/2006">
-          <mc:Choice xmlns:p14="http://schemas.microsoft.com/office/powerpoint/2010/main" Requires="p14">
-            <p:contentPart p14:bwMode="auto" r:id="rId72">
-              <p14:nvContentPartPr>
-                <p14:cNvPr id="23" name="Pennanteckning 22">
-                  <a:extLst>
-                    <a:ext uri="{FF2B5EF4-FFF2-40B4-BE49-F238E27FC236}">
-                      <a16:creationId xmlns:a16="http://schemas.microsoft.com/office/drawing/2014/main" id="{63361641-AEF6-D543-8E5E-894DD40EB7B3}"/>
-                    </a:ext>
-                  </a:extLst>
-                </p14:cNvPr>
-                <p14:cNvContentPartPr/>
-                <p14:nvPr/>
-              </p14:nvContentPartPr>
-              <p14:xfrm>
-                <a:off x="7155406" y="2046102"/>
-                <a:ext cx="3240" cy="29520"/>
-              </p14:xfrm>
-            </p:contentPart>
-          </mc:Choice>
-          <mc:Fallback>
-            <p:pic>
-              <p:nvPicPr>
-                <p:cNvPr id="23" name="Pennanteckning 22">
-                  <a:extLst>
-                    <a:ext uri="{FF2B5EF4-FFF2-40B4-BE49-F238E27FC236}">
-                      <a16:creationId xmlns:a16="http://schemas.microsoft.com/office/drawing/2014/main" id="{63361641-AEF6-D543-8E5E-894DD40EB7B3}"/>
-                    </a:ext>
-                  </a:extLst>
-                </p:cNvPr>
-                <p:cNvPicPr/>
-                <p:nvPr/>
-              </p:nvPicPr>
-              <p:blipFill>
-                <a:blip r:embed="rId73"/>
-                <a:stretch>
-                  <a:fillRect/>
-                </a:stretch>
-              </p:blipFill>
-              <p:spPr>
-                <a:xfrm>
-                  <a:off x="7137406" y="2028102"/>
-                  <a:ext cx="38880" cy="65160"/>
-                </a:xfrm>
-                <a:prstGeom prst="rect">
-                  <a:avLst/>
-                </a:prstGeom>
-              </p:spPr>
-            </p:pic>
-          </mc:Fallback>
-        </mc:AlternateContent>
-        <mc:AlternateContent xmlns:mc="http://schemas.openxmlformats.org/markup-compatibility/2006">
-          <mc:Choice xmlns:p14="http://schemas.microsoft.com/office/powerpoint/2010/main" Requires="p14">
-            <p:contentPart p14:bwMode="auto" r:id="rId74">
-              <p14:nvContentPartPr>
-                <p14:cNvPr id="37" name="Pennanteckning 36">
-                  <a:extLst>
-                    <a:ext uri="{FF2B5EF4-FFF2-40B4-BE49-F238E27FC236}">
-                      <a16:creationId xmlns:a16="http://schemas.microsoft.com/office/drawing/2014/main" id="{E20A43DE-4080-9C48-BF02-40116BB7F672}"/>
-                    </a:ext>
-                  </a:extLst>
-                </p14:cNvPr>
-                <p14:cNvContentPartPr/>
-                <p14:nvPr/>
-              </p14:nvContentPartPr>
-              <p14:xfrm>
-                <a:off x="1762246" y="2646582"/>
-                <a:ext cx="556200" cy="1129680"/>
-              </p14:xfrm>
-            </p:contentPart>
-          </mc:Choice>
-          <mc:Fallback>
-            <p:pic>
-              <p:nvPicPr>
-                <p:cNvPr id="37" name="Pennanteckning 36">
-                  <a:extLst>
-                    <a:ext uri="{FF2B5EF4-FFF2-40B4-BE49-F238E27FC236}">
-                      <a16:creationId xmlns:a16="http://schemas.microsoft.com/office/drawing/2014/main" id="{E20A43DE-4080-9C48-BF02-40116BB7F672}"/>
-                    </a:ext>
-                  </a:extLst>
-                </p:cNvPr>
-                <p:cNvPicPr/>
-                <p:nvPr/>
-              </p:nvPicPr>
-              <p:blipFill>
-                <a:blip r:embed="rId75"/>
-                <a:stretch>
-                  <a:fillRect/>
-                </a:stretch>
-              </p:blipFill>
-              <p:spPr>
-                <a:xfrm>
-                  <a:off x="1744606" y="2628942"/>
-                  <a:ext cx="591840" cy="1165320"/>
-                </a:xfrm>
-                <a:prstGeom prst="rect">
-                  <a:avLst/>
-                </a:prstGeom>
-              </p:spPr>
-            </p:pic>
-          </mc:Fallback>
-        </mc:AlternateContent>
-        <mc:AlternateContent xmlns:mc="http://schemas.openxmlformats.org/markup-compatibility/2006">
-          <mc:Choice xmlns:p14="http://schemas.microsoft.com/office/powerpoint/2010/main" Requires="p14">
-            <p:contentPart p14:bwMode="auto" r:id="rId76">
-              <p14:nvContentPartPr>
-                <p14:cNvPr id="38" name="Pennanteckning 37">
-                  <a:extLst>
-                    <a:ext uri="{FF2B5EF4-FFF2-40B4-BE49-F238E27FC236}">
-                      <a16:creationId xmlns:a16="http://schemas.microsoft.com/office/drawing/2014/main" id="{4B2CB802-4F31-9B43-A06B-0B48F3E893CD}"/>
-                    </a:ext>
-                  </a:extLst>
-                </p14:cNvPr>
-                <p14:cNvContentPartPr/>
-                <p14:nvPr/>
-              </p14:nvContentPartPr>
-              <p14:xfrm>
-                <a:off x="2526886" y="3220062"/>
-                <a:ext cx="528480" cy="645840"/>
-              </p14:xfrm>
-            </p:contentPart>
-          </mc:Choice>
-          <mc:Fallback>
-            <p:pic>
-              <p:nvPicPr>
-                <p:cNvPr id="38" name="Pennanteckning 37">
-                  <a:extLst>
-                    <a:ext uri="{FF2B5EF4-FFF2-40B4-BE49-F238E27FC236}">
-                      <a16:creationId xmlns:a16="http://schemas.microsoft.com/office/drawing/2014/main" id="{4B2CB802-4F31-9B43-A06B-0B48F3E893CD}"/>
-                    </a:ext>
-                  </a:extLst>
-                </p:cNvPr>
-                <p:cNvPicPr/>
-                <p:nvPr/>
-              </p:nvPicPr>
-              <p:blipFill>
-                <a:blip r:embed="rId77"/>
-                <a:stretch>
-                  <a:fillRect/>
-                </a:stretch>
-              </p:blipFill>
-              <p:spPr>
-                <a:xfrm>
-                  <a:off x="2509246" y="3202422"/>
-                  <a:ext cx="564120" cy="681480"/>
-                </a:xfrm>
-                <a:prstGeom prst="rect">
-                  <a:avLst/>
-                </a:prstGeom>
-              </p:spPr>
-            </p:pic>
-          </mc:Fallback>
-        </mc:AlternateContent>
-        <mc:AlternateContent xmlns:mc="http://schemas.openxmlformats.org/markup-compatibility/2006">
-          <mc:Choice xmlns:p14="http://schemas.microsoft.com/office/powerpoint/2010/main" Requires="p14">
-            <p:contentPart p14:bwMode="auto" r:id="rId78">
-              <p14:nvContentPartPr>
-                <p14:cNvPr id="40" name="Pennanteckning 39">
-                  <a:extLst>
-                    <a:ext uri="{FF2B5EF4-FFF2-40B4-BE49-F238E27FC236}">
-                      <a16:creationId xmlns:a16="http://schemas.microsoft.com/office/drawing/2014/main" id="{5D3AB4A1-D425-CA43-8476-7A4758312F35}"/>
-                    </a:ext>
-                  </a:extLst>
-                </p14:cNvPr>
-                <p14:cNvContentPartPr/>
-                <p14:nvPr/>
-              </p14:nvContentPartPr>
-              <p14:xfrm>
-                <a:off x="3215206" y="2749542"/>
-                <a:ext cx="500040" cy="1321200"/>
-              </p14:xfrm>
-            </p:contentPart>
-          </mc:Choice>
-          <mc:Fallback>
-            <p:pic>
-              <p:nvPicPr>
-                <p:cNvPr id="40" name="Pennanteckning 39">
-                  <a:extLst>
-                    <a:ext uri="{FF2B5EF4-FFF2-40B4-BE49-F238E27FC236}">
-                      <a16:creationId xmlns:a16="http://schemas.microsoft.com/office/drawing/2014/main" id="{5D3AB4A1-D425-CA43-8476-7A4758312F35}"/>
-                    </a:ext>
-                  </a:extLst>
-                </p:cNvPr>
-                <p:cNvPicPr/>
-                <p:nvPr/>
-              </p:nvPicPr>
-              <p:blipFill>
-                <a:blip r:embed="rId79"/>
-                <a:stretch>
-                  <a:fillRect/>
-                </a:stretch>
-              </p:blipFill>
-              <p:spPr>
-                <a:xfrm>
-                  <a:off x="3197566" y="2731542"/>
-                  <a:ext cx="535680" cy="1356840"/>
-                </a:xfrm>
-                <a:prstGeom prst="rect">
-                  <a:avLst/>
-                </a:prstGeom>
-              </p:spPr>
-            </p:pic>
-          </mc:Fallback>
-        </mc:AlternateContent>
-        <mc:AlternateContent xmlns:mc="http://schemas.openxmlformats.org/markup-compatibility/2006">
-          <mc:Choice xmlns:p14="http://schemas.microsoft.com/office/powerpoint/2010/main" Requires="p14">
-            <p:contentPart p14:bwMode="auto" r:id="rId80">
-              <p14:nvContentPartPr>
-                <p14:cNvPr id="41" name="Pennanteckning 40">
-                  <a:extLst>
-                    <a:ext uri="{FF2B5EF4-FFF2-40B4-BE49-F238E27FC236}">
-                      <a16:creationId xmlns:a16="http://schemas.microsoft.com/office/drawing/2014/main" id="{B224DE33-3EA2-6546-ABFC-E16CCBED4FAC}"/>
-                    </a:ext>
-                  </a:extLst>
-                </p14:cNvPr>
-                <p14:cNvContentPartPr/>
-                <p14:nvPr/>
-              </p14:nvContentPartPr>
-              <p14:xfrm>
-                <a:off x="3866086" y="3456942"/>
-                <a:ext cx="582120" cy="525600"/>
-              </p14:xfrm>
-            </p:contentPart>
-          </mc:Choice>
-          <mc:Fallback>
-            <p:pic>
-              <p:nvPicPr>
-                <p:cNvPr id="41" name="Pennanteckning 40">
-                  <a:extLst>
-                    <a:ext uri="{FF2B5EF4-FFF2-40B4-BE49-F238E27FC236}">
-                      <a16:creationId xmlns:a16="http://schemas.microsoft.com/office/drawing/2014/main" id="{B224DE33-3EA2-6546-ABFC-E16CCBED4FAC}"/>
-                    </a:ext>
-                  </a:extLst>
-                </p:cNvPr>
-                <p:cNvPicPr/>
-                <p:nvPr/>
-              </p:nvPicPr>
-              <p:blipFill>
-                <a:blip r:embed="rId81"/>
-                <a:stretch>
-                  <a:fillRect/>
-                </a:stretch>
-              </p:blipFill>
-              <p:spPr>
-                <a:xfrm>
-                  <a:off x="3848086" y="3438942"/>
-                  <a:ext cx="617760" cy="561240"/>
-                </a:xfrm>
-                <a:prstGeom prst="rect">
-                  <a:avLst/>
-                </a:prstGeom>
-              </p:spPr>
-            </p:pic>
-          </mc:Fallback>
-        </mc:AlternateContent>
-        <mc:AlternateContent xmlns:mc="http://schemas.openxmlformats.org/markup-compatibility/2006">
-          <mc:Choice xmlns:p14="http://schemas.microsoft.com/office/powerpoint/2010/main" Requires="p14">
-            <p:contentPart p14:bwMode="auto" r:id="rId82">
-              <p14:nvContentPartPr>
-                <p14:cNvPr id="42" name="Pennanteckning 41">
-                  <a:extLst>
-                    <a:ext uri="{FF2B5EF4-FFF2-40B4-BE49-F238E27FC236}">
-                      <a16:creationId xmlns:a16="http://schemas.microsoft.com/office/drawing/2014/main" id="{2FA8B7EA-72FB-4549-BA79-9587D5AEE6C0}"/>
-                    </a:ext>
-                  </a:extLst>
-                </p14:cNvPr>
-                <p14:cNvContentPartPr/>
-                <p14:nvPr/>
-              </p14:nvContentPartPr>
-              <p14:xfrm>
-                <a:off x="4731526" y="3380982"/>
-                <a:ext cx="438840" cy="541080"/>
-              </p14:xfrm>
-            </p:contentPart>
-          </mc:Choice>
-          <mc:Fallback>
-            <p:pic>
-              <p:nvPicPr>
-                <p:cNvPr id="42" name="Pennanteckning 41">
-                  <a:extLst>
-                    <a:ext uri="{FF2B5EF4-FFF2-40B4-BE49-F238E27FC236}">
-                      <a16:creationId xmlns:a16="http://schemas.microsoft.com/office/drawing/2014/main" id="{2FA8B7EA-72FB-4549-BA79-9587D5AEE6C0}"/>
-                    </a:ext>
-                  </a:extLst>
-                </p:cNvPr>
-                <p:cNvPicPr/>
-                <p:nvPr/>
-              </p:nvPicPr>
-              <p:blipFill>
-                <a:blip r:embed="rId83"/>
-                <a:stretch>
-                  <a:fillRect/>
-                </a:stretch>
-              </p:blipFill>
-              <p:spPr>
-                <a:xfrm>
-                  <a:off x="4713526" y="3362982"/>
-                  <a:ext cx="474480" cy="576720"/>
-                </a:xfrm>
-                <a:prstGeom prst="rect">
-                  <a:avLst/>
-                </a:prstGeom>
-              </p:spPr>
-            </p:pic>
-          </mc:Fallback>
-        </mc:AlternateContent>
-        <mc:AlternateContent xmlns:mc="http://schemas.openxmlformats.org/markup-compatibility/2006">
-          <mc:Choice xmlns:p14="http://schemas.microsoft.com/office/powerpoint/2010/main" Requires="p14">
-            <p:contentPart p14:bwMode="auto" r:id="rId84">
-              <p14:nvContentPartPr>
-                <p14:cNvPr id="44" name="Pennanteckning 43">
-                  <a:extLst>
-                    <a:ext uri="{FF2B5EF4-FFF2-40B4-BE49-F238E27FC236}">
-                      <a16:creationId xmlns:a16="http://schemas.microsoft.com/office/drawing/2014/main" id="{4A70A7A8-E6E9-D848-96FF-B40B1F03BE13}"/>
-                    </a:ext>
-                  </a:extLst>
-                </p14:cNvPr>
-                <p14:cNvContentPartPr/>
-                <p14:nvPr/>
-              </p14:nvContentPartPr>
-              <p14:xfrm>
-                <a:off x="5418766" y="3470262"/>
-                <a:ext cx="498600" cy="578160"/>
-              </p14:xfrm>
-            </p:contentPart>
-          </mc:Choice>
-          <mc:Fallback>
-            <p:pic>
-              <p:nvPicPr>
-                <p:cNvPr id="44" name="Pennanteckning 43">
-                  <a:extLst>
-                    <a:ext uri="{FF2B5EF4-FFF2-40B4-BE49-F238E27FC236}">
-                      <a16:creationId xmlns:a16="http://schemas.microsoft.com/office/drawing/2014/main" id="{4A70A7A8-E6E9-D848-96FF-B40B1F03BE13}"/>
-                    </a:ext>
-                  </a:extLst>
-                </p:cNvPr>
-                <p:cNvPicPr/>
-                <p:nvPr/>
-              </p:nvPicPr>
-              <p:blipFill>
-                <a:blip r:embed="rId85"/>
-                <a:stretch>
-                  <a:fillRect/>
-                </a:stretch>
-              </p:blipFill>
-              <p:spPr>
-                <a:xfrm>
-                  <a:off x="5400766" y="3452622"/>
-                  <a:ext cx="534240" cy="613800"/>
-                </a:xfrm>
-                <a:prstGeom prst="rect">
-                  <a:avLst/>
-                </a:prstGeom>
-              </p:spPr>
-            </p:pic>
-          </mc:Fallback>
-        </mc:AlternateContent>
-        <mc:AlternateContent xmlns:mc="http://schemas.openxmlformats.org/markup-compatibility/2006">
-          <mc:Choice xmlns:p14="http://schemas.microsoft.com/office/powerpoint/2010/main" Requires="p14">
-            <p:contentPart p14:bwMode="auto" r:id="rId86">
-              <p14:nvContentPartPr>
-                <p14:cNvPr id="45" name="Pennanteckning 44">
-                  <a:extLst>
-                    <a:ext uri="{FF2B5EF4-FFF2-40B4-BE49-F238E27FC236}">
-                      <a16:creationId xmlns:a16="http://schemas.microsoft.com/office/drawing/2014/main" id="{AE713988-6B76-0F41-BBE5-03C5267D8D60}"/>
-                    </a:ext>
-                  </a:extLst>
-                </p14:cNvPr>
-                <p14:cNvContentPartPr/>
-                <p14:nvPr/>
-              </p14:nvContentPartPr>
-              <p14:xfrm>
-                <a:off x="6073246" y="3218982"/>
-                <a:ext cx="487080" cy="677520"/>
-              </p14:xfrm>
-            </p:contentPart>
-          </mc:Choice>
-          <mc:Fallback>
-            <p:pic>
-              <p:nvPicPr>
-                <p:cNvPr id="45" name="Pennanteckning 44">
-                  <a:extLst>
-                    <a:ext uri="{FF2B5EF4-FFF2-40B4-BE49-F238E27FC236}">
-                      <a16:creationId xmlns:a16="http://schemas.microsoft.com/office/drawing/2014/main" id="{AE713988-6B76-0F41-BBE5-03C5267D8D60}"/>
-                    </a:ext>
-                  </a:extLst>
-                </p:cNvPr>
-                <p:cNvPicPr/>
-                <p:nvPr/>
-              </p:nvPicPr>
-              <p:blipFill>
-                <a:blip r:embed="rId87"/>
-                <a:stretch>
-                  <a:fillRect/>
-                </a:stretch>
-              </p:blipFill>
-              <p:spPr>
-                <a:xfrm>
-                  <a:off x="6055606" y="3201342"/>
-                  <a:ext cx="522720" cy="713160"/>
-                </a:xfrm>
-                <a:prstGeom prst="rect">
-                  <a:avLst/>
-                </a:prstGeom>
-              </p:spPr>
-            </p:pic>
-          </mc:Fallback>
-        </mc:AlternateContent>
-        <mc:AlternateContent xmlns:mc="http://schemas.openxmlformats.org/markup-compatibility/2006">
-          <mc:Choice xmlns:p14="http://schemas.microsoft.com/office/powerpoint/2010/main" Requires="p14">
-            <p:contentPart p14:bwMode="auto" r:id="rId88">
-              <p14:nvContentPartPr>
-                <p14:cNvPr id="46" name="Pennanteckning 45">
-                  <a:extLst>
-                    <a:ext uri="{FF2B5EF4-FFF2-40B4-BE49-F238E27FC236}">
-                      <a16:creationId xmlns:a16="http://schemas.microsoft.com/office/drawing/2014/main" id="{3DE25235-F93C-024C-827E-D802793DEA05}"/>
-                    </a:ext>
-                  </a:extLst>
-                </p14:cNvPr>
-                <p14:cNvContentPartPr/>
-                <p14:nvPr/>
-              </p14:nvContentPartPr>
-              <p14:xfrm>
-                <a:off x="6861286" y="3500502"/>
-                <a:ext cx="12960" cy="441720"/>
-              </p14:xfrm>
-            </p:contentPart>
-          </mc:Choice>
-          <mc:Fallback>
-            <p:pic>
-              <p:nvPicPr>
-                <p:cNvPr id="46" name="Pennanteckning 45">
-                  <a:extLst>
-                    <a:ext uri="{FF2B5EF4-FFF2-40B4-BE49-F238E27FC236}">
-                      <a16:creationId xmlns:a16="http://schemas.microsoft.com/office/drawing/2014/main" id="{3DE25235-F93C-024C-827E-D802793DEA05}"/>
-                    </a:ext>
-                  </a:extLst>
-                </p:cNvPr>
-                <p:cNvPicPr/>
-                <p:nvPr/>
-              </p:nvPicPr>
-              <p:blipFill>
-                <a:blip r:embed="rId89"/>
-                <a:stretch>
-                  <a:fillRect/>
-                </a:stretch>
-              </p:blipFill>
-              <p:spPr>
-                <a:xfrm>
-                  <a:off x="6843286" y="3482862"/>
-                  <a:ext cx="48600" cy="477360"/>
-                </a:xfrm>
-                <a:prstGeom prst="rect">
-                  <a:avLst/>
-                </a:prstGeom>
-              </p:spPr>
-            </p:pic>
-          </mc:Fallback>
-        </mc:AlternateContent>
-        <mc:AlternateContent xmlns:mc="http://schemas.openxmlformats.org/markup-compatibility/2006">
-          <mc:Choice xmlns:p14="http://schemas.microsoft.com/office/powerpoint/2010/main" Requires="p14">
-            <p:contentPart p14:bwMode="auto" r:id="rId90">
-              <p14:nvContentPartPr>
-                <p14:cNvPr id="47" name="Pennanteckning 46">
-                  <a:extLst>
-                    <a:ext uri="{FF2B5EF4-FFF2-40B4-BE49-F238E27FC236}">
-                      <a16:creationId xmlns:a16="http://schemas.microsoft.com/office/drawing/2014/main" id="{B9EC013A-B95C-D64B-BC9D-728C433A66C9}"/>
-                    </a:ext>
-                  </a:extLst>
-                </p14:cNvPr>
-                <p14:cNvContentPartPr/>
-                <p14:nvPr/>
-              </p14:nvContentPartPr>
-              <p14:xfrm>
-                <a:off x="6818086" y="2995782"/>
-                <a:ext cx="176400" cy="178200"/>
-              </p14:xfrm>
-            </p:contentPart>
-          </mc:Choice>
-          <mc:Fallback>
-            <p:pic>
-              <p:nvPicPr>
-                <p:cNvPr id="47" name="Pennanteckning 46">
-                  <a:extLst>
-                    <a:ext uri="{FF2B5EF4-FFF2-40B4-BE49-F238E27FC236}">
-                      <a16:creationId xmlns:a16="http://schemas.microsoft.com/office/drawing/2014/main" id="{B9EC013A-B95C-D64B-BC9D-728C433A66C9}"/>
-                    </a:ext>
-                  </a:extLst>
-                </p:cNvPr>
-                <p:cNvPicPr/>
-                <p:nvPr/>
-              </p:nvPicPr>
-              <p:blipFill>
-                <a:blip r:embed="rId91"/>
-                <a:stretch>
-                  <a:fillRect/>
-                </a:stretch>
-              </p:blipFill>
-              <p:spPr>
-                <a:xfrm>
-                  <a:off x="6800086" y="2978142"/>
-                  <a:ext cx="212040" cy="213840"/>
-                </a:xfrm>
-                <a:prstGeom prst="rect">
-                  <a:avLst/>
-                </a:prstGeom>
-              </p:spPr>
-            </p:pic>
-          </mc:Fallback>
-        </mc:AlternateContent>
-        <mc:AlternateContent xmlns:mc="http://schemas.openxmlformats.org/markup-compatibility/2006">
-          <mc:Choice xmlns:p14="http://schemas.microsoft.com/office/powerpoint/2010/main" Requires="p14">
-            <p:contentPart p14:bwMode="auto" r:id="rId92">
-              <p14:nvContentPartPr>
-                <p14:cNvPr id="49" name="Pennanteckning 48">
-                  <a:extLst>
-                    <a:ext uri="{FF2B5EF4-FFF2-40B4-BE49-F238E27FC236}">
-                      <a16:creationId xmlns:a16="http://schemas.microsoft.com/office/drawing/2014/main" id="{979C1EC3-8223-3845-A798-7467B78C541A}"/>
-                    </a:ext>
-                  </a:extLst>
-                </p14:cNvPr>
-                <p14:cNvContentPartPr/>
-                <p14:nvPr/>
-              </p14:nvContentPartPr>
-              <p14:xfrm>
-                <a:off x="7228846" y="3353262"/>
-                <a:ext cx="354240" cy="571680"/>
-              </p14:xfrm>
-            </p:contentPart>
-          </mc:Choice>
-          <mc:Fallback>
-            <p:pic>
-              <p:nvPicPr>
-                <p:cNvPr id="49" name="Pennanteckning 48">
-                  <a:extLst>
-                    <a:ext uri="{FF2B5EF4-FFF2-40B4-BE49-F238E27FC236}">
-                      <a16:creationId xmlns:a16="http://schemas.microsoft.com/office/drawing/2014/main" id="{979C1EC3-8223-3845-A798-7467B78C541A}"/>
-                    </a:ext>
-                  </a:extLst>
-                </p:cNvPr>
-                <p:cNvPicPr/>
-                <p:nvPr/>
-              </p:nvPicPr>
-              <p:blipFill>
-                <a:blip r:embed="rId93"/>
-                <a:stretch>
-                  <a:fillRect/>
-                </a:stretch>
-              </p:blipFill>
-              <p:spPr>
-                <a:xfrm>
-                  <a:off x="7211206" y="3335622"/>
-                  <a:ext cx="389880" cy="607320"/>
-                </a:xfrm>
-                <a:prstGeom prst="rect">
-                  <a:avLst/>
-                </a:prstGeom>
-              </p:spPr>
-            </p:pic>
-          </mc:Fallback>
-        </mc:AlternateContent>
-        <mc:AlternateContent xmlns:mc="http://schemas.openxmlformats.org/markup-compatibility/2006">
-          <mc:Choice xmlns:p14="http://schemas.microsoft.com/office/powerpoint/2010/main" Requires="p14">
-            <p:contentPart p14:bwMode="auto" r:id="rId94">
-              <p14:nvContentPartPr>
-                <p14:cNvPr id="67" name="Pennanteckning 66">
-                  <a:extLst>
-                    <a:ext uri="{FF2B5EF4-FFF2-40B4-BE49-F238E27FC236}">
-                      <a16:creationId xmlns:a16="http://schemas.microsoft.com/office/drawing/2014/main" id="{941DEB47-9734-3444-BB42-241EB08B7A11}"/>
-                    </a:ext>
-                  </a:extLst>
-                </p14:cNvPr>
-                <p14:cNvContentPartPr/>
-                <p14:nvPr/>
-              </p14:nvContentPartPr>
-              <p14:xfrm>
-                <a:off x="3280477" y="1368129"/>
-                <a:ext cx="156960" cy="181800"/>
-              </p14:xfrm>
-            </p:contentPart>
-          </mc:Choice>
-          <mc:Fallback>
-            <p:pic>
-              <p:nvPicPr>
-                <p:cNvPr id="67" name="Pennanteckning 66">
-                  <a:extLst>
-                    <a:ext uri="{FF2B5EF4-FFF2-40B4-BE49-F238E27FC236}">
-                      <a16:creationId xmlns:a16="http://schemas.microsoft.com/office/drawing/2014/main" id="{941DEB47-9734-3444-BB42-241EB08B7A11}"/>
-                    </a:ext>
-                  </a:extLst>
-                </p:cNvPr>
-                <p:cNvPicPr/>
-                <p:nvPr/>
-              </p:nvPicPr>
-              <p:blipFill>
-                <a:blip r:embed="rId95"/>
-                <a:stretch>
-                  <a:fillRect/>
-                </a:stretch>
-              </p:blipFill>
-              <p:spPr>
-                <a:xfrm>
-                  <a:off x="3262837" y="1350129"/>
-                  <a:ext cx="192600" cy="217440"/>
-                </a:xfrm>
-                <a:prstGeom prst="rect">
-                  <a:avLst/>
-                </a:prstGeom>
-              </p:spPr>
-            </p:pic>
-          </mc:Fallback>
-        </mc:AlternateContent>
-        <mc:AlternateContent xmlns:mc="http://schemas.openxmlformats.org/markup-compatibility/2006">
-          <mc:Choice xmlns:p14="http://schemas.microsoft.com/office/powerpoint/2010/main" Requires="p14">
-            <p:contentPart p14:bwMode="auto" r:id="rId96">
-              <p14:nvContentPartPr>
-                <p14:cNvPr id="69" name="Pennanteckning 68">
-                  <a:extLst>
-                    <a:ext uri="{FF2B5EF4-FFF2-40B4-BE49-F238E27FC236}">
-                      <a16:creationId xmlns:a16="http://schemas.microsoft.com/office/drawing/2014/main" id="{E770D7BD-44CA-9848-8E34-87039E1E4620}"/>
-                    </a:ext>
-                  </a:extLst>
-                </p14:cNvPr>
-                <p14:cNvContentPartPr/>
-                <p14:nvPr/>
-              </p14:nvContentPartPr>
-              <p14:xfrm>
-                <a:off x="3037477" y="1636689"/>
-                <a:ext cx="323640" cy="59040"/>
-              </p14:xfrm>
-            </p:contentPart>
-          </mc:Choice>
-          <mc:Fallback>
-            <p:pic>
-              <p:nvPicPr>
-                <p:cNvPr id="69" name="Pennanteckning 68">
-                  <a:extLst>
-                    <a:ext uri="{FF2B5EF4-FFF2-40B4-BE49-F238E27FC236}">
-                      <a16:creationId xmlns:a16="http://schemas.microsoft.com/office/drawing/2014/main" id="{E770D7BD-44CA-9848-8E34-87039E1E4620}"/>
-                    </a:ext>
-                  </a:extLst>
-                </p:cNvPr>
-                <p:cNvPicPr/>
-                <p:nvPr/>
-              </p:nvPicPr>
-              <p:blipFill>
-                <a:blip r:embed="rId97"/>
-                <a:stretch>
-                  <a:fillRect/>
-                </a:stretch>
-              </p:blipFill>
-              <p:spPr>
-                <a:xfrm>
-                  <a:off x="3019837" y="1618689"/>
-                  <a:ext cx="359280" cy="94680"/>
-                </a:xfrm>
-                <a:prstGeom prst="rect">
-                  <a:avLst/>
-                </a:prstGeom>
-              </p:spPr>
-            </p:pic>
-          </mc:Fallback>
-        </mc:AlternateContent>
-        <mc:AlternateContent xmlns:mc="http://schemas.openxmlformats.org/markup-compatibility/2006">
-          <mc:Choice xmlns:p14="http://schemas.microsoft.com/office/powerpoint/2010/main" Requires="p14">
-            <p:contentPart p14:bwMode="auto" r:id="rId98">
-              <p14:nvContentPartPr>
-                <p14:cNvPr id="75" name="Pennanteckning 74">
-                  <a:extLst>
-                    <a:ext uri="{FF2B5EF4-FFF2-40B4-BE49-F238E27FC236}">
-                      <a16:creationId xmlns:a16="http://schemas.microsoft.com/office/drawing/2014/main" id="{2C52DA73-2825-C24D-9EAD-96D158F1A8DE}"/>
-                    </a:ext>
-                  </a:extLst>
-                </p14:cNvPr>
-                <p14:cNvContentPartPr/>
-                <p14:nvPr/>
-              </p14:nvContentPartPr>
-              <p14:xfrm>
-                <a:off x="3546157" y="1502049"/>
-                <a:ext cx="91080" cy="295200"/>
-              </p14:xfrm>
-            </p:contentPart>
-          </mc:Choice>
-          <mc:Fallback>
-            <p:pic>
-              <p:nvPicPr>
-                <p:cNvPr id="75" name="Pennanteckning 74">
-                  <a:extLst>
-                    <a:ext uri="{FF2B5EF4-FFF2-40B4-BE49-F238E27FC236}">
-                      <a16:creationId xmlns:a16="http://schemas.microsoft.com/office/drawing/2014/main" id="{2C52DA73-2825-C24D-9EAD-96D158F1A8DE}"/>
-                    </a:ext>
-                  </a:extLst>
-                </p:cNvPr>
-                <p:cNvPicPr/>
-                <p:nvPr/>
-              </p:nvPicPr>
-              <p:blipFill>
-                <a:blip r:embed="rId99"/>
-                <a:stretch>
-                  <a:fillRect/>
-                </a:stretch>
-              </p:blipFill>
-              <p:spPr>
-                <a:xfrm>
-                  <a:off x="3528517" y="1484409"/>
-                  <a:ext cx="126720" cy="330840"/>
-                </a:xfrm>
-                <a:prstGeom prst="rect">
-                  <a:avLst/>
-                </a:prstGeom>
-              </p:spPr>
-            </p:pic>
-          </mc:Fallback>
-        </mc:AlternateContent>
-        <mc:AlternateContent xmlns:mc="http://schemas.openxmlformats.org/markup-compatibility/2006">
-          <mc:Choice xmlns:p14="http://schemas.microsoft.com/office/powerpoint/2010/main" Requires="p14">
-            <p:contentPart p14:bwMode="auto" r:id="rId100">
-              <p14:nvContentPartPr>
-                <p14:cNvPr id="77" name="Pennanteckning 76">
-                  <a:extLst>
-                    <a:ext uri="{FF2B5EF4-FFF2-40B4-BE49-F238E27FC236}">
-                      <a16:creationId xmlns:a16="http://schemas.microsoft.com/office/drawing/2014/main" id="{2F9BF636-266A-3C46-8373-2BF25DD90874}"/>
-                    </a:ext>
-                  </a:extLst>
-                </p14:cNvPr>
-                <p14:cNvContentPartPr/>
-                <p14:nvPr/>
-              </p14:nvContentPartPr>
-              <p14:xfrm>
-                <a:off x="3594757" y="1542729"/>
-                <a:ext cx="11160" cy="141840"/>
-              </p14:xfrm>
-            </p:contentPart>
-          </mc:Choice>
-          <mc:Fallback>
-            <p:pic>
-              <p:nvPicPr>
-                <p:cNvPr id="77" name="Pennanteckning 76">
-                  <a:extLst>
-                    <a:ext uri="{FF2B5EF4-FFF2-40B4-BE49-F238E27FC236}">
-                      <a16:creationId xmlns:a16="http://schemas.microsoft.com/office/drawing/2014/main" id="{2F9BF636-266A-3C46-8373-2BF25DD90874}"/>
-                    </a:ext>
-                  </a:extLst>
-                </p:cNvPr>
-                <p:cNvPicPr/>
-                <p:nvPr/>
-              </p:nvPicPr>
-              <p:blipFill>
-                <a:blip r:embed="rId101"/>
-                <a:stretch>
-                  <a:fillRect/>
-                </a:stretch>
-              </p:blipFill>
-              <p:spPr>
-                <a:xfrm>
-                  <a:off x="3576757" y="1525089"/>
-                  <a:ext cx="46800" cy="177480"/>
-                </a:xfrm>
-                <a:prstGeom prst="rect">
-                  <a:avLst/>
-                </a:prstGeom>
-              </p:spPr>
-            </p:pic>
-          </mc:Fallback>
-        </mc:AlternateContent>
-        <mc:AlternateContent xmlns:mc="http://schemas.openxmlformats.org/markup-compatibility/2006">
-          <mc:Choice xmlns:p14="http://schemas.microsoft.com/office/powerpoint/2010/main" Requires="p14">
-            <p:contentPart p14:bwMode="auto" r:id="rId102">
-              <p14:nvContentPartPr>
-                <p14:cNvPr id="83" name="Pennanteckning 82">
-                  <a:extLst>
-                    <a:ext uri="{FF2B5EF4-FFF2-40B4-BE49-F238E27FC236}">
-                      <a16:creationId xmlns:a16="http://schemas.microsoft.com/office/drawing/2014/main" id="{3B9FED4E-B4A5-7F42-A94C-D445D7E262CC}"/>
-                    </a:ext>
-                  </a:extLst>
-                </p14:cNvPr>
-                <p14:cNvContentPartPr/>
-                <p14:nvPr/>
-              </p14:nvContentPartPr>
-              <p14:xfrm>
-                <a:off x="3599797" y="1932249"/>
-                <a:ext cx="107280" cy="970920"/>
-              </p14:xfrm>
-            </p:contentPart>
-          </mc:Choice>
-          <mc:Fallback>
-            <p:pic>
-              <p:nvPicPr>
-                <p:cNvPr id="83" name="Pennanteckning 82">
-                  <a:extLst>
-                    <a:ext uri="{FF2B5EF4-FFF2-40B4-BE49-F238E27FC236}">
-                      <a16:creationId xmlns:a16="http://schemas.microsoft.com/office/drawing/2014/main" id="{3B9FED4E-B4A5-7F42-A94C-D445D7E262CC}"/>
-                    </a:ext>
-                  </a:extLst>
-                </p:cNvPr>
-                <p:cNvPicPr/>
-                <p:nvPr/>
-              </p:nvPicPr>
-              <p:blipFill>
-                <a:blip r:embed="rId103"/>
-                <a:stretch>
-                  <a:fillRect/>
-                </a:stretch>
-              </p:blipFill>
-              <p:spPr>
-                <a:xfrm>
-                  <a:off x="3582157" y="1914609"/>
-                  <a:ext cx="142920" cy="1006560"/>
-                </a:xfrm>
-                <a:prstGeom prst="rect">
-                  <a:avLst/>
-                </a:prstGeom>
-              </p:spPr>
-            </p:pic>
-          </mc:Fallback>
-        </mc:AlternateContent>
-        <mc:AlternateContent xmlns:mc="http://schemas.openxmlformats.org/markup-compatibility/2006">
-          <mc:Choice xmlns:p14="http://schemas.microsoft.com/office/powerpoint/2010/main" Requires="p14">
-            <p:contentPart p14:bwMode="auto" r:id="rId104">
-              <p14:nvContentPartPr>
-                <p14:cNvPr id="84" name="Pennanteckning 83">
-                  <a:extLst>
-                    <a:ext uri="{FF2B5EF4-FFF2-40B4-BE49-F238E27FC236}">
-                      <a16:creationId xmlns:a16="http://schemas.microsoft.com/office/drawing/2014/main" id="{5EC4EF36-0DA4-4B4C-975F-6A421D770D9B}"/>
-                    </a:ext>
-                  </a:extLst>
-                </p14:cNvPr>
-                <p14:cNvContentPartPr/>
-                <p14:nvPr/>
-              </p14:nvContentPartPr>
-              <p14:xfrm>
-                <a:off x="3676477" y="2920449"/>
-                <a:ext cx="30600" cy="50400"/>
-              </p14:xfrm>
-            </p:contentPart>
-          </mc:Choice>
-          <mc:Fallback>
-            <p:pic>
-              <p:nvPicPr>
-                <p:cNvPr id="84" name="Pennanteckning 83">
-                  <a:extLst>
-                    <a:ext uri="{FF2B5EF4-FFF2-40B4-BE49-F238E27FC236}">
-                      <a16:creationId xmlns:a16="http://schemas.microsoft.com/office/drawing/2014/main" id="{5EC4EF36-0DA4-4B4C-975F-6A421D770D9B}"/>
-                    </a:ext>
-                  </a:extLst>
-                </p:cNvPr>
-                <p:cNvPicPr/>
-                <p:nvPr/>
-              </p:nvPicPr>
-              <p:blipFill>
-                <a:blip r:embed="rId105"/>
-                <a:stretch>
-                  <a:fillRect/>
-                </a:stretch>
-              </p:blipFill>
-              <p:spPr>
-                <a:xfrm>
-                  <a:off x="3658837" y="2902809"/>
-                  <a:ext cx="66240" cy="86040"/>
-                </a:xfrm>
-                <a:prstGeom prst="rect">
-                  <a:avLst/>
-                </a:prstGeom>
-              </p:spPr>
-            </p:pic>
-          </mc:Fallback>
-        </mc:AlternateContent>
-        <mc:AlternateContent xmlns:mc="http://schemas.openxmlformats.org/markup-compatibility/2006">
-          <mc:Choice xmlns:p14="http://schemas.microsoft.com/office/powerpoint/2010/main" Requires="p14">
-            <p:contentPart p14:bwMode="auto" r:id="rId106">
-              <p14:nvContentPartPr>
-                <p14:cNvPr id="87" name="Pennanteckning 86">
-                  <a:extLst>
-                    <a:ext uri="{FF2B5EF4-FFF2-40B4-BE49-F238E27FC236}">
-                      <a16:creationId xmlns:a16="http://schemas.microsoft.com/office/drawing/2014/main" id="{DC2649BD-7231-EE48-AB23-822DC47ECE78}"/>
-                    </a:ext>
-                  </a:extLst>
-                </p14:cNvPr>
-                <p14:cNvContentPartPr/>
-                <p14:nvPr/>
-              </p14:nvContentPartPr>
-              <p14:xfrm>
-                <a:off x="3655597" y="1490529"/>
-                <a:ext cx="576720" cy="394920"/>
-              </p14:xfrm>
-            </p:contentPart>
-          </mc:Choice>
-          <mc:Fallback>
-            <p:pic>
-              <p:nvPicPr>
-                <p:cNvPr id="87" name="Pennanteckning 86">
-                  <a:extLst>
-                    <a:ext uri="{FF2B5EF4-FFF2-40B4-BE49-F238E27FC236}">
-                      <a16:creationId xmlns:a16="http://schemas.microsoft.com/office/drawing/2014/main" id="{DC2649BD-7231-EE48-AB23-822DC47ECE78}"/>
-                    </a:ext>
-                  </a:extLst>
-                </p:cNvPr>
-                <p:cNvPicPr/>
-                <p:nvPr/>
-              </p:nvPicPr>
-              <p:blipFill>
-                <a:blip r:embed="rId107"/>
-                <a:stretch>
-                  <a:fillRect/>
-                </a:stretch>
-              </p:blipFill>
-              <p:spPr>
-                <a:xfrm>
-                  <a:off x="3637597" y="1472889"/>
-                  <a:ext cx="612360" cy="430560"/>
-                </a:xfrm>
-                <a:prstGeom prst="rect">
-                  <a:avLst/>
-                </a:prstGeom>
-              </p:spPr>
-            </p:pic>
-          </mc:Fallback>
-        </mc:AlternateContent>
-        <mc:AlternateContent xmlns:mc="http://schemas.openxmlformats.org/markup-compatibility/2006">
-          <mc:Choice xmlns:p14="http://schemas.microsoft.com/office/powerpoint/2010/main" Requires="p14">
-            <p:contentPart p14:bwMode="auto" r:id="rId108">
-              <p14:nvContentPartPr>
-                <p14:cNvPr id="88" name="Pennanteckning 87">
-                  <a:extLst>
-                    <a:ext uri="{FF2B5EF4-FFF2-40B4-BE49-F238E27FC236}">
-                      <a16:creationId xmlns:a16="http://schemas.microsoft.com/office/drawing/2014/main" id="{AE7A6EFD-C492-084D-95A3-7DAADFD76950}"/>
-                    </a:ext>
-                  </a:extLst>
-                </p14:cNvPr>
-                <p14:cNvContentPartPr/>
-                <p14:nvPr/>
-              </p14:nvContentPartPr>
-              <p14:xfrm>
-                <a:off x="3505837" y="1485489"/>
-                <a:ext cx="194400" cy="360"/>
-              </p14:xfrm>
-            </p:contentPart>
-          </mc:Choice>
-          <mc:Fallback>
-            <p:pic>
-              <p:nvPicPr>
-                <p:cNvPr id="88" name="Pennanteckning 87">
-                  <a:extLst>
-                    <a:ext uri="{FF2B5EF4-FFF2-40B4-BE49-F238E27FC236}">
-                      <a16:creationId xmlns:a16="http://schemas.microsoft.com/office/drawing/2014/main" id="{AE7A6EFD-C492-084D-95A3-7DAADFD76950}"/>
-                    </a:ext>
-                  </a:extLst>
-                </p:cNvPr>
-                <p:cNvPicPr/>
-                <p:nvPr/>
-              </p:nvPicPr>
-              <p:blipFill>
-                <a:blip r:embed="rId109"/>
-                <a:stretch>
-                  <a:fillRect/>
-                </a:stretch>
-              </p:blipFill>
-              <p:spPr>
-                <a:xfrm>
-                  <a:off x="3488197" y="1467489"/>
-                  <a:ext cx="230040" cy="36000"/>
-                </a:xfrm>
-                <a:prstGeom prst="rect">
-                  <a:avLst/>
-                </a:prstGeom>
-              </p:spPr>
-            </p:pic>
-          </mc:Fallback>
-        </mc:AlternateContent>
-        <mc:AlternateContent xmlns:mc="http://schemas.openxmlformats.org/markup-compatibility/2006">
-          <mc:Choice xmlns:p14="http://schemas.microsoft.com/office/powerpoint/2010/main" Requires="p14">
-            <p:contentPart p14:bwMode="auto" r:id="rId110">
-              <p14:nvContentPartPr>
-                <p14:cNvPr id="91" name="Pennanteckning 90">
-                  <a:extLst>
-                    <a:ext uri="{FF2B5EF4-FFF2-40B4-BE49-F238E27FC236}">
-                      <a16:creationId xmlns:a16="http://schemas.microsoft.com/office/drawing/2014/main" id="{C3E88509-6584-1E40-859D-76AD6C95431C}"/>
-                    </a:ext>
-                  </a:extLst>
-                </p14:cNvPr>
-                <p14:cNvContentPartPr/>
-                <p14:nvPr/>
-              </p14:nvContentPartPr>
-              <p14:xfrm>
-                <a:off x="3709597" y="1768089"/>
-                <a:ext cx="514800" cy="560520"/>
-              </p14:xfrm>
-            </p:contentPart>
-          </mc:Choice>
-          <mc:Fallback>
-            <p:pic>
-              <p:nvPicPr>
-                <p:cNvPr id="91" name="Pennanteckning 90">
-                  <a:extLst>
-                    <a:ext uri="{FF2B5EF4-FFF2-40B4-BE49-F238E27FC236}">
-                      <a16:creationId xmlns:a16="http://schemas.microsoft.com/office/drawing/2014/main" id="{C3E88509-6584-1E40-859D-76AD6C95431C}"/>
-                    </a:ext>
-                  </a:extLst>
-                </p:cNvPr>
-                <p:cNvPicPr/>
-                <p:nvPr/>
-              </p:nvPicPr>
-              <p:blipFill>
-                <a:blip r:embed="rId111"/>
-                <a:stretch>
-                  <a:fillRect/>
-                </a:stretch>
-              </p:blipFill>
-              <p:spPr>
-                <a:xfrm>
-                  <a:off x="3691597" y="1750089"/>
-                  <a:ext cx="550440" cy="596160"/>
-                </a:xfrm>
-                <a:prstGeom prst="rect">
-                  <a:avLst/>
-                </a:prstGeom>
-              </p:spPr>
-            </p:pic>
-          </mc:Fallback>
-        </mc:AlternateContent>
-      </p:grpSp>
+          <a:prstGeom prst="rect">
+            <a:avLst/>
+          </a:prstGeom>
+        </p:spPr>
+        <p:txBody>
+          <a:bodyPr vert="horz" lIns="91440" tIns="45720" rIns="91440" bIns="45720" rtlCol="0" anchor="ctr">
+            <a:normAutofit/>
+          </a:bodyPr>
+          <a:lstStyle>
+            <a:lvl1pPr algn="l" defTabSz="914400" rtl="0" eaLnBrk="1" latinLnBrk="0" hangingPunct="1">
+              <a:lnSpc>
+                <a:spcPct val="90000"/>
+              </a:lnSpc>
+              <a:spcBef>
+                <a:spcPct val="0"/>
+              </a:spcBef>
+              <a:buNone/>
+              <a:defRPr sz="4400" kern="1200">
+                <a:solidFill>
+                  <a:schemeClr val="tx1"/>
+                </a:solidFill>
+                <a:latin typeface="+mj-lt"/>
+                <a:ea typeface="+mj-ea"/>
+                <a:cs typeface="+mj-cs"/>
+              </a:defRPr>
+            </a:lvl1pPr>
+          </a:lstStyle>
+          <a:p>
+            <a:r>
+              <a:rPr lang="sv-SE" dirty="0">
+                <a:solidFill>
+                  <a:srgbClr val="1CA3AE"/>
+                </a:solidFill>
+              </a:rPr>
+              <a:t>hej</a:t>
+            </a:r>
+          </a:p>
+        </p:txBody>
+      </p:sp>
+      <p:sp>
+        <p:nvSpPr>
+          <p:cNvPr id="7" name="Rubrik 1">
+            <a:extLst>
+              <a:ext uri="{FF2B5EF4-FFF2-40B4-BE49-F238E27FC236}">
+                <a16:creationId xmlns:a16="http://schemas.microsoft.com/office/drawing/2014/main" id="{B1371BA4-9BBC-4347-81B5-D05D254E0F2F}"/>
+              </a:ext>
+            </a:extLst>
+          </p:cNvPr>
+          <p:cNvSpPr txBox="1">
+            <a:spLocks/>
+          </p:cNvSpPr>
+          <p:nvPr/>
+        </p:nvSpPr>
+        <p:spPr>
+          <a:xfrm>
+            <a:off x="3657600" y="868702"/>
+            <a:ext cx="10515600" cy="1325563"/>
+          </a:xfrm>
+          <a:prstGeom prst="rect">
+            <a:avLst/>
+          </a:prstGeom>
+        </p:spPr>
+        <p:txBody>
+          <a:bodyPr vert="horz" lIns="91440" tIns="45720" rIns="91440" bIns="45720" rtlCol="0" anchor="ctr">
+            <a:normAutofit/>
+          </a:bodyPr>
+          <a:lstStyle>
+            <a:lvl1pPr algn="l" defTabSz="914400" rtl="0" eaLnBrk="1" latinLnBrk="0" hangingPunct="1">
+              <a:lnSpc>
+                <a:spcPct val="90000"/>
+              </a:lnSpc>
+              <a:spcBef>
+                <a:spcPct val="0"/>
+              </a:spcBef>
+              <a:buNone/>
+              <a:defRPr sz="4400" kern="1200">
+                <a:solidFill>
+                  <a:schemeClr val="tx1"/>
+                </a:solidFill>
+                <a:latin typeface="+mj-lt"/>
+                <a:ea typeface="+mj-ea"/>
+                <a:cs typeface="+mj-cs"/>
+              </a:defRPr>
+            </a:lvl1pPr>
+          </a:lstStyle>
+          <a:p>
+            <a:r>
+              <a:rPr lang="sv-SE" dirty="0" err="1">
+                <a:solidFill>
+                  <a:srgbClr val="FF4566"/>
+                </a:solidFill>
+              </a:rPr>
+              <a:t>Error</a:t>
+            </a:r>
+            <a:r>
+              <a:rPr lang="sv-SE" dirty="0">
+                <a:solidFill>
+                  <a:srgbClr val="FF4566"/>
+                </a:solidFill>
+              </a:rPr>
+              <a:t>!</a:t>
+            </a:r>
+          </a:p>
+        </p:txBody>
+      </p:sp>
     </p:spTree>
     <p:extLst>
       <p:ext uri="{BB962C8B-B14F-4D97-AF65-F5344CB8AC3E}">
-        <p14:creationId xmlns:p14="http://schemas.microsoft.com/office/powerpoint/2010/main" val="147192648"/>
+        <p14:creationId xmlns:p14="http://schemas.microsoft.com/office/powerpoint/2010/main" val="2301084855"/>
       </p:ext>
     </p:extLst>
   </p:cSld>
